--- a/docs/MOTHERSHIP_ICRA25_Figures_Prese.pptx
+++ b/docs/MOTHERSHIP_ICRA25_Figures_Prese.pptx
@@ -5,7 +5,7 @@
     <p:sldMasterId id="2147483648" r:id="rId1"/>
   </p:sldMasterIdLst>
   <p:notesMasterIdLst>
-    <p:notesMasterId r:id="rId14"/>
+    <p:notesMasterId r:id="rId16"/>
   </p:notesMasterIdLst>
   <p:sldIdLst>
     <p:sldId id="257" r:id="rId2"/>
@@ -14,12 +14,14 @@
     <p:sldId id="258" r:id="rId5"/>
     <p:sldId id="256" r:id="rId6"/>
     <p:sldId id="262" r:id="rId7"/>
-    <p:sldId id="263" r:id="rId8"/>
-    <p:sldId id="266" r:id="rId9"/>
-    <p:sldId id="265" r:id="rId10"/>
-    <p:sldId id="264" r:id="rId11"/>
-    <p:sldId id="259" r:id="rId12"/>
-    <p:sldId id="260" r:id="rId13"/>
+    <p:sldId id="269" r:id="rId8"/>
+    <p:sldId id="263" r:id="rId9"/>
+    <p:sldId id="266" r:id="rId10"/>
+    <p:sldId id="265" r:id="rId11"/>
+    <p:sldId id="268" r:id="rId12"/>
+    <p:sldId id="264" r:id="rId13"/>
+    <p:sldId id="259" r:id="rId14"/>
+    <p:sldId id="260" r:id="rId15"/>
   </p:sldIdLst>
   <p:sldSz cx="12192000" cy="6858000"/>
   <p:notesSz cx="6858000" cy="9144000"/>
@@ -208,7 +210,7 @@
           <a:p>
             <a:fld id="{44EF6731-CE5D-45C9-9CCD-2CD88CC7AF13}" type="datetimeFigureOut">
               <a:rPr lang="en-US" smtClean="0"/>
-              <a:t>12/3/2024</a:t>
+              <a:t>2/25/2025</a:t>
             </a:fld>
             <a:endParaRPr lang="en-US"/>
           </a:p>
@@ -898,7 +900,7 @@
           <a:p>
             <a:fld id="{17D6DE79-37ED-4C0A-9B59-9C430318E273}" type="datetimeFigureOut">
               <a:rPr lang="en-US" smtClean="0"/>
-              <a:t>12/3/2024</a:t>
+              <a:t>2/25/2025</a:t>
             </a:fld>
             <a:endParaRPr lang="en-US"/>
           </a:p>
@@ -1096,7 +1098,7 @@
           <a:p>
             <a:fld id="{17D6DE79-37ED-4C0A-9B59-9C430318E273}" type="datetimeFigureOut">
               <a:rPr lang="en-US" smtClean="0"/>
-              <a:t>12/3/2024</a:t>
+              <a:t>2/25/2025</a:t>
             </a:fld>
             <a:endParaRPr lang="en-US"/>
           </a:p>
@@ -1304,7 +1306,7 @@
           <a:p>
             <a:fld id="{17D6DE79-37ED-4C0A-9B59-9C430318E273}" type="datetimeFigureOut">
               <a:rPr lang="en-US" smtClean="0"/>
-              <a:t>12/3/2024</a:t>
+              <a:t>2/25/2025</a:t>
             </a:fld>
             <a:endParaRPr lang="en-US"/>
           </a:p>
@@ -1502,7 +1504,7 @@
           <a:p>
             <a:fld id="{17D6DE79-37ED-4C0A-9B59-9C430318E273}" type="datetimeFigureOut">
               <a:rPr lang="en-US" smtClean="0"/>
-              <a:t>12/3/2024</a:t>
+              <a:t>2/25/2025</a:t>
             </a:fld>
             <a:endParaRPr lang="en-US"/>
           </a:p>
@@ -1777,7 +1779,7 @@
           <a:p>
             <a:fld id="{17D6DE79-37ED-4C0A-9B59-9C430318E273}" type="datetimeFigureOut">
               <a:rPr lang="en-US" smtClean="0"/>
-              <a:t>12/3/2024</a:t>
+              <a:t>2/25/2025</a:t>
             </a:fld>
             <a:endParaRPr lang="en-US"/>
           </a:p>
@@ -2042,7 +2044,7 @@
           <a:p>
             <a:fld id="{17D6DE79-37ED-4C0A-9B59-9C430318E273}" type="datetimeFigureOut">
               <a:rPr lang="en-US" smtClean="0"/>
-              <a:t>12/3/2024</a:t>
+              <a:t>2/25/2025</a:t>
             </a:fld>
             <a:endParaRPr lang="en-US"/>
           </a:p>
@@ -2454,7 +2456,7 @@
           <a:p>
             <a:fld id="{17D6DE79-37ED-4C0A-9B59-9C430318E273}" type="datetimeFigureOut">
               <a:rPr lang="en-US" smtClean="0"/>
-              <a:t>12/3/2024</a:t>
+              <a:t>2/25/2025</a:t>
             </a:fld>
             <a:endParaRPr lang="en-US"/>
           </a:p>
@@ -2595,7 +2597,7 @@
           <a:p>
             <a:fld id="{17D6DE79-37ED-4C0A-9B59-9C430318E273}" type="datetimeFigureOut">
               <a:rPr lang="en-US" smtClean="0"/>
-              <a:t>12/3/2024</a:t>
+              <a:t>2/25/2025</a:t>
             </a:fld>
             <a:endParaRPr lang="en-US"/>
           </a:p>
@@ -2708,7 +2710,7 @@
           <a:p>
             <a:fld id="{17D6DE79-37ED-4C0A-9B59-9C430318E273}" type="datetimeFigureOut">
               <a:rPr lang="en-US" smtClean="0"/>
-              <a:t>12/3/2024</a:t>
+              <a:t>2/25/2025</a:t>
             </a:fld>
             <a:endParaRPr lang="en-US"/>
           </a:p>
@@ -3019,7 +3021,7 @@
           <a:p>
             <a:fld id="{17D6DE79-37ED-4C0A-9B59-9C430318E273}" type="datetimeFigureOut">
               <a:rPr lang="en-US" smtClean="0"/>
-              <a:t>12/3/2024</a:t>
+              <a:t>2/25/2025</a:t>
             </a:fld>
             <a:endParaRPr lang="en-US"/>
           </a:p>
@@ -3307,7 +3309,7 @@
           <a:p>
             <a:fld id="{17D6DE79-37ED-4C0A-9B59-9C430318E273}" type="datetimeFigureOut">
               <a:rPr lang="en-US" smtClean="0"/>
-              <a:t>12/3/2024</a:t>
+              <a:t>2/25/2025</a:t>
             </a:fld>
             <a:endParaRPr lang="en-US"/>
           </a:p>
@@ -3548,7 +3550,7 @@
           <a:p>
             <a:fld id="{17D6DE79-37ED-4C0A-9B59-9C430318E273}" type="datetimeFigureOut">
               <a:rPr lang="en-US" smtClean="0"/>
-              <a:t>12/3/2024</a:t>
+              <a:t>2/25/2025</a:t>
             </a:fld>
             <a:endParaRPr lang="en-US"/>
           </a:p>
@@ -7313,6 +7315,3556 @@
       </p:grpSpPr>
       <p:pic>
         <p:nvPicPr>
+          <p:cNvPr id="9" name="Picture 8" descr="A screen shot of a graph&#10;&#10;Description automatically generated">
+            <a:extLst>
+              <a:ext uri="{FF2B5EF4-FFF2-40B4-BE49-F238E27FC236}">
+                <a16:creationId xmlns:a16="http://schemas.microsoft.com/office/drawing/2014/main" id="{2B8E8CB3-91F6-DD4A-C7B1-0DCC03653C4D}"/>
+              </a:ext>
+            </a:extLst>
+          </p:cNvPr>
+          <p:cNvPicPr>
+            <a:picLocks noChangeAspect="1"/>
+          </p:cNvPicPr>
+          <p:nvPr/>
+        </p:nvPicPr>
+        <p:blipFill>
+          <a:blip r:embed="rId2">
+            <a:extLst>
+              <a:ext uri="{28A0092B-C50C-407E-A947-70E740481C1C}">
+                <a14:useLocalDpi xmlns:a14="http://schemas.microsoft.com/office/drawing/2010/main" val="0"/>
+              </a:ext>
+            </a:extLst>
+          </a:blip>
+          <a:srcRect l="2970" t="7349" r="8394" b="3561"/>
+          <a:stretch/>
+        </p:blipFill>
+        <p:spPr>
+          <a:xfrm>
+            <a:off x="847898" y="306317"/>
+            <a:ext cx="10355833" cy="6245365"/>
+          </a:xfrm>
+          <a:prstGeom prst="rect">
+            <a:avLst/>
+          </a:prstGeom>
+        </p:spPr>
+      </p:pic>
+      <p:sp>
+        <p:nvSpPr>
+          <p:cNvPr id="2" name="Oval 1">
+            <a:extLst>
+              <a:ext uri="{FF2B5EF4-FFF2-40B4-BE49-F238E27FC236}">
+                <a16:creationId xmlns:a16="http://schemas.microsoft.com/office/drawing/2014/main" id="{7BF439FA-B83B-017B-C7D1-63EC6A6C0890}"/>
+              </a:ext>
+            </a:extLst>
+          </p:cNvPr>
+          <p:cNvSpPr/>
+          <p:nvPr/>
+        </p:nvSpPr>
+        <p:spPr>
+          <a:xfrm>
+            <a:off x="9676014" y="2718262"/>
+            <a:ext cx="315883" cy="315883"/>
+          </a:xfrm>
+          <a:prstGeom prst="ellipse">
+            <a:avLst/>
+          </a:prstGeom>
+          <a:ln>
+            <a:solidFill>
+              <a:schemeClr val="accent1"/>
+            </a:solidFill>
+          </a:ln>
+        </p:spPr>
+        <p:style>
+          <a:lnRef idx="2">
+            <a:schemeClr val="accent1">
+              <a:shade val="15000"/>
+            </a:schemeClr>
+          </a:lnRef>
+          <a:fillRef idx="1">
+            <a:schemeClr val="accent1"/>
+          </a:fillRef>
+          <a:effectRef idx="0">
+            <a:schemeClr val="accent1"/>
+          </a:effectRef>
+          <a:fontRef idx="minor">
+            <a:schemeClr val="lt1"/>
+          </a:fontRef>
+        </p:style>
+        <p:txBody>
+          <a:bodyPr rtlCol="0" anchor="ctr"/>
+          <a:lstStyle/>
+          <a:p>
+            <a:pPr algn="ctr"/>
+            <a:r>
+              <a:rPr lang="en-US" dirty="0"/>
+              <a:t>M</a:t>
+            </a:r>
+          </a:p>
+        </p:txBody>
+      </p:sp>
+      <p:sp>
+        <p:nvSpPr>
+          <p:cNvPr id="3" name="Oval 2">
+            <a:extLst>
+              <a:ext uri="{FF2B5EF4-FFF2-40B4-BE49-F238E27FC236}">
+                <a16:creationId xmlns:a16="http://schemas.microsoft.com/office/drawing/2014/main" id="{B47587B6-EE86-5CF9-8DE9-4490ADCE8678}"/>
+              </a:ext>
+            </a:extLst>
+          </p:cNvPr>
+          <p:cNvSpPr/>
+          <p:nvPr/>
+        </p:nvSpPr>
+        <p:spPr>
+          <a:xfrm>
+            <a:off x="9728660" y="1324496"/>
+            <a:ext cx="315883" cy="315883"/>
+          </a:xfrm>
+          <a:prstGeom prst="ellipse">
+            <a:avLst/>
+          </a:prstGeom>
+          <a:solidFill>
+            <a:schemeClr val="accent2"/>
+          </a:solidFill>
+          <a:ln>
+            <a:solidFill>
+              <a:schemeClr val="accent2"/>
+            </a:solidFill>
+          </a:ln>
+        </p:spPr>
+        <p:style>
+          <a:lnRef idx="2">
+            <a:schemeClr val="accent1">
+              <a:shade val="15000"/>
+            </a:schemeClr>
+          </a:lnRef>
+          <a:fillRef idx="1">
+            <a:schemeClr val="accent1"/>
+          </a:fillRef>
+          <a:effectRef idx="0">
+            <a:schemeClr val="accent1"/>
+          </a:effectRef>
+          <a:fontRef idx="minor">
+            <a:schemeClr val="lt1"/>
+          </a:fontRef>
+        </p:style>
+        <p:txBody>
+          <a:bodyPr rtlCol="0" anchor="ctr"/>
+          <a:lstStyle/>
+          <a:p>
+            <a:pPr algn="ctr"/>
+            <a:r>
+              <a:rPr lang="en-US" dirty="0"/>
+              <a:t>v</a:t>
+            </a:r>
+          </a:p>
+        </p:txBody>
+      </p:sp>
+      <p:sp>
+        <p:nvSpPr>
+          <p:cNvPr id="4" name="Oval 3">
+            <a:extLst>
+              <a:ext uri="{FF2B5EF4-FFF2-40B4-BE49-F238E27FC236}">
+                <a16:creationId xmlns:a16="http://schemas.microsoft.com/office/drawing/2014/main" id="{8032AD55-B10E-A5E7-A716-FEB7EF2D82AB}"/>
+              </a:ext>
+            </a:extLst>
+          </p:cNvPr>
+          <p:cNvSpPr/>
+          <p:nvPr/>
+        </p:nvSpPr>
+        <p:spPr>
+          <a:xfrm>
+            <a:off x="8958347" y="5367252"/>
+            <a:ext cx="315883" cy="315883"/>
+          </a:xfrm>
+          <a:prstGeom prst="ellipse">
+            <a:avLst/>
+          </a:prstGeom>
+          <a:solidFill>
+            <a:schemeClr val="accent2"/>
+          </a:solidFill>
+          <a:ln>
+            <a:solidFill>
+              <a:schemeClr val="accent2"/>
+            </a:solidFill>
+          </a:ln>
+        </p:spPr>
+        <p:style>
+          <a:lnRef idx="2">
+            <a:schemeClr val="accent1">
+              <a:shade val="15000"/>
+            </a:schemeClr>
+          </a:lnRef>
+          <a:fillRef idx="1">
+            <a:schemeClr val="accent1"/>
+          </a:fillRef>
+          <a:effectRef idx="0">
+            <a:schemeClr val="accent1"/>
+          </a:effectRef>
+          <a:fontRef idx="minor">
+            <a:schemeClr val="lt1"/>
+          </a:fontRef>
+        </p:style>
+        <p:txBody>
+          <a:bodyPr rtlCol="0" anchor="ctr"/>
+          <a:lstStyle/>
+          <a:p>
+            <a:pPr algn="ctr"/>
+            <a:r>
+              <a:rPr lang="en-US" dirty="0"/>
+              <a:t>v</a:t>
+            </a:r>
+          </a:p>
+        </p:txBody>
+      </p:sp>
+      <p:sp>
+        <p:nvSpPr>
+          <p:cNvPr id="6" name="Oval 5">
+            <a:extLst>
+              <a:ext uri="{FF2B5EF4-FFF2-40B4-BE49-F238E27FC236}">
+                <a16:creationId xmlns:a16="http://schemas.microsoft.com/office/drawing/2014/main" id="{099A8E4F-70CD-AFA6-3E9C-788167D734DE}"/>
+              </a:ext>
+            </a:extLst>
+          </p:cNvPr>
+          <p:cNvSpPr/>
+          <p:nvPr/>
+        </p:nvSpPr>
+        <p:spPr>
+          <a:xfrm>
+            <a:off x="9069180" y="4045528"/>
+            <a:ext cx="315883" cy="315883"/>
+          </a:xfrm>
+          <a:prstGeom prst="ellipse">
+            <a:avLst/>
+          </a:prstGeom>
+          <a:solidFill>
+            <a:schemeClr val="accent2"/>
+          </a:solidFill>
+          <a:ln>
+            <a:solidFill>
+              <a:schemeClr val="accent2"/>
+            </a:solidFill>
+          </a:ln>
+        </p:spPr>
+        <p:style>
+          <a:lnRef idx="2">
+            <a:schemeClr val="accent1">
+              <a:shade val="15000"/>
+            </a:schemeClr>
+          </a:lnRef>
+          <a:fillRef idx="1">
+            <a:schemeClr val="accent1"/>
+          </a:fillRef>
+          <a:effectRef idx="0">
+            <a:schemeClr val="accent1"/>
+          </a:effectRef>
+          <a:fontRef idx="minor">
+            <a:schemeClr val="lt1"/>
+          </a:fontRef>
+        </p:style>
+        <p:txBody>
+          <a:bodyPr rtlCol="0" anchor="ctr"/>
+          <a:lstStyle/>
+          <a:p>
+            <a:pPr algn="ctr"/>
+            <a:r>
+              <a:rPr lang="en-US" dirty="0"/>
+              <a:t>v</a:t>
+            </a:r>
+          </a:p>
+        </p:txBody>
+      </p:sp>
+      <p:sp>
+        <p:nvSpPr>
+          <p:cNvPr id="7" name="Oval 6">
+            <a:extLst>
+              <a:ext uri="{FF2B5EF4-FFF2-40B4-BE49-F238E27FC236}">
+                <a16:creationId xmlns:a16="http://schemas.microsoft.com/office/drawing/2014/main" id="{52626FFC-4998-8806-837B-65E89F153F91}"/>
+              </a:ext>
+            </a:extLst>
+          </p:cNvPr>
+          <p:cNvSpPr/>
+          <p:nvPr/>
+        </p:nvSpPr>
+        <p:spPr>
+          <a:xfrm>
+            <a:off x="8451271" y="3654831"/>
+            <a:ext cx="315883" cy="315883"/>
+          </a:xfrm>
+          <a:prstGeom prst="ellipse">
+            <a:avLst/>
+          </a:prstGeom>
+          <a:solidFill>
+            <a:schemeClr val="accent2"/>
+          </a:solidFill>
+          <a:ln>
+            <a:solidFill>
+              <a:schemeClr val="accent2"/>
+            </a:solidFill>
+          </a:ln>
+        </p:spPr>
+        <p:style>
+          <a:lnRef idx="2">
+            <a:schemeClr val="accent1">
+              <a:shade val="15000"/>
+            </a:schemeClr>
+          </a:lnRef>
+          <a:fillRef idx="1">
+            <a:schemeClr val="accent1"/>
+          </a:fillRef>
+          <a:effectRef idx="0">
+            <a:schemeClr val="accent1"/>
+          </a:effectRef>
+          <a:fontRef idx="minor">
+            <a:schemeClr val="lt1"/>
+          </a:fontRef>
+        </p:style>
+        <p:txBody>
+          <a:bodyPr rtlCol="0" anchor="ctr"/>
+          <a:lstStyle/>
+          <a:p>
+            <a:pPr algn="ctr"/>
+            <a:r>
+              <a:rPr lang="en-US" dirty="0"/>
+              <a:t>v</a:t>
+            </a:r>
+          </a:p>
+        </p:txBody>
+      </p:sp>
+      <p:sp>
+        <p:nvSpPr>
+          <p:cNvPr id="8" name="Oval 7">
+            <a:extLst>
+              <a:ext uri="{FF2B5EF4-FFF2-40B4-BE49-F238E27FC236}">
+                <a16:creationId xmlns:a16="http://schemas.microsoft.com/office/drawing/2014/main" id="{74E4AC5E-97CB-1DA9-78BC-8DB0F146E92A}"/>
+              </a:ext>
+            </a:extLst>
+          </p:cNvPr>
+          <p:cNvSpPr/>
+          <p:nvPr/>
+        </p:nvSpPr>
+        <p:spPr>
+          <a:xfrm>
+            <a:off x="7287489" y="5051369"/>
+            <a:ext cx="315883" cy="315883"/>
+          </a:xfrm>
+          <a:prstGeom prst="ellipse">
+            <a:avLst/>
+          </a:prstGeom>
+          <a:solidFill>
+            <a:schemeClr val="accent2"/>
+          </a:solidFill>
+          <a:ln>
+            <a:solidFill>
+              <a:schemeClr val="accent2"/>
+            </a:solidFill>
+          </a:ln>
+        </p:spPr>
+        <p:style>
+          <a:lnRef idx="2">
+            <a:schemeClr val="accent1">
+              <a:shade val="15000"/>
+            </a:schemeClr>
+          </a:lnRef>
+          <a:fillRef idx="1">
+            <a:schemeClr val="accent1"/>
+          </a:fillRef>
+          <a:effectRef idx="0">
+            <a:schemeClr val="accent1"/>
+          </a:effectRef>
+          <a:fontRef idx="minor">
+            <a:schemeClr val="lt1"/>
+          </a:fontRef>
+        </p:style>
+        <p:txBody>
+          <a:bodyPr rtlCol="0" anchor="ctr"/>
+          <a:lstStyle/>
+          <a:p>
+            <a:pPr algn="ctr"/>
+            <a:r>
+              <a:rPr lang="en-US" dirty="0"/>
+              <a:t>v</a:t>
+            </a:r>
+          </a:p>
+        </p:txBody>
+      </p:sp>
+      <p:sp>
+        <p:nvSpPr>
+          <p:cNvPr id="10" name="Oval 9">
+            <a:extLst>
+              <a:ext uri="{FF2B5EF4-FFF2-40B4-BE49-F238E27FC236}">
+                <a16:creationId xmlns:a16="http://schemas.microsoft.com/office/drawing/2014/main" id="{DAAF0D25-48A5-1833-52E7-87CEF24B1495}"/>
+              </a:ext>
+            </a:extLst>
+          </p:cNvPr>
+          <p:cNvSpPr/>
+          <p:nvPr/>
+        </p:nvSpPr>
+        <p:spPr>
+          <a:xfrm>
+            <a:off x="6655722" y="4045528"/>
+            <a:ext cx="315883" cy="315883"/>
+          </a:xfrm>
+          <a:prstGeom prst="ellipse">
+            <a:avLst/>
+          </a:prstGeom>
+          <a:solidFill>
+            <a:schemeClr val="accent2"/>
+          </a:solidFill>
+          <a:ln>
+            <a:solidFill>
+              <a:schemeClr val="accent2"/>
+            </a:solidFill>
+          </a:ln>
+        </p:spPr>
+        <p:style>
+          <a:lnRef idx="2">
+            <a:schemeClr val="accent1">
+              <a:shade val="15000"/>
+            </a:schemeClr>
+          </a:lnRef>
+          <a:fillRef idx="1">
+            <a:schemeClr val="accent1"/>
+          </a:fillRef>
+          <a:effectRef idx="0">
+            <a:schemeClr val="accent1"/>
+          </a:effectRef>
+          <a:fontRef idx="minor">
+            <a:schemeClr val="lt1"/>
+          </a:fontRef>
+        </p:style>
+        <p:txBody>
+          <a:bodyPr rtlCol="0" anchor="ctr"/>
+          <a:lstStyle/>
+          <a:p>
+            <a:pPr algn="ctr"/>
+            <a:r>
+              <a:rPr lang="en-US" dirty="0"/>
+              <a:t>v</a:t>
+            </a:r>
+          </a:p>
+        </p:txBody>
+      </p:sp>
+      <p:sp>
+        <p:nvSpPr>
+          <p:cNvPr id="11" name="Oval 10">
+            <a:extLst>
+              <a:ext uri="{FF2B5EF4-FFF2-40B4-BE49-F238E27FC236}">
+                <a16:creationId xmlns:a16="http://schemas.microsoft.com/office/drawing/2014/main" id="{5C942E61-F37A-9D42-90AD-D1D01A994F42}"/>
+              </a:ext>
+            </a:extLst>
+          </p:cNvPr>
+          <p:cNvSpPr/>
+          <p:nvPr/>
+        </p:nvSpPr>
+        <p:spPr>
+          <a:xfrm>
+            <a:off x="6821975" y="3654831"/>
+            <a:ext cx="315883" cy="315883"/>
+          </a:xfrm>
+          <a:prstGeom prst="ellipse">
+            <a:avLst/>
+          </a:prstGeom>
+          <a:solidFill>
+            <a:schemeClr val="accent2"/>
+          </a:solidFill>
+          <a:ln>
+            <a:solidFill>
+              <a:schemeClr val="accent2"/>
+            </a:solidFill>
+          </a:ln>
+        </p:spPr>
+        <p:style>
+          <a:lnRef idx="2">
+            <a:schemeClr val="accent1">
+              <a:shade val="15000"/>
+            </a:schemeClr>
+          </a:lnRef>
+          <a:fillRef idx="1">
+            <a:schemeClr val="accent1"/>
+          </a:fillRef>
+          <a:effectRef idx="0">
+            <a:schemeClr val="accent1"/>
+          </a:effectRef>
+          <a:fontRef idx="minor">
+            <a:schemeClr val="lt1"/>
+          </a:fontRef>
+        </p:style>
+        <p:txBody>
+          <a:bodyPr rtlCol="0" anchor="ctr"/>
+          <a:lstStyle/>
+          <a:p>
+            <a:pPr algn="ctr"/>
+            <a:r>
+              <a:rPr lang="en-US" dirty="0"/>
+              <a:t>v</a:t>
+            </a:r>
+          </a:p>
+        </p:txBody>
+      </p:sp>
+      <p:sp>
+        <p:nvSpPr>
+          <p:cNvPr id="12" name="Oval 11">
+            <a:extLst>
+              <a:ext uri="{FF2B5EF4-FFF2-40B4-BE49-F238E27FC236}">
+                <a16:creationId xmlns:a16="http://schemas.microsoft.com/office/drawing/2014/main" id="{1DD15C9F-42B7-6B26-39AA-D0CE4EF0B52C}"/>
+              </a:ext>
+            </a:extLst>
+          </p:cNvPr>
+          <p:cNvSpPr/>
+          <p:nvPr/>
+        </p:nvSpPr>
+        <p:spPr>
+          <a:xfrm>
+            <a:off x="6215148" y="3412373"/>
+            <a:ext cx="315883" cy="315883"/>
+          </a:xfrm>
+          <a:prstGeom prst="ellipse">
+            <a:avLst/>
+          </a:prstGeom>
+          <a:solidFill>
+            <a:schemeClr val="accent2"/>
+          </a:solidFill>
+          <a:ln>
+            <a:solidFill>
+              <a:schemeClr val="accent2"/>
+            </a:solidFill>
+          </a:ln>
+        </p:spPr>
+        <p:style>
+          <a:lnRef idx="2">
+            <a:schemeClr val="accent1">
+              <a:shade val="15000"/>
+            </a:schemeClr>
+          </a:lnRef>
+          <a:fillRef idx="1">
+            <a:schemeClr val="accent1"/>
+          </a:fillRef>
+          <a:effectRef idx="0">
+            <a:schemeClr val="accent1"/>
+          </a:effectRef>
+          <a:fontRef idx="minor">
+            <a:schemeClr val="lt1"/>
+          </a:fontRef>
+        </p:style>
+        <p:txBody>
+          <a:bodyPr rtlCol="0" anchor="ctr"/>
+          <a:lstStyle/>
+          <a:p>
+            <a:pPr algn="ctr"/>
+            <a:r>
+              <a:rPr lang="en-US" dirty="0"/>
+              <a:t>v</a:t>
+            </a:r>
+          </a:p>
+        </p:txBody>
+      </p:sp>
+      <p:sp>
+        <p:nvSpPr>
+          <p:cNvPr id="13" name="Oval 12">
+            <a:extLst>
+              <a:ext uri="{FF2B5EF4-FFF2-40B4-BE49-F238E27FC236}">
+                <a16:creationId xmlns:a16="http://schemas.microsoft.com/office/drawing/2014/main" id="{D2C7CADB-720C-AB18-F932-1B24D7D5B09A}"/>
+              </a:ext>
+            </a:extLst>
+          </p:cNvPr>
+          <p:cNvSpPr/>
+          <p:nvPr/>
+        </p:nvSpPr>
+        <p:spPr>
+          <a:xfrm>
+            <a:off x="4386348" y="5292439"/>
+            <a:ext cx="315883" cy="315883"/>
+          </a:xfrm>
+          <a:prstGeom prst="ellipse">
+            <a:avLst/>
+          </a:prstGeom>
+          <a:solidFill>
+            <a:schemeClr val="accent2"/>
+          </a:solidFill>
+          <a:ln>
+            <a:solidFill>
+              <a:schemeClr val="accent2"/>
+            </a:solidFill>
+          </a:ln>
+        </p:spPr>
+        <p:style>
+          <a:lnRef idx="2">
+            <a:schemeClr val="accent1">
+              <a:shade val="15000"/>
+            </a:schemeClr>
+          </a:lnRef>
+          <a:fillRef idx="1">
+            <a:schemeClr val="accent1"/>
+          </a:fillRef>
+          <a:effectRef idx="0">
+            <a:schemeClr val="accent1"/>
+          </a:effectRef>
+          <a:fontRef idx="minor">
+            <a:schemeClr val="lt1"/>
+          </a:fontRef>
+        </p:style>
+        <p:txBody>
+          <a:bodyPr rtlCol="0" anchor="ctr"/>
+          <a:lstStyle/>
+          <a:p>
+            <a:pPr algn="ctr"/>
+            <a:r>
+              <a:rPr lang="en-US" dirty="0"/>
+              <a:t>v</a:t>
+            </a:r>
+          </a:p>
+        </p:txBody>
+      </p:sp>
+      <p:sp>
+        <p:nvSpPr>
+          <p:cNvPr id="14" name="Oval 13">
+            <a:extLst>
+              <a:ext uri="{FF2B5EF4-FFF2-40B4-BE49-F238E27FC236}">
+                <a16:creationId xmlns:a16="http://schemas.microsoft.com/office/drawing/2014/main" id="{1B589094-DE98-1196-0622-5296E7D83933}"/>
+              </a:ext>
+            </a:extLst>
+          </p:cNvPr>
+          <p:cNvSpPr/>
+          <p:nvPr/>
+        </p:nvSpPr>
+        <p:spPr>
+          <a:xfrm>
+            <a:off x="3823856" y="5561221"/>
+            <a:ext cx="315883" cy="315883"/>
+          </a:xfrm>
+          <a:prstGeom prst="ellipse">
+            <a:avLst/>
+          </a:prstGeom>
+          <a:solidFill>
+            <a:schemeClr val="accent2"/>
+          </a:solidFill>
+          <a:ln>
+            <a:solidFill>
+              <a:schemeClr val="accent2"/>
+            </a:solidFill>
+          </a:ln>
+        </p:spPr>
+        <p:style>
+          <a:lnRef idx="2">
+            <a:schemeClr val="accent1">
+              <a:shade val="15000"/>
+            </a:schemeClr>
+          </a:lnRef>
+          <a:fillRef idx="1">
+            <a:schemeClr val="accent1"/>
+          </a:fillRef>
+          <a:effectRef idx="0">
+            <a:schemeClr val="accent1"/>
+          </a:effectRef>
+          <a:fontRef idx="minor">
+            <a:schemeClr val="lt1"/>
+          </a:fontRef>
+        </p:style>
+        <p:txBody>
+          <a:bodyPr rtlCol="0" anchor="ctr"/>
+          <a:lstStyle/>
+          <a:p>
+            <a:pPr algn="ctr"/>
+            <a:r>
+              <a:rPr lang="en-US" dirty="0"/>
+              <a:t>v</a:t>
+            </a:r>
+          </a:p>
+        </p:txBody>
+      </p:sp>
+      <p:sp>
+        <p:nvSpPr>
+          <p:cNvPr id="15" name="Oval 14">
+            <a:extLst>
+              <a:ext uri="{FF2B5EF4-FFF2-40B4-BE49-F238E27FC236}">
+                <a16:creationId xmlns:a16="http://schemas.microsoft.com/office/drawing/2014/main" id="{FEBAC0BC-E314-8173-BE74-4FF11C96513E}"/>
+              </a:ext>
+            </a:extLst>
+          </p:cNvPr>
+          <p:cNvSpPr/>
+          <p:nvPr/>
+        </p:nvSpPr>
+        <p:spPr>
+          <a:xfrm>
+            <a:off x="3657600" y="4580314"/>
+            <a:ext cx="315883" cy="315883"/>
+          </a:xfrm>
+          <a:prstGeom prst="ellipse">
+            <a:avLst/>
+          </a:prstGeom>
+          <a:solidFill>
+            <a:schemeClr val="accent2"/>
+          </a:solidFill>
+          <a:ln>
+            <a:solidFill>
+              <a:schemeClr val="accent2"/>
+            </a:solidFill>
+          </a:ln>
+        </p:spPr>
+        <p:style>
+          <a:lnRef idx="2">
+            <a:schemeClr val="accent1">
+              <a:shade val="15000"/>
+            </a:schemeClr>
+          </a:lnRef>
+          <a:fillRef idx="1">
+            <a:schemeClr val="accent1"/>
+          </a:fillRef>
+          <a:effectRef idx="0">
+            <a:schemeClr val="accent1"/>
+          </a:effectRef>
+          <a:fontRef idx="minor">
+            <a:schemeClr val="lt1"/>
+          </a:fontRef>
+        </p:style>
+        <p:txBody>
+          <a:bodyPr rtlCol="0" anchor="ctr"/>
+          <a:lstStyle/>
+          <a:p>
+            <a:pPr algn="ctr"/>
+            <a:r>
+              <a:rPr lang="en-US" dirty="0"/>
+              <a:t>v</a:t>
+            </a:r>
+          </a:p>
+        </p:txBody>
+      </p:sp>
+      <p:sp>
+        <p:nvSpPr>
+          <p:cNvPr id="16" name="Oval 15">
+            <a:extLst>
+              <a:ext uri="{FF2B5EF4-FFF2-40B4-BE49-F238E27FC236}">
+                <a16:creationId xmlns:a16="http://schemas.microsoft.com/office/drawing/2014/main" id="{FF7E2D27-E133-477A-5396-578550BD7E5C}"/>
+              </a:ext>
+            </a:extLst>
+          </p:cNvPr>
+          <p:cNvSpPr/>
+          <p:nvPr/>
+        </p:nvSpPr>
+        <p:spPr>
+          <a:xfrm>
+            <a:off x="2945475" y="5314607"/>
+            <a:ext cx="315883" cy="315883"/>
+          </a:xfrm>
+          <a:prstGeom prst="ellipse">
+            <a:avLst/>
+          </a:prstGeom>
+          <a:solidFill>
+            <a:schemeClr val="accent2"/>
+          </a:solidFill>
+          <a:ln>
+            <a:solidFill>
+              <a:schemeClr val="accent2"/>
+            </a:solidFill>
+          </a:ln>
+        </p:spPr>
+        <p:style>
+          <a:lnRef idx="2">
+            <a:schemeClr val="accent1">
+              <a:shade val="15000"/>
+            </a:schemeClr>
+          </a:lnRef>
+          <a:fillRef idx="1">
+            <a:schemeClr val="accent1"/>
+          </a:fillRef>
+          <a:effectRef idx="0">
+            <a:schemeClr val="accent1"/>
+          </a:effectRef>
+          <a:fontRef idx="minor">
+            <a:schemeClr val="lt1"/>
+          </a:fontRef>
+        </p:style>
+        <p:txBody>
+          <a:bodyPr rtlCol="0" anchor="ctr"/>
+          <a:lstStyle/>
+          <a:p>
+            <a:pPr algn="ctr"/>
+            <a:r>
+              <a:rPr lang="en-US" dirty="0"/>
+              <a:t>v</a:t>
+            </a:r>
+          </a:p>
+        </p:txBody>
+      </p:sp>
+      <p:sp>
+        <p:nvSpPr>
+          <p:cNvPr id="17" name="Oval 16">
+            <a:extLst>
+              <a:ext uri="{FF2B5EF4-FFF2-40B4-BE49-F238E27FC236}">
+                <a16:creationId xmlns:a16="http://schemas.microsoft.com/office/drawing/2014/main" id="{BD2E996B-014F-027E-9EB7-B721FBF5176E}"/>
+              </a:ext>
+            </a:extLst>
+          </p:cNvPr>
+          <p:cNvSpPr/>
+          <p:nvPr/>
+        </p:nvSpPr>
+        <p:spPr>
+          <a:xfrm>
+            <a:off x="7362304" y="2083725"/>
+            <a:ext cx="315883" cy="315883"/>
+          </a:xfrm>
+          <a:prstGeom prst="ellipse">
+            <a:avLst/>
+          </a:prstGeom>
+          <a:solidFill>
+            <a:schemeClr val="accent2"/>
+          </a:solidFill>
+          <a:ln>
+            <a:solidFill>
+              <a:schemeClr val="accent2"/>
+            </a:solidFill>
+          </a:ln>
+        </p:spPr>
+        <p:style>
+          <a:lnRef idx="2">
+            <a:schemeClr val="accent1">
+              <a:shade val="15000"/>
+            </a:schemeClr>
+          </a:lnRef>
+          <a:fillRef idx="1">
+            <a:schemeClr val="accent1"/>
+          </a:fillRef>
+          <a:effectRef idx="0">
+            <a:schemeClr val="accent1"/>
+          </a:effectRef>
+          <a:fontRef idx="minor">
+            <a:schemeClr val="lt1"/>
+          </a:fontRef>
+        </p:style>
+        <p:txBody>
+          <a:bodyPr rtlCol="0" anchor="ctr"/>
+          <a:lstStyle/>
+          <a:p>
+            <a:pPr algn="ctr"/>
+            <a:r>
+              <a:rPr lang="en-US" dirty="0"/>
+              <a:t>v</a:t>
+            </a:r>
+          </a:p>
+        </p:txBody>
+      </p:sp>
+      <p:sp>
+        <p:nvSpPr>
+          <p:cNvPr id="18" name="Oval 17">
+            <a:extLst>
+              <a:ext uri="{FF2B5EF4-FFF2-40B4-BE49-F238E27FC236}">
+                <a16:creationId xmlns:a16="http://schemas.microsoft.com/office/drawing/2014/main" id="{FFAB3CCB-3C89-46D3-84F3-1024CDC324B0}"/>
+              </a:ext>
+            </a:extLst>
+          </p:cNvPr>
+          <p:cNvSpPr/>
+          <p:nvPr/>
+        </p:nvSpPr>
+        <p:spPr>
+          <a:xfrm>
+            <a:off x="6650183" y="2709951"/>
+            <a:ext cx="315883" cy="315883"/>
+          </a:xfrm>
+          <a:prstGeom prst="ellipse">
+            <a:avLst/>
+          </a:prstGeom>
+          <a:solidFill>
+            <a:schemeClr val="accent2"/>
+          </a:solidFill>
+          <a:ln>
+            <a:solidFill>
+              <a:schemeClr val="accent2"/>
+            </a:solidFill>
+          </a:ln>
+        </p:spPr>
+        <p:style>
+          <a:lnRef idx="2">
+            <a:schemeClr val="accent1">
+              <a:shade val="15000"/>
+            </a:schemeClr>
+          </a:lnRef>
+          <a:fillRef idx="1">
+            <a:schemeClr val="accent1"/>
+          </a:fillRef>
+          <a:effectRef idx="0">
+            <a:schemeClr val="accent1"/>
+          </a:effectRef>
+          <a:fontRef idx="minor">
+            <a:schemeClr val="lt1"/>
+          </a:fontRef>
+        </p:style>
+        <p:txBody>
+          <a:bodyPr rtlCol="0" anchor="ctr"/>
+          <a:lstStyle/>
+          <a:p>
+            <a:pPr algn="ctr"/>
+            <a:r>
+              <a:rPr lang="en-US" dirty="0"/>
+              <a:t>v</a:t>
+            </a:r>
+          </a:p>
+        </p:txBody>
+      </p:sp>
+      <p:sp>
+        <p:nvSpPr>
+          <p:cNvPr id="19" name="Oval 18">
+            <a:extLst>
+              <a:ext uri="{FF2B5EF4-FFF2-40B4-BE49-F238E27FC236}">
+                <a16:creationId xmlns:a16="http://schemas.microsoft.com/office/drawing/2014/main" id="{439E7DC4-D4FE-9BA9-6108-AA331ABE4781}"/>
+              </a:ext>
+            </a:extLst>
+          </p:cNvPr>
+          <p:cNvSpPr/>
+          <p:nvPr/>
+        </p:nvSpPr>
+        <p:spPr>
+          <a:xfrm>
+            <a:off x="5805056" y="2549239"/>
+            <a:ext cx="315883" cy="315883"/>
+          </a:xfrm>
+          <a:prstGeom prst="ellipse">
+            <a:avLst/>
+          </a:prstGeom>
+          <a:solidFill>
+            <a:schemeClr val="accent2"/>
+          </a:solidFill>
+          <a:ln>
+            <a:solidFill>
+              <a:schemeClr val="accent2"/>
+            </a:solidFill>
+          </a:ln>
+        </p:spPr>
+        <p:style>
+          <a:lnRef idx="2">
+            <a:schemeClr val="accent1">
+              <a:shade val="15000"/>
+            </a:schemeClr>
+          </a:lnRef>
+          <a:fillRef idx="1">
+            <a:schemeClr val="accent1"/>
+          </a:fillRef>
+          <a:effectRef idx="0">
+            <a:schemeClr val="accent1"/>
+          </a:effectRef>
+          <a:fontRef idx="minor">
+            <a:schemeClr val="lt1"/>
+          </a:fontRef>
+        </p:style>
+        <p:txBody>
+          <a:bodyPr rtlCol="0" anchor="ctr"/>
+          <a:lstStyle/>
+          <a:p>
+            <a:pPr algn="ctr"/>
+            <a:r>
+              <a:rPr lang="en-US" dirty="0"/>
+              <a:t>v</a:t>
+            </a:r>
+          </a:p>
+        </p:txBody>
+      </p:sp>
+      <p:sp>
+        <p:nvSpPr>
+          <p:cNvPr id="20" name="Oval 19">
+            <a:extLst>
+              <a:ext uri="{FF2B5EF4-FFF2-40B4-BE49-F238E27FC236}">
+                <a16:creationId xmlns:a16="http://schemas.microsoft.com/office/drawing/2014/main" id="{1DB4082E-9A16-0470-A874-B51304816B86}"/>
+              </a:ext>
+            </a:extLst>
+          </p:cNvPr>
+          <p:cNvSpPr/>
+          <p:nvPr/>
+        </p:nvSpPr>
+        <p:spPr>
+          <a:xfrm>
+            <a:off x="5433755" y="2377440"/>
+            <a:ext cx="315883" cy="315883"/>
+          </a:xfrm>
+          <a:prstGeom prst="ellipse">
+            <a:avLst/>
+          </a:prstGeom>
+          <a:solidFill>
+            <a:schemeClr val="accent2"/>
+          </a:solidFill>
+          <a:ln>
+            <a:solidFill>
+              <a:schemeClr val="accent2"/>
+            </a:solidFill>
+          </a:ln>
+        </p:spPr>
+        <p:style>
+          <a:lnRef idx="2">
+            <a:schemeClr val="accent1">
+              <a:shade val="15000"/>
+            </a:schemeClr>
+          </a:lnRef>
+          <a:fillRef idx="1">
+            <a:schemeClr val="accent1"/>
+          </a:fillRef>
+          <a:effectRef idx="0">
+            <a:schemeClr val="accent1"/>
+          </a:effectRef>
+          <a:fontRef idx="minor">
+            <a:schemeClr val="lt1"/>
+          </a:fontRef>
+        </p:style>
+        <p:txBody>
+          <a:bodyPr rtlCol="0" anchor="ctr"/>
+          <a:lstStyle/>
+          <a:p>
+            <a:pPr algn="ctr"/>
+            <a:r>
+              <a:rPr lang="en-US" dirty="0"/>
+              <a:t>v</a:t>
+            </a:r>
+          </a:p>
+        </p:txBody>
+      </p:sp>
+      <p:sp>
+        <p:nvSpPr>
+          <p:cNvPr id="21" name="Oval 20">
+            <a:extLst>
+              <a:ext uri="{FF2B5EF4-FFF2-40B4-BE49-F238E27FC236}">
+                <a16:creationId xmlns:a16="http://schemas.microsoft.com/office/drawing/2014/main" id="{D997C6CC-9C9E-4F09-4076-519EE353A5B1}"/>
+              </a:ext>
+            </a:extLst>
+          </p:cNvPr>
+          <p:cNvSpPr/>
+          <p:nvPr/>
+        </p:nvSpPr>
+        <p:spPr>
+          <a:xfrm>
+            <a:off x="4073237" y="2438400"/>
+            <a:ext cx="315883" cy="315883"/>
+          </a:xfrm>
+          <a:prstGeom prst="ellipse">
+            <a:avLst/>
+          </a:prstGeom>
+          <a:solidFill>
+            <a:schemeClr val="accent2"/>
+          </a:solidFill>
+          <a:ln>
+            <a:solidFill>
+              <a:schemeClr val="accent2"/>
+            </a:solidFill>
+          </a:ln>
+        </p:spPr>
+        <p:style>
+          <a:lnRef idx="2">
+            <a:schemeClr val="accent1">
+              <a:shade val="15000"/>
+            </a:schemeClr>
+          </a:lnRef>
+          <a:fillRef idx="1">
+            <a:schemeClr val="accent1"/>
+          </a:fillRef>
+          <a:effectRef idx="0">
+            <a:schemeClr val="accent1"/>
+          </a:effectRef>
+          <a:fontRef idx="minor">
+            <a:schemeClr val="lt1"/>
+          </a:fontRef>
+        </p:style>
+        <p:txBody>
+          <a:bodyPr rtlCol="0" anchor="ctr"/>
+          <a:lstStyle/>
+          <a:p>
+            <a:pPr algn="ctr"/>
+            <a:r>
+              <a:rPr lang="en-US" dirty="0"/>
+              <a:t>v</a:t>
+            </a:r>
+          </a:p>
+        </p:txBody>
+      </p:sp>
+      <p:sp>
+        <p:nvSpPr>
+          <p:cNvPr id="22" name="Oval 21">
+            <a:extLst>
+              <a:ext uri="{FF2B5EF4-FFF2-40B4-BE49-F238E27FC236}">
+                <a16:creationId xmlns:a16="http://schemas.microsoft.com/office/drawing/2014/main" id="{E2D52BCC-81AF-E7FE-78DD-211D7D3B2B7B}"/>
+              </a:ext>
+            </a:extLst>
+          </p:cNvPr>
+          <p:cNvSpPr/>
+          <p:nvPr/>
+        </p:nvSpPr>
+        <p:spPr>
+          <a:xfrm>
+            <a:off x="3843253" y="2798621"/>
+            <a:ext cx="315883" cy="315883"/>
+          </a:xfrm>
+          <a:prstGeom prst="ellipse">
+            <a:avLst/>
+          </a:prstGeom>
+          <a:solidFill>
+            <a:schemeClr val="accent2"/>
+          </a:solidFill>
+          <a:ln>
+            <a:solidFill>
+              <a:schemeClr val="accent2"/>
+            </a:solidFill>
+          </a:ln>
+        </p:spPr>
+        <p:style>
+          <a:lnRef idx="2">
+            <a:schemeClr val="accent1">
+              <a:shade val="15000"/>
+            </a:schemeClr>
+          </a:lnRef>
+          <a:fillRef idx="1">
+            <a:schemeClr val="accent1"/>
+          </a:fillRef>
+          <a:effectRef idx="0">
+            <a:schemeClr val="accent1"/>
+          </a:effectRef>
+          <a:fontRef idx="minor">
+            <a:schemeClr val="lt1"/>
+          </a:fontRef>
+        </p:style>
+        <p:txBody>
+          <a:bodyPr rtlCol="0" anchor="ctr"/>
+          <a:lstStyle/>
+          <a:p>
+            <a:pPr algn="ctr"/>
+            <a:r>
+              <a:rPr lang="en-US" dirty="0"/>
+              <a:t>v</a:t>
+            </a:r>
+          </a:p>
+        </p:txBody>
+      </p:sp>
+      <p:sp>
+        <p:nvSpPr>
+          <p:cNvPr id="23" name="Oval 22">
+            <a:extLst>
+              <a:ext uri="{FF2B5EF4-FFF2-40B4-BE49-F238E27FC236}">
+                <a16:creationId xmlns:a16="http://schemas.microsoft.com/office/drawing/2014/main" id="{0D730EED-6D4D-0B98-D7B5-0F432D7AB677}"/>
+              </a:ext>
+            </a:extLst>
+          </p:cNvPr>
+          <p:cNvSpPr/>
+          <p:nvPr/>
+        </p:nvSpPr>
+        <p:spPr>
+          <a:xfrm>
+            <a:off x="4319846" y="1845430"/>
+            <a:ext cx="315883" cy="315883"/>
+          </a:xfrm>
+          <a:prstGeom prst="ellipse">
+            <a:avLst/>
+          </a:prstGeom>
+          <a:solidFill>
+            <a:schemeClr val="accent2"/>
+          </a:solidFill>
+          <a:ln>
+            <a:solidFill>
+              <a:schemeClr val="accent2"/>
+            </a:solidFill>
+          </a:ln>
+        </p:spPr>
+        <p:style>
+          <a:lnRef idx="2">
+            <a:schemeClr val="accent1">
+              <a:shade val="15000"/>
+            </a:schemeClr>
+          </a:lnRef>
+          <a:fillRef idx="1">
+            <a:schemeClr val="accent1"/>
+          </a:fillRef>
+          <a:effectRef idx="0">
+            <a:schemeClr val="accent1"/>
+          </a:effectRef>
+          <a:fontRef idx="minor">
+            <a:schemeClr val="lt1"/>
+          </a:fontRef>
+        </p:style>
+        <p:txBody>
+          <a:bodyPr rtlCol="0" anchor="ctr"/>
+          <a:lstStyle/>
+          <a:p>
+            <a:pPr algn="ctr"/>
+            <a:r>
+              <a:rPr lang="en-US" dirty="0"/>
+              <a:t>v</a:t>
+            </a:r>
+          </a:p>
+        </p:txBody>
+      </p:sp>
+      <p:sp>
+        <p:nvSpPr>
+          <p:cNvPr id="24" name="Oval 23">
+            <a:extLst>
+              <a:ext uri="{FF2B5EF4-FFF2-40B4-BE49-F238E27FC236}">
+                <a16:creationId xmlns:a16="http://schemas.microsoft.com/office/drawing/2014/main" id="{F9303C0D-6047-699C-B8D3-D94B14AD6E28}"/>
+              </a:ext>
+            </a:extLst>
+          </p:cNvPr>
+          <p:cNvSpPr/>
+          <p:nvPr/>
+        </p:nvSpPr>
+        <p:spPr>
+          <a:xfrm>
+            <a:off x="3217023" y="1723513"/>
+            <a:ext cx="315883" cy="315883"/>
+          </a:xfrm>
+          <a:prstGeom prst="ellipse">
+            <a:avLst/>
+          </a:prstGeom>
+          <a:solidFill>
+            <a:schemeClr val="accent2"/>
+          </a:solidFill>
+          <a:ln>
+            <a:solidFill>
+              <a:schemeClr val="accent2"/>
+            </a:solidFill>
+          </a:ln>
+        </p:spPr>
+        <p:style>
+          <a:lnRef idx="2">
+            <a:schemeClr val="accent1">
+              <a:shade val="15000"/>
+            </a:schemeClr>
+          </a:lnRef>
+          <a:fillRef idx="1">
+            <a:schemeClr val="accent1"/>
+          </a:fillRef>
+          <a:effectRef idx="0">
+            <a:schemeClr val="accent1"/>
+          </a:effectRef>
+          <a:fontRef idx="minor">
+            <a:schemeClr val="lt1"/>
+          </a:fontRef>
+        </p:style>
+        <p:txBody>
+          <a:bodyPr rtlCol="0" anchor="ctr"/>
+          <a:lstStyle/>
+          <a:p>
+            <a:pPr algn="ctr"/>
+            <a:r>
+              <a:rPr lang="en-US" dirty="0"/>
+              <a:t>v</a:t>
+            </a:r>
+          </a:p>
+        </p:txBody>
+      </p:sp>
+      <p:sp>
+        <p:nvSpPr>
+          <p:cNvPr id="25" name="Oval 24">
+            <a:extLst>
+              <a:ext uri="{FF2B5EF4-FFF2-40B4-BE49-F238E27FC236}">
+                <a16:creationId xmlns:a16="http://schemas.microsoft.com/office/drawing/2014/main" id="{6DA0AA56-30BC-868D-1BFD-6E76059D6215}"/>
+              </a:ext>
+            </a:extLst>
+          </p:cNvPr>
+          <p:cNvSpPr/>
+          <p:nvPr/>
+        </p:nvSpPr>
+        <p:spPr>
+          <a:xfrm>
+            <a:off x="3244733" y="1310648"/>
+            <a:ext cx="315883" cy="315883"/>
+          </a:xfrm>
+          <a:prstGeom prst="ellipse">
+            <a:avLst/>
+          </a:prstGeom>
+          <a:solidFill>
+            <a:schemeClr val="accent2"/>
+          </a:solidFill>
+          <a:ln>
+            <a:solidFill>
+              <a:schemeClr val="accent2"/>
+            </a:solidFill>
+          </a:ln>
+        </p:spPr>
+        <p:style>
+          <a:lnRef idx="2">
+            <a:schemeClr val="accent1">
+              <a:shade val="15000"/>
+            </a:schemeClr>
+          </a:lnRef>
+          <a:fillRef idx="1">
+            <a:schemeClr val="accent1"/>
+          </a:fillRef>
+          <a:effectRef idx="0">
+            <a:schemeClr val="accent1"/>
+          </a:effectRef>
+          <a:fontRef idx="minor">
+            <a:schemeClr val="lt1"/>
+          </a:fontRef>
+        </p:style>
+        <p:txBody>
+          <a:bodyPr rtlCol="0" anchor="ctr"/>
+          <a:lstStyle/>
+          <a:p>
+            <a:pPr algn="ctr"/>
+            <a:r>
+              <a:rPr lang="en-US" dirty="0"/>
+              <a:t>v</a:t>
+            </a:r>
+          </a:p>
+        </p:txBody>
+      </p:sp>
+      <p:sp>
+        <p:nvSpPr>
+          <p:cNvPr id="26" name="Oval 25">
+            <a:extLst>
+              <a:ext uri="{FF2B5EF4-FFF2-40B4-BE49-F238E27FC236}">
+                <a16:creationId xmlns:a16="http://schemas.microsoft.com/office/drawing/2014/main" id="{5D5579DF-F234-A588-BABA-9A1A67CBEE20}"/>
+              </a:ext>
+            </a:extLst>
+          </p:cNvPr>
+          <p:cNvSpPr/>
+          <p:nvPr/>
+        </p:nvSpPr>
+        <p:spPr>
+          <a:xfrm>
+            <a:off x="4045526" y="922721"/>
+            <a:ext cx="315883" cy="315883"/>
+          </a:xfrm>
+          <a:prstGeom prst="ellipse">
+            <a:avLst/>
+          </a:prstGeom>
+          <a:solidFill>
+            <a:schemeClr val="accent2"/>
+          </a:solidFill>
+          <a:ln>
+            <a:solidFill>
+              <a:schemeClr val="accent2"/>
+            </a:solidFill>
+          </a:ln>
+        </p:spPr>
+        <p:style>
+          <a:lnRef idx="2">
+            <a:schemeClr val="accent1">
+              <a:shade val="15000"/>
+            </a:schemeClr>
+          </a:lnRef>
+          <a:fillRef idx="1">
+            <a:schemeClr val="accent1"/>
+          </a:fillRef>
+          <a:effectRef idx="0">
+            <a:schemeClr val="accent1"/>
+          </a:effectRef>
+          <a:fontRef idx="minor">
+            <a:schemeClr val="lt1"/>
+          </a:fontRef>
+        </p:style>
+        <p:txBody>
+          <a:bodyPr rtlCol="0" anchor="ctr"/>
+          <a:lstStyle/>
+          <a:p>
+            <a:pPr algn="ctr"/>
+            <a:r>
+              <a:rPr lang="en-US" dirty="0"/>
+              <a:t>v</a:t>
+            </a:r>
+          </a:p>
+        </p:txBody>
+      </p:sp>
+      <p:sp>
+        <p:nvSpPr>
+          <p:cNvPr id="27" name="Oval 26">
+            <a:extLst>
+              <a:ext uri="{FF2B5EF4-FFF2-40B4-BE49-F238E27FC236}">
+                <a16:creationId xmlns:a16="http://schemas.microsoft.com/office/drawing/2014/main" id="{0F5745AB-CAB2-2EB8-0D82-21D9D84F22D3}"/>
+              </a:ext>
+            </a:extLst>
+          </p:cNvPr>
+          <p:cNvSpPr/>
+          <p:nvPr/>
+        </p:nvSpPr>
+        <p:spPr>
+          <a:xfrm>
+            <a:off x="2610195" y="750921"/>
+            <a:ext cx="315883" cy="315883"/>
+          </a:xfrm>
+          <a:prstGeom prst="ellipse">
+            <a:avLst/>
+          </a:prstGeom>
+          <a:solidFill>
+            <a:schemeClr val="accent2"/>
+          </a:solidFill>
+          <a:ln>
+            <a:solidFill>
+              <a:schemeClr val="accent2"/>
+            </a:solidFill>
+          </a:ln>
+        </p:spPr>
+        <p:style>
+          <a:lnRef idx="2">
+            <a:schemeClr val="accent1">
+              <a:shade val="15000"/>
+            </a:schemeClr>
+          </a:lnRef>
+          <a:fillRef idx="1">
+            <a:schemeClr val="accent1"/>
+          </a:fillRef>
+          <a:effectRef idx="0">
+            <a:schemeClr val="accent1"/>
+          </a:effectRef>
+          <a:fontRef idx="minor">
+            <a:schemeClr val="lt1"/>
+          </a:fontRef>
+        </p:style>
+        <p:txBody>
+          <a:bodyPr rtlCol="0" anchor="ctr"/>
+          <a:lstStyle/>
+          <a:p>
+            <a:pPr algn="ctr"/>
+            <a:r>
+              <a:rPr lang="en-US" dirty="0"/>
+              <a:t>v</a:t>
+            </a:r>
+          </a:p>
+        </p:txBody>
+      </p:sp>
+      <p:sp>
+        <p:nvSpPr>
+          <p:cNvPr id="28" name="Oval 27">
+            <a:extLst>
+              <a:ext uri="{FF2B5EF4-FFF2-40B4-BE49-F238E27FC236}">
+                <a16:creationId xmlns:a16="http://schemas.microsoft.com/office/drawing/2014/main" id="{794E63DF-A301-951C-C146-F343B466ACF9}"/>
+              </a:ext>
+            </a:extLst>
+          </p:cNvPr>
+          <p:cNvSpPr/>
+          <p:nvPr/>
+        </p:nvSpPr>
+        <p:spPr>
+          <a:xfrm>
+            <a:off x="5746859" y="1019698"/>
+            <a:ext cx="315883" cy="315883"/>
+          </a:xfrm>
+          <a:prstGeom prst="ellipse">
+            <a:avLst/>
+          </a:prstGeom>
+          <a:solidFill>
+            <a:schemeClr val="accent2"/>
+          </a:solidFill>
+          <a:ln>
+            <a:solidFill>
+              <a:schemeClr val="accent2"/>
+            </a:solidFill>
+          </a:ln>
+        </p:spPr>
+        <p:style>
+          <a:lnRef idx="2">
+            <a:schemeClr val="accent1">
+              <a:shade val="15000"/>
+            </a:schemeClr>
+          </a:lnRef>
+          <a:fillRef idx="1">
+            <a:schemeClr val="accent1"/>
+          </a:fillRef>
+          <a:effectRef idx="0">
+            <a:schemeClr val="accent1"/>
+          </a:effectRef>
+          <a:fontRef idx="minor">
+            <a:schemeClr val="lt1"/>
+          </a:fontRef>
+        </p:style>
+        <p:txBody>
+          <a:bodyPr rtlCol="0" anchor="ctr"/>
+          <a:lstStyle/>
+          <a:p>
+            <a:pPr algn="ctr"/>
+            <a:r>
+              <a:rPr lang="en-US" dirty="0"/>
+              <a:t>v</a:t>
+            </a:r>
+          </a:p>
+        </p:txBody>
+      </p:sp>
+      <p:sp>
+        <p:nvSpPr>
+          <p:cNvPr id="29" name="Oval 28">
+            <a:extLst>
+              <a:ext uri="{FF2B5EF4-FFF2-40B4-BE49-F238E27FC236}">
+                <a16:creationId xmlns:a16="http://schemas.microsoft.com/office/drawing/2014/main" id="{49D8F52C-F5CB-D7AD-93BA-CF865BF0CBB2}"/>
+              </a:ext>
+            </a:extLst>
+          </p:cNvPr>
+          <p:cNvSpPr/>
+          <p:nvPr/>
+        </p:nvSpPr>
+        <p:spPr>
+          <a:xfrm>
+            <a:off x="5674817" y="1554484"/>
+            <a:ext cx="315883" cy="315883"/>
+          </a:xfrm>
+          <a:prstGeom prst="ellipse">
+            <a:avLst/>
+          </a:prstGeom>
+          <a:solidFill>
+            <a:schemeClr val="accent2"/>
+          </a:solidFill>
+          <a:ln>
+            <a:solidFill>
+              <a:schemeClr val="accent2"/>
+            </a:solidFill>
+          </a:ln>
+        </p:spPr>
+        <p:style>
+          <a:lnRef idx="2">
+            <a:schemeClr val="accent1">
+              <a:shade val="15000"/>
+            </a:schemeClr>
+          </a:lnRef>
+          <a:fillRef idx="1">
+            <a:schemeClr val="accent1"/>
+          </a:fillRef>
+          <a:effectRef idx="0">
+            <a:schemeClr val="accent1"/>
+          </a:effectRef>
+          <a:fontRef idx="minor">
+            <a:schemeClr val="lt1"/>
+          </a:fontRef>
+        </p:style>
+        <p:txBody>
+          <a:bodyPr rtlCol="0" anchor="ctr"/>
+          <a:lstStyle/>
+          <a:p>
+            <a:pPr algn="ctr"/>
+            <a:r>
+              <a:rPr lang="en-US" dirty="0"/>
+              <a:t>v</a:t>
+            </a:r>
+          </a:p>
+        </p:txBody>
+      </p:sp>
+      <p:sp>
+        <p:nvSpPr>
+          <p:cNvPr id="30" name="Oval 29">
+            <a:extLst>
+              <a:ext uri="{FF2B5EF4-FFF2-40B4-BE49-F238E27FC236}">
+                <a16:creationId xmlns:a16="http://schemas.microsoft.com/office/drawing/2014/main" id="{44F9EADD-0F03-E6B1-2602-2FF9C00A63C6}"/>
+              </a:ext>
+            </a:extLst>
+          </p:cNvPr>
+          <p:cNvSpPr/>
+          <p:nvPr/>
+        </p:nvSpPr>
+        <p:spPr>
+          <a:xfrm>
+            <a:off x="5926970" y="1673633"/>
+            <a:ext cx="315883" cy="315883"/>
+          </a:xfrm>
+          <a:prstGeom prst="ellipse">
+            <a:avLst/>
+          </a:prstGeom>
+          <a:solidFill>
+            <a:schemeClr val="accent2"/>
+          </a:solidFill>
+          <a:ln>
+            <a:solidFill>
+              <a:schemeClr val="accent2"/>
+            </a:solidFill>
+          </a:ln>
+        </p:spPr>
+        <p:style>
+          <a:lnRef idx="2">
+            <a:schemeClr val="accent1">
+              <a:shade val="15000"/>
+            </a:schemeClr>
+          </a:lnRef>
+          <a:fillRef idx="1">
+            <a:schemeClr val="accent1"/>
+          </a:fillRef>
+          <a:effectRef idx="0">
+            <a:schemeClr val="accent1"/>
+          </a:effectRef>
+          <a:fontRef idx="minor">
+            <a:schemeClr val="lt1"/>
+          </a:fontRef>
+        </p:style>
+        <p:txBody>
+          <a:bodyPr rtlCol="0" anchor="ctr"/>
+          <a:lstStyle/>
+          <a:p>
+            <a:pPr algn="ctr"/>
+            <a:r>
+              <a:rPr lang="en-US" dirty="0"/>
+              <a:t>v</a:t>
+            </a:r>
+          </a:p>
+        </p:txBody>
+      </p:sp>
+      <p:sp>
+        <p:nvSpPr>
+          <p:cNvPr id="31" name="Oval 30">
+            <a:extLst>
+              <a:ext uri="{FF2B5EF4-FFF2-40B4-BE49-F238E27FC236}">
+                <a16:creationId xmlns:a16="http://schemas.microsoft.com/office/drawing/2014/main" id="{37F22574-3EF8-86CC-EF95-F28EDED5A2F3}"/>
+              </a:ext>
+            </a:extLst>
+          </p:cNvPr>
+          <p:cNvSpPr/>
+          <p:nvPr/>
+        </p:nvSpPr>
+        <p:spPr>
+          <a:xfrm>
+            <a:off x="6503317" y="1751218"/>
+            <a:ext cx="315883" cy="315883"/>
+          </a:xfrm>
+          <a:prstGeom prst="ellipse">
+            <a:avLst/>
+          </a:prstGeom>
+          <a:solidFill>
+            <a:schemeClr val="accent2"/>
+          </a:solidFill>
+          <a:ln>
+            <a:solidFill>
+              <a:schemeClr val="accent2"/>
+            </a:solidFill>
+          </a:ln>
+        </p:spPr>
+        <p:style>
+          <a:lnRef idx="2">
+            <a:schemeClr val="accent1">
+              <a:shade val="15000"/>
+            </a:schemeClr>
+          </a:lnRef>
+          <a:fillRef idx="1">
+            <a:schemeClr val="accent1"/>
+          </a:fillRef>
+          <a:effectRef idx="0">
+            <a:schemeClr val="accent1"/>
+          </a:effectRef>
+          <a:fontRef idx="minor">
+            <a:schemeClr val="lt1"/>
+          </a:fontRef>
+        </p:style>
+        <p:txBody>
+          <a:bodyPr rtlCol="0" anchor="ctr"/>
+          <a:lstStyle/>
+          <a:p>
+            <a:pPr algn="ctr"/>
+            <a:r>
+              <a:rPr lang="en-US" dirty="0"/>
+              <a:t>v</a:t>
+            </a:r>
+          </a:p>
+        </p:txBody>
+      </p:sp>
+      <p:sp>
+        <p:nvSpPr>
+          <p:cNvPr id="32" name="Oval 31">
+            <a:extLst>
+              <a:ext uri="{FF2B5EF4-FFF2-40B4-BE49-F238E27FC236}">
+                <a16:creationId xmlns:a16="http://schemas.microsoft.com/office/drawing/2014/main" id="{6653A38E-2D60-93B3-9742-9D03BA08EC17}"/>
+              </a:ext>
+            </a:extLst>
+          </p:cNvPr>
+          <p:cNvSpPr/>
+          <p:nvPr/>
+        </p:nvSpPr>
+        <p:spPr>
+          <a:xfrm>
+            <a:off x="7096290" y="1230287"/>
+            <a:ext cx="315883" cy="315883"/>
+          </a:xfrm>
+          <a:prstGeom prst="ellipse">
+            <a:avLst/>
+          </a:prstGeom>
+          <a:solidFill>
+            <a:schemeClr val="accent2"/>
+          </a:solidFill>
+          <a:ln>
+            <a:solidFill>
+              <a:schemeClr val="accent2"/>
+            </a:solidFill>
+          </a:ln>
+        </p:spPr>
+        <p:style>
+          <a:lnRef idx="2">
+            <a:schemeClr val="accent1">
+              <a:shade val="15000"/>
+            </a:schemeClr>
+          </a:lnRef>
+          <a:fillRef idx="1">
+            <a:schemeClr val="accent1"/>
+          </a:fillRef>
+          <a:effectRef idx="0">
+            <a:schemeClr val="accent1"/>
+          </a:effectRef>
+          <a:fontRef idx="minor">
+            <a:schemeClr val="lt1"/>
+          </a:fontRef>
+        </p:style>
+        <p:txBody>
+          <a:bodyPr rtlCol="0" anchor="ctr"/>
+          <a:lstStyle/>
+          <a:p>
+            <a:pPr algn="ctr"/>
+            <a:r>
+              <a:rPr lang="en-US" dirty="0"/>
+              <a:t>v</a:t>
+            </a:r>
+          </a:p>
+        </p:txBody>
+      </p:sp>
+      <p:sp>
+        <p:nvSpPr>
+          <p:cNvPr id="33" name="Oval 32">
+            <a:extLst>
+              <a:ext uri="{FF2B5EF4-FFF2-40B4-BE49-F238E27FC236}">
+                <a16:creationId xmlns:a16="http://schemas.microsoft.com/office/drawing/2014/main" id="{4D6317D2-7300-1D1F-C5F9-2E65E0C0E256}"/>
+              </a:ext>
+            </a:extLst>
+          </p:cNvPr>
+          <p:cNvSpPr/>
+          <p:nvPr/>
+        </p:nvSpPr>
+        <p:spPr>
+          <a:xfrm>
+            <a:off x="6442357" y="1133306"/>
+            <a:ext cx="315883" cy="315883"/>
+          </a:xfrm>
+          <a:prstGeom prst="ellipse">
+            <a:avLst/>
+          </a:prstGeom>
+          <a:solidFill>
+            <a:schemeClr val="accent2"/>
+          </a:solidFill>
+          <a:ln>
+            <a:solidFill>
+              <a:schemeClr val="accent2"/>
+            </a:solidFill>
+          </a:ln>
+        </p:spPr>
+        <p:style>
+          <a:lnRef idx="2">
+            <a:schemeClr val="accent1">
+              <a:shade val="15000"/>
+            </a:schemeClr>
+          </a:lnRef>
+          <a:fillRef idx="1">
+            <a:schemeClr val="accent1"/>
+          </a:fillRef>
+          <a:effectRef idx="0">
+            <a:schemeClr val="accent1"/>
+          </a:effectRef>
+          <a:fontRef idx="minor">
+            <a:schemeClr val="lt1"/>
+          </a:fontRef>
+        </p:style>
+        <p:txBody>
+          <a:bodyPr rtlCol="0" anchor="ctr"/>
+          <a:lstStyle/>
+          <a:p>
+            <a:pPr algn="ctr"/>
+            <a:r>
+              <a:rPr lang="en-US" dirty="0"/>
+              <a:t>v</a:t>
+            </a:r>
+          </a:p>
+        </p:txBody>
+      </p:sp>
+      <p:sp>
+        <p:nvSpPr>
+          <p:cNvPr id="34" name="Oval 33">
+            <a:extLst>
+              <a:ext uri="{FF2B5EF4-FFF2-40B4-BE49-F238E27FC236}">
+                <a16:creationId xmlns:a16="http://schemas.microsoft.com/office/drawing/2014/main" id="{0287709F-B5B3-958E-6737-D2C506C032DC}"/>
+              </a:ext>
+            </a:extLst>
+          </p:cNvPr>
+          <p:cNvSpPr/>
+          <p:nvPr/>
+        </p:nvSpPr>
+        <p:spPr>
+          <a:xfrm>
+            <a:off x="6719449" y="795255"/>
+            <a:ext cx="315883" cy="315883"/>
+          </a:xfrm>
+          <a:prstGeom prst="ellipse">
+            <a:avLst/>
+          </a:prstGeom>
+          <a:solidFill>
+            <a:schemeClr val="accent2"/>
+          </a:solidFill>
+          <a:ln>
+            <a:solidFill>
+              <a:schemeClr val="accent2"/>
+            </a:solidFill>
+          </a:ln>
+        </p:spPr>
+        <p:style>
+          <a:lnRef idx="2">
+            <a:schemeClr val="accent1">
+              <a:shade val="15000"/>
+            </a:schemeClr>
+          </a:lnRef>
+          <a:fillRef idx="1">
+            <a:schemeClr val="accent1"/>
+          </a:fillRef>
+          <a:effectRef idx="0">
+            <a:schemeClr val="accent1"/>
+          </a:effectRef>
+          <a:fontRef idx="minor">
+            <a:schemeClr val="lt1"/>
+          </a:fontRef>
+        </p:style>
+        <p:txBody>
+          <a:bodyPr rtlCol="0" anchor="ctr"/>
+          <a:lstStyle/>
+          <a:p>
+            <a:pPr algn="ctr"/>
+            <a:r>
+              <a:rPr lang="en-US" dirty="0"/>
+              <a:t>v</a:t>
+            </a:r>
+          </a:p>
+        </p:txBody>
+      </p:sp>
+    </p:spTree>
+    <p:extLst>
+      <p:ext uri="{BB962C8B-B14F-4D97-AF65-F5344CB8AC3E}">
+        <p14:creationId xmlns:p14="http://schemas.microsoft.com/office/powerpoint/2010/main" val="536673250"/>
+      </p:ext>
+    </p:extLst>
+  </p:cSld>
+  <p:clrMapOvr>
+    <a:masterClrMapping/>
+  </p:clrMapOvr>
+</p:sld>
+</file>
+
+<file path=ppt/slides/slide11.xml><?xml version="1.0" encoding="utf-8"?>
+<p:sld xmlns:a="http://schemas.openxmlformats.org/drawingml/2006/main" xmlns:r="http://schemas.openxmlformats.org/officeDocument/2006/relationships" xmlns:p="http://schemas.openxmlformats.org/presentationml/2006/main">
+  <p:cSld>
+    <p:spTree>
+      <p:nvGrpSpPr>
+        <p:cNvPr id="1" name="">
+          <a:extLst>
+            <a:ext uri="{FF2B5EF4-FFF2-40B4-BE49-F238E27FC236}">
+              <a16:creationId xmlns:a16="http://schemas.microsoft.com/office/drawing/2014/main" id="{3AD053EF-35F1-081F-BA0F-526CCB347670}"/>
+            </a:ext>
+          </a:extLst>
+        </p:cNvPr>
+        <p:cNvGrpSpPr/>
+        <p:nvPr/>
+      </p:nvGrpSpPr>
+      <p:grpSpPr>
+        <a:xfrm>
+          <a:off x="0" y="0"/>
+          <a:ext cx="0" cy="0"/>
+          <a:chOff x="0" y="0"/>
+          <a:chExt cx="0" cy="0"/>
+        </a:xfrm>
+      </p:grpSpPr>
+      <p:pic>
+        <p:nvPicPr>
+          <p:cNvPr id="9" name="Picture 8" descr="A screen shot of a graph&#10;&#10;Description automatically generated">
+            <a:extLst>
+              <a:ext uri="{FF2B5EF4-FFF2-40B4-BE49-F238E27FC236}">
+                <a16:creationId xmlns:a16="http://schemas.microsoft.com/office/drawing/2014/main" id="{7230E58F-6F88-0826-B23B-598471C4FD57}"/>
+              </a:ext>
+            </a:extLst>
+          </p:cNvPr>
+          <p:cNvPicPr>
+            <a:picLocks noChangeAspect="1"/>
+          </p:cNvPicPr>
+          <p:nvPr/>
+        </p:nvPicPr>
+        <p:blipFill>
+          <a:blip r:embed="rId2">
+            <a:extLst>
+              <a:ext uri="{28A0092B-C50C-407E-A947-70E740481C1C}">
+                <a14:useLocalDpi xmlns:a14="http://schemas.microsoft.com/office/drawing/2010/main" val="0"/>
+              </a:ext>
+            </a:extLst>
+          </a:blip>
+          <a:srcRect l="2970" t="7349" r="8394" b="3561"/>
+          <a:stretch/>
+        </p:blipFill>
+        <p:spPr>
+          <a:xfrm>
+            <a:off x="847898" y="306317"/>
+            <a:ext cx="10355833" cy="6245365"/>
+          </a:xfrm>
+          <a:prstGeom prst="rect">
+            <a:avLst/>
+          </a:prstGeom>
+        </p:spPr>
+      </p:pic>
+      <p:sp>
+        <p:nvSpPr>
+          <p:cNvPr id="2" name="Oval 1">
+            <a:extLst>
+              <a:ext uri="{FF2B5EF4-FFF2-40B4-BE49-F238E27FC236}">
+                <a16:creationId xmlns:a16="http://schemas.microsoft.com/office/drawing/2014/main" id="{DEEBCB2F-F543-F623-06D0-9178B8E24C0B}"/>
+              </a:ext>
+            </a:extLst>
+          </p:cNvPr>
+          <p:cNvSpPr/>
+          <p:nvPr/>
+        </p:nvSpPr>
+        <p:spPr>
+          <a:xfrm>
+            <a:off x="9507914" y="2616662"/>
+            <a:ext cx="534784" cy="534784"/>
+          </a:xfrm>
+          <a:prstGeom prst="ellipse">
+            <a:avLst/>
+          </a:prstGeom>
+          <a:solidFill>
+            <a:srgbClr val="92C6FF"/>
+          </a:solidFill>
+          <a:ln>
+            <a:noFill/>
+          </a:ln>
+        </p:spPr>
+        <p:style>
+          <a:lnRef idx="2">
+            <a:schemeClr val="accent1">
+              <a:shade val="15000"/>
+            </a:schemeClr>
+          </a:lnRef>
+          <a:fillRef idx="1">
+            <a:schemeClr val="accent1"/>
+          </a:fillRef>
+          <a:effectRef idx="0">
+            <a:schemeClr val="accent1"/>
+          </a:effectRef>
+          <a:fontRef idx="minor">
+            <a:schemeClr val="lt1"/>
+          </a:fontRef>
+        </p:style>
+        <p:txBody>
+          <a:bodyPr rtlCol="0" anchor="ctr"/>
+          <a:lstStyle/>
+          <a:p>
+            <a:pPr algn="ctr"/>
+            <a:r>
+              <a:rPr lang="en-US" sz="2000" b="1" dirty="0"/>
+              <a:t>M</a:t>
+            </a:r>
+          </a:p>
+        </p:txBody>
+      </p:sp>
+      <p:sp>
+        <p:nvSpPr>
+          <p:cNvPr id="36" name="Oval 35">
+            <a:extLst>
+              <a:ext uri="{FF2B5EF4-FFF2-40B4-BE49-F238E27FC236}">
+                <a16:creationId xmlns:a16="http://schemas.microsoft.com/office/drawing/2014/main" id="{CF8301AD-A22A-E324-E1FC-AE2BEF4B1400}"/>
+              </a:ext>
+            </a:extLst>
+          </p:cNvPr>
+          <p:cNvSpPr/>
+          <p:nvPr/>
+        </p:nvSpPr>
+        <p:spPr>
+          <a:xfrm>
+            <a:off x="9596814" y="1194098"/>
+            <a:ext cx="534784" cy="534784"/>
+          </a:xfrm>
+          <a:prstGeom prst="ellipse">
+            <a:avLst/>
+          </a:prstGeom>
+          <a:solidFill>
+            <a:srgbClr val="FF9F9A"/>
+          </a:solidFill>
+          <a:ln>
+            <a:noFill/>
+          </a:ln>
+        </p:spPr>
+        <p:style>
+          <a:lnRef idx="2">
+            <a:schemeClr val="accent1">
+              <a:shade val="15000"/>
+            </a:schemeClr>
+          </a:lnRef>
+          <a:fillRef idx="1">
+            <a:schemeClr val="accent1"/>
+          </a:fillRef>
+          <a:effectRef idx="0">
+            <a:schemeClr val="accent1"/>
+          </a:effectRef>
+          <a:fontRef idx="minor">
+            <a:schemeClr val="lt1"/>
+          </a:fontRef>
+        </p:style>
+        <p:txBody>
+          <a:bodyPr rtlCol="0" anchor="ctr"/>
+          <a:lstStyle/>
+          <a:p>
+            <a:pPr algn="ctr"/>
+            <a:r>
+              <a:rPr lang="en-US" sz="2000" b="1" dirty="0"/>
+              <a:t>V</a:t>
+            </a:r>
+          </a:p>
+        </p:txBody>
+      </p:sp>
+      <p:sp>
+        <p:nvSpPr>
+          <p:cNvPr id="37" name="Oval 36">
+            <a:extLst>
+              <a:ext uri="{FF2B5EF4-FFF2-40B4-BE49-F238E27FC236}">
+                <a16:creationId xmlns:a16="http://schemas.microsoft.com/office/drawing/2014/main" id="{40DABCF3-D4E0-8BBC-3981-AC0441298852}"/>
+              </a:ext>
+            </a:extLst>
+          </p:cNvPr>
+          <p:cNvSpPr/>
+          <p:nvPr/>
+        </p:nvSpPr>
+        <p:spPr>
+          <a:xfrm>
+            <a:off x="6599614" y="672476"/>
+            <a:ext cx="534784" cy="534784"/>
+          </a:xfrm>
+          <a:prstGeom prst="ellipse">
+            <a:avLst/>
+          </a:prstGeom>
+          <a:solidFill>
+            <a:srgbClr val="FF9F9A"/>
+          </a:solidFill>
+          <a:ln>
+            <a:noFill/>
+          </a:ln>
+        </p:spPr>
+        <p:style>
+          <a:lnRef idx="2">
+            <a:schemeClr val="accent1">
+              <a:shade val="15000"/>
+            </a:schemeClr>
+          </a:lnRef>
+          <a:fillRef idx="1">
+            <a:schemeClr val="accent1"/>
+          </a:fillRef>
+          <a:effectRef idx="0">
+            <a:schemeClr val="accent1"/>
+          </a:effectRef>
+          <a:fontRef idx="minor">
+            <a:schemeClr val="lt1"/>
+          </a:fontRef>
+        </p:style>
+        <p:txBody>
+          <a:bodyPr rtlCol="0" anchor="ctr"/>
+          <a:lstStyle/>
+          <a:p>
+            <a:pPr algn="ctr"/>
+            <a:r>
+              <a:rPr lang="en-US" sz="2000" b="1" dirty="0"/>
+              <a:t>V</a:t>
+            </a:r>
+          </a:p>
+        </p:txBody>
+      </p:sp>
+      <p:sp>
+        <p:nvSpPr>
+          <p:cNvPr id="38" name="Oval 37">
+            <a:extLst>
+              <a:ext uri="{FF2B5EF4-FFF2-40B4-BE49-F238E27FC236}">
+                <a16:creationId xmlns:a16="http://schemas.microsoft.com/office/drawing/2014/main" id="{84FAAE57-6D56-BF3C-4AC6-B6C53C17F14E}"/>
+              </a:ext>
+            </a:extLst>
+          </p:cNvPr>
+          <p:cNvSpPr/>
+          <p:nvPr/>
+        </p:nvSpPr>
+        <p:spPr>
+          <a:xfrm>
+            <a:off x="6980614" y="1038635"/>
+            <a:ext cx="534784" cy="534784"/>
+          </a:xfrm>
+          <a:prstGeom prst="ellipse">
+            <a:avLst/>
+          </a:prstGeom>
+          <a:solidFill>
+            <a:srgbClr val="FF9F9A"/>
+          </a:solidFill>
+          <a:ln>
+            <a:noFill/>
+          </a:ln>
+        </p:spPr>
+        <p:style>
+          <a:lnRef idx="2">
+            <a:schemeClr val="accent1">
+              <a:shade val="15000"/>
+            </a:schemeClr>
+          </a:lnRef>
+          <a:fillRef idx="1">
+            <a:schemeClr val="accent1"/>
+          </a:fillRef>
+          <a:effectRef idx="0">
+            <a:schemeClr val="accent1"/>
+          </a:effectRef>
+          <a:fontRef idx="minor">
+            <a:schemeClr val="lt1"/>
+          </a:fontRef>
+        </p:style>
+        <p:txBody>
+          <a:bodyPr rtlCol="0" anchor="ctr"/>
+          <a:lstStyle/>
+          <a:p>
+            <a:pPr algn="ctr"/>
+            <a:r>
+              <a:rPr lang="en-US" sz="2000" b="1" dirty="0"/>
+              <a:t>V</a:t>
+            </a:r>
+          </a:p>
+        </p:txBody>
+      </p:sp>
+      <p:sp>
+        <p:nvSpPr>
+          <p:cNvPr id="39" name="Oval 38">
+            <a:extLst>
+              <a:ext uri="{FF2B5EF4-FFF2-40B4-BE49-F238E27FC236}">
+                <a16:creationId xmlns:a16="http://schemas.microsoft.com/office/drawing/2014/main" id="{5632096C-E9D6-D90E-2977-F7759B57973B}"/>
+              </a:ext>
+            </a:extLst>
+          </p:cNvPr>
+          <p:cNvSpPr/>
+          <p:nvPr/>
+        </p:nvSpPr>
+        <p:spPr>
+          <a:xfrm>
+            <a:off x="6329220" y="1039097"/>
+            <a:ext cx="534784" cy="534784"/>
+          </a:xfrm>
+          <a:prstGeom prst="ellipse">
+            <a:avLst/>
+          </a:prstGeom>
+          <a:solidFill>
+            <a:srgbClr val="FF9F9A"/>
+          </a:solidFill>
+          <a:ln>
+            <a:noFill/>
+          </a:ln>
+        </p:spPr>
+        <p:style>
+          <a:lnRef idx="2">
+            <a:schemeClr val="accent1">
+              <a:shade val="15000"/>
+            </a:schemeClr>
+          </a:lnRef>
+          <a:fillRef idx="1">
+            <a:schemeClr val="accent1"/>
+          </a:fillRef>
+          <a:effectRef idx="0">
+            <a:schemeClr val="accent1"/>
+          </a:effectRef>
+          <a:fontRef idx="minor">
+            <a:schemeClr val="lt1"/>
+          </a:fontRef>
+        </p:style>
+        <p:txBody>
+          <a:bodyPr rtlCol="0" anchor="ctr"/>
+          <a:lstStyle/>
+          <a:p>
+            <a:pPr algn="ctr"/>
+            <a:r>
+              <a:rPr lang="en-US" sz="2000" b="1" dirty="0"/>
+              <a:t>V</a:t>
+            </a:r>
+          </a:p>
+        </p:txBody>
+      </p:sp>
+      <p:sp>
+        <p:nvSpPr>
+          <p:cNvPr id="40" name="Oval 39">
+            <a:extLst>
+              <a:ext uri="{FF2B5EF4-FFF2-40B4-BE49-F238E27FC236}">
+                <a16:creationId xmlns:a16="http://schemas.microsoft.com/office/drawing/2014/main" id="{B6D54562-7BA1-9BB5-2E71-73C7349BA5F1}"/>
+              </a:ext>
+            </a:extLst>
+          </p:cNvPr>
+          <p:cNvSpPr/>
+          <p:nvPr/>
+        </p:nvSpPr>
+        <p:spPr>
+          <a:xfrm>
+            <a:off x="7232304" y="2003540"/>
+            <a:ext cx="534784" cy="534784"/>
+          </a:xfrm>
+          <a:prstGeom prst="ellipse">
+            <a:avLst/>
+          </a:prstGeom>
+          <a:solidFill>
+            <a:srgbClr val="FF9F9A"/>
+          </a:solidFill>
+          <a:ln>
+            <a:noFill/>
+          </a:ln>
+        </p:spPr>
+        <p:style>
+          <a:lnRef idx="2">
+            <a:schemeClr val="accent1">
+              <a:shade val="15000"/>
+            </a:schemeClr>
+          </a:lnRef>
+          <a:fillRef idx="1">
+            <a:schemeClr val="accent1"/>
+          </a:fillRef>
+          <a:effectRef idx="0">
+            <a:schemeClr val="accent1"/>
+          </a:effectRef>
+          <a:fontRef idx="minor">
+            <a:schemeClr val="lt1"/>
+          </a:fontRef>
+        </p:style>
+        <p:txBody>
+          <a:bodyPr rtlCol="0" anchor="ctr"/>
+          <a:lstStyle/>
+          <a:p>
+            <a:pPr algn="ctr"/>
+            <a:r>
+              <a:rPr lang="en-US" sz="2000" b="1" dirty="0"/>
+              <a:t>V</a:t>
+            </a:r>
+          </a:p>
+        </p:txBody>
+      </p:sp>
+      <p:sp>
+        <p:nvSpPr>
+          <p:cNvPr id="41" name="Oval 40">
+            <a:extLst>
+              <a:ext uri="{FF2B5EF4-FFF2-40B4-BE49-F238E27FC236}">
+                <a16:creationId xmlns:a16="http://schemas.microsoft.com/office/drawing/2014/main" id="{CACAA3CA-53F9-C522-57CC-5A2D22DB966A}"/>
+              </a:ext>
+            </a:extLst>
+          </p:cNvPr>
+          <p:cNvSpPr/>
+          <p:nvPr/>
+        </p:nvSpPr>
+        <p:spPr>
+          <a:xfrm>
+            <a:off x="6377018" y="1650025"/>
+            <a:ext cx="534784" cy="534784"/>
+          </a:xfrm>
+          <a:prstGeom prst="ellipse">
+            <a:avLst/>
+          </a:prstGeom>
+          <a:solidFill>
+            <a:srgbClr val="FF9F9A"/>
+          </a:solidFill>
+          <a:ln>
+            <a:noFill/>
+          </a:ln>
+        </p:spPr>
+        <p:style>
+          <a:lnRef idx="2">
+            <a:schemeClr val="accent1">
+              <a:shade val="15000"/>
+            </a:schemeClr>
+          </a:lnRef>
+          <a:fillRef idx="1">
+            <a:schemeClr val="accent1"/>
+          </a:fillRef>
+          <a:effectRef idx="0">
+            <a:schemeClr val="accent1"/>
+          </a:effectRef>
+          <a:fontRef idx="minor">
+            <a:schemeClr val="lt1"/>
+          </a:fontRef>
+        </p:style>
+        <p:txBody>
+          <a:bodyPr rtlCol="0" anchor="ctr"/>
+          <a:lstStyle/>
+          <a:p>
+            <a:pPr algn="ctr"/>
+            <a:r>
+              <a:rPr lang="en-US" sz="2000" b="1" dirty="0"/>
+              <a:t>V</a:t>
+            </a:r>
+          </a:p>
+        </p:txBody>
+      </p:sp>
+      <p:sp>
+        <p:nvSpPr>
+          <p:cNvPr id="42" name="Oval 41">
+            <a:extLst>
+              <a:ext uri="{FF2B5EF4-FFF2-40B4-BE49-F238E27FC236}">
+                <a16:creationId xmlns:a16="http://schemas.microsoft.com/office/drawing/2014/main" id="{97453DB8-20AB-DFC2-D9BD-AFBE11AB9EB8}"/>
+              </a:ext>
+            </a:extLst>
+          </p:cNvPr>
+          <p:cNvSpPr/>
+          <p:nvPr/>
+        </p:nvSpPr>
+        <p:spPr>
+          <a:xfrm>
+            <a:off x="5595389" y="925030"/>
+            <a:ext cx="534784" cy="534784"/>
+          </a:xfrm>
+          <a:prstGeom prst="ellipse">
+            <a:avLst/>
+          </a:prstGeom>
+          <a:solidFill>
+            <a:srgbClr val="FF9F9A"/>
+          </a:solidFill>
+          <a:ln>
+            <a:noFill/>
+          </a:ln>
+        </p:spPr>
+        <p:style>
+          <a:lnRef idx="2">
+            <a:schemeClr val="accent1">
+              <a:shade val="15000"/>
+            </a:schemeClr>
+          </a:lnRef>
+          <a:fillRef idx="1">
+            <a:schemeClr val="accent1"/>
+          </a:fillRef>
+          <a:effectRef idx="0">
+            <a:schemeClr val="accent1"/>
+          </a:effectRef>
+          <a:fontRef idx="minor">
+            <a:schemeClr val="lt1"/>
+          </a:fontRef>
+        </p:style>
+        <p:txBody>
+          <a:bodyPr rtlCol="0" anchor="ctr"/>
+          <a:lstStyle/>
+          <a:p>
+            <a:pPr algn="ctr"/>
+            <a:r>
+              <a:rPr lang="en-US" sz="2000" b="1" dirty="0"/>
+              <a:t>V</a:t>
+            </a:r>
+          </a:p>
+        </p:txBody>
+      </p:sp>
+      <p:sp>
+        <p:nvSpPr>
+          <p:cNvPr id="43" name="Oval 42">
+            <a:extLst>
+              <a:ext uri="{FF2B5EF4-FFF2-40B4-BE49-F238E27FC236}">
+                <a16:creationId xmlns:a16="http://schemas.microsoft.com/office/drawing/2014/main" id="{E47C5512-FFD0-66CD-DA33-2B0A0994BB5F}"/>
+              </a:ext>
+            </a:extLst>
+          </p:cNvPr>
+          <p:cNvSpPr/>
+          <p:nvPr/>
+        </p:nvSpPr>
+        <p:spPr>
+          <a:xfrm>
+            <a:off x="5707613" y="1459814"/>
+            <a:ext cx="534784" cy="534784"/>
+          </a:xfrm>
+          <a:prstGeom prst="ellipse">
+            <a:avLst/>
+          </a:prstGeom>
+          <a:solidFill>
+            <a:srgbClr val="FF9F9A"/>
+          </a:solidFill>
+          <a:ln>
+            <a:noFill/>
+          </a:ln>
+        </p:spPr>
+        <p:style>
+          <a:lnRef idx="2">
+            <a:schemeClr val="accent1">
+              <a:shade val="15000"/>
+            </a:schemeClr>
+          </a:lnRef>
+          <a:fillRef idx="1">
+            <a:schemeClr val="accent1"/>
+          </a:fillRef>
+          <a:effectRef idx="0">
+            <a:schemeClr val="accent1"/>
+          </a:effectRef>
+          <a:fontRef idx="minor">
+            <a:schemeClr val="lt1"/>
+          </a:fontRef>
+        </p:style>
+        <p:txBody>
+          <a:bodyPr rtlCol="0" anchor="ctr"/>
+          <a:lstStyle/>
+          <a:p>
+            <a:pPr algn="ctr"/>
+            <a:r>
+              <a:rPr lang="en-US" sz="2000" b="1" dirty="0"/>
+              <a:t>V</a:t>
+            </a:r>
+          </a:p>
+        </p:txBody>
+      </p:sp>
+      <p:sp>
+        <p:nvSpPr>
+          <p:cNvPr id="44" name="Oval 43">
+            <a:extLst>
+              <a:ext uri="{FF2B5EF4-FFF2-40B4-BE49-F238E27FC236}">
+                <a16:creationId xmlns:a16="http://schemas.microsoft.com/office/drawing/2014/main" id="{D479B703-E3B3-3BF5-227A-9D0BF1A9D433}"/>
+              </a:ext>
+            </a:extLst>
+          </p:cNvPr>
+          <p:cNvSpPr/>
+          <p:nvPr/>
+        </p:nvSpPr>
+        <p:spPr>
+          <a:xfrm>
+            <a:off x="8973130" y="3899198"/>
+            <a:ext cx="534784" cy="534784"/>
+          </a:xfrm>
+          <a:prstGeom prst="ellipse">
+            <a:avLst/>
+          </a:prstGeom>
+          <a:solidFill>
+            <a:srgbClr val="FF9F9A"/>
+          </a:solidFill>
+          <a:ln>
+            <a:noFill/>
+          </a:ln>
+        </p:spPr>
+        <p:style>
+          <a:lnRef idx="2">
+            <a:schemeClr val="accent1">
+              <a:shade val="15000"/>
+            </a:schemeClr>
+          </a:lnRef>
+          <a:fillRef idx="1">
+            <a:schemeClr val="accent1"/>
+          </a:fillRef>
+          <a:effectRef idx="0">
+            <a:schemeClr val="accent1"/>
+          </a:effectRef>
+          <a:fontRef idx="minor">
+            <a:schemeClr val="lt1"/>
+          </a:fontRef>
+        </p:style>
+        <p:txBody>
+          <a:bodyPr rtlCol="0" anchor="ctr"/>
+          <a:lstStyle/>
+          <a:p>
+            <a:pPr algn="ctr"/>
+            <a:r>
+              <a:rPr lang="en-US" sz="2000" b="1" dirty="0"/>
+              <a:t>V</a:t>
+            </a:r>
+          </a:p>
+        </p:txBody>
+      </p:sp>
+      <p:sp>
+        <p:nvSpPr>
+          <p:cNvPr id="45" name="Oval 44">
+            <a:extLst>
+              <a:ext uri="{FF2B5EF4-FFF2-40B4-BE49-F238E27FC236}">
+                <a16:creationId xmlns:a16="http://schemas.microsoft.com/office/drawing/2014/main" id="{0F0F3429-F0F0-8D3F-6F33-DD45DBF470F0}"/>
+              </a:ext>
+            </a:extLst>
+          </p:cNvPr>
+          <p:cNvSpPr/>
+          <p:nvPr/>
+        </p:nvSpPr>
+        <p:spPr>
+          <a:xfrm>
+            <a:off x="8778936" y="5181734"/>
+            <a:ext cx="534784" cy="534784"/>
+          </a:xfrm>
+          <a:prstGeom prst="ellipse">
+            <a:avLst/>
+          </a:prstGeom>
+          <a:solidFill>
+            <a:srgbClr val="FF9F9A"/>
+          </a:solidFill>
+          <a:ln>
+            <a:noFill/>
+          </a:ln>
+        </p:spPr>
+        <p:style>
+          <a:lnRef idx="2">
+            <a:schemeClr val="accent1">
+              <a:shade val="15000"/>
+            </a:schemeClr>
+          </a:lnRef>
+          <a:fillRef idx="1">
+            <a:schemeClr val="accent1"/>
+          </a:fillRef>
+          <a:effectRef idx="0">
+            <a:schemeClr val="accent1"/>
+          </a:effectRef>
+          <a:fontRef idx="minor">
+            <a:schemeClr val="lt1"/>
+          </a:fontRef>
+        </p:style>
+        <p:txBody>
+          <a:bodyPr rtlCol="0" anchor="ctr"/>
+          <a:lstStyle/>
+          <a:p>
+            <a:pPr algn="ctr"/>
+            <a:r>
+              <a:rPr lang="en-US" sz="2000" b="1" dirty="0"/>
+              <a:t>V</a:t>
+            </a:r>
+          </a:p>
+        </p:txBody>
+      </p:sp>
+      <p:sp>
+        <p:nvSpPr>
+          <p:cNvPr id="46" name="Oval 45">
+            <a:extLst>
+              <a:ext uri="{FF2B5EF4-FFF2-40B4-BE49-F238E27FC236}">
+                <a16:creationId xmlns:a16="http://schemas.microsoft.com/office/drawing/2014/main" id="{BABF99D7-7409-15D3-FB7A-DD0DFB6A6EAA}"/>
+              </a:ext>
+            </a:extLst>
+          </p:cNvPr>
+          <p:cNvSpPr/>
+          <p:nvPr/>
+        </p:nvSpPr>
+        <p:spPr>
+          <a:xfrm>
+            <a:off x="8320352" y="3593706"/>
+            <a:ext cx="534784" cy="534784"/>
+          </a:xfrm>
+          <a:prstGeom prst="ellipse">
+            <a:avLst/>
+          </a:prstGeom>
+          <a:solidFill>
+            <a:srgbClr val="FF9F9A"/>
+          </a:solidFill>
+          <a:ln>
+            <a:noFill/>
+          </a:ln>
+        </p:spPr>
+        <p:style>
+          <a:lnRef idx="2">
+            <a:schemeClr val="accent1">
+              <a:shade val="15000"/>
+            </a:schemeClr>
+          </a:lnRef>
+          <a:fillRef idx="1">
+            <a:schemeClr val="accent1"/>
+          </a:fillRef>
+          <a:effectRef idx="0">
+            <a:schemeClr val="accent1"/>
+          </a:effectRef>
+          <a:fontRef idx="minor">
+            <a:schemeClr val="lt1"/>
+          </a:fontRef>
+        </p:style>
+        <p:txBody>
+          <a:bodyPr rtlCol="0" anchor="ctr"/>
+          <a:lstStyle/>
+          <a:p>
+            <a:pPr algn="ctr"/>
+            <a:r>
+              <a:rPr lang="en-US" sz="2000" b="1" dirty="0"/>
+              <a:t>V</a:t>
+            </a:r>
+          </a:p>
+        </p:txBody>
+      </p:sp>
+      <p:sp>
+        <p:nvSpPr>
+          <p:cNvPr id="47" name="Oval 46">
+            <a:extLst>
+              <a:ext uri="{FF2B5EF4-FFF2-40B4-BE49-F238E27FC236}">
+                <a16:creationId xmlns:a16="http://schemas.microsoft.com/office/drawing/2014/main" id="{B0A8B407-C4B3-978A-4B0D-535419B34DA9}"/>
+              </a:ext>
+            </a:extLst>
+          </p:cNvPr>
+          <p:cNvSpPr/>
+          <p:nvPr/>
+        </p:nvSpPr>
+        <p:spPr>
+          <a:xfrm>
+            <a:off x="7157839" y="4914342"/>
+            <a:ext cx="534784" cy="534784"/>
+          </a:xfrm>
+          <a:prstGeom prst="ellipse">
+            <a:avLst/>
+          </a:prstGeom>
+          <a:solidFill>
+            <a:srgbClr val="FF9F9A"/>
+          </a:solidFill>
+          <a:ln>
+            <a:noFill/>
+          </a:ln>
+        </p:spPr>
+        <p:style>
+          <a:lnRef idx="2">
+            <a:schemeClr val="accent1">
+              <a:shade val="15000"/>
+            </a:schemeClr>
+          </a:lnRef>
+          <a:fillRef idx="1">
+            <a:schemeClr val="accent1"/>
+          </a:fillRef>
+          <a:effectRef idx="0">
+            <a:schemeClr val="accent1"/>
+          </a:effectRef>
+          <a:fontRef idx="minor">
+            <a:schemeClr val="lt1"/>
+          </a:fontRef>
+        </p:style>
+        <p:txBody>
+          <a:bodyPr rtlCol="0" anchor="ctr"/>
+          <a:lstStyle/>
+          <a:p>
+            <a:pPr algn="ctr"/>
+            <a:r>
+              <a:rPr lang="en-US" sz="2000" b="1" dirty="0"/>
+              <a:t>V</a:t>
+            </a:r>
+          </a:p>
+        </p:txBody>
+      </p:sp>
+      <p:sp>
+        <p:nvSpPr>
+          <p:cNvPr id="48" name="Oval 47">
+            <a:extLst>
+              <a:ext uri="{FF2B5EF4-FFF2-40B4-BE49-F238E27FC236}">
+                <a16:creationId xmlns:a16="http://schemas.microsoft.com/office/drawing/2014/main" id="{805802E7-E5EB-AC0D-9513-0988F5D87F98}"/>
+              </a:ext>
+            </a:extLst>
+          </p:cNvPr>
+          <p:cNvSpPr/>
+          <p:nvPr/>
+        </p:nvSpPr>
+        <p:spPr>
+          <a:xfrm>
+            <a:off x="6500441" y="4062753"/>
+            <a:ext cx="534784" cy="534784"/>
+          </a:xfrm>
+          <a:prstGeom prst="ellipse">
+            <a:avLst/>
+          </a:prstGeom>
+          <a:solidFill>
+            <a:srgbClr val="FF9F9A"/>
+          </a:solidFill>
+          <a:ln>
+            <a:noFill/>
+          </a:ln>
+        </p:spPr>
+        <p:style>
+          <a:lnRef idx="2">
+            <a:schemeClr val="accent1">
+              <a:shade val="15000"/>
+            </a:schemeClr>
+          </a:lnRef>
+          <a:fillRef idx="1">
+            <a:schemeClr val="accent1"/>
+          </a:fillRef>
+          <a:effectRef idx="0">
+            <a:schemeClr val="accent1"/>
+          </a:effectRef>
+          <a:fontRef idx="minor">
+            <a:schemeClr val="lt1"/>
+          </a:fontRef>
+        </p:style>
+        <p:txBody>
+          <a:bodyPr rtlCol="0" anchor="ctr"/>
+          <a:lstStyle/>
+          <a:p>
+            <a:pPr algn="ctr"/>
+            <a:r>
+              <a:rPr lang="en-US" sz="2000" b="1" dirty="0"/>
+              <a:t>V</a:t>
+            </a:r>
+          </a:p>
+        </p:txBody>
+      </p:sp>
+      <p:sp>
+        <p:nvSpPr>
+          <p:cNvPr id="49" name="Oval 48">
+            <a:extLst>
+              <a:ext uri="{FF2B5EF4-FFF2-40B4-BE49-F238E27FC236}">
+                <a16:creationId xmlns:a16="http://schemas.microsoft.com/office/drawing/2014/main" id="{B02CC6BD-7336-CD81-BAF6-95B8E8B07560}"/>
+              </a:ext>
+            </a:extLst>
+          </p:cNvPr>
+          <p:cNvSpPr/>
+          <p:nvPr/>
+        </p:nvSpPr>
+        <p:spPr>
+          <a:xfrm>
+            <a:off x="6703641" y="3592853"/>
+            <a:ext cx="534784" cy="534784"/>
+          </a:xfrm>
+          <a:prstGeom prst="ellipse">
+            <a:avLst/>
+          </a:prstGeom>
+          <a:solidFill>
+            <a:srgbClr val="FF9F9A"/>
+          </a:solidFill>
+          <a:ln>
+            <a:noFill/>
+          </a:ln>
+        </p:spPr>
+        <p:style>
+          <a:lnRef idx="2">
+            <a:schemeClr val="accent1">
+              <a:shade val="15000"/>
+            </a:schemeClr>
+          </a:lnRef>
+          <a:fillRef idx="1">
+            <a:schemeClr val="accent1"/>
+          </a:fillRef>
+          <a:effectRef idx="0">
+            <a:schemeClr val="accent1"/>
+          </a:effectRef>
+          <a:fontRef idx="minor">
+            <a:schemeClr val="lt1"/>
+          </a:fontRef>
+        </p:style>
+        <p:txBody>
+          <a:bodyPr rtlCol="0" anchor="ctr"/>
+          <a:lstStyle/>
+          <a:p>
+            <a:pPr algn="ctr"/>
+            <a:r>
+              <a:rPr lang="en-US" sz="2000" b="1" dirty="0"/>
+              <a:t>V</a:t>
+            </a:r>
+          </a:p>
+        </p:txBody>
+      </p:sp>
+      <p:sp>
+        <p:nvSpPr>
+          <p:cNvPr id="50" name="Oval 49">
+            <a:extLst>
+              <a:ext uri="{FF2B5EF4-FFF2-40B4-BE49-F238E27FC236}">
+                <a16:creationId xmlns:a16="http://schemas.microsoft.com/office/drawing/2014/main" id="{C29B1778-2F55-B07A-58C9-5FF28B0C7201}"/>
+              </a:ext>
+            </a:extLst>
+          </p:cNvPr>
+          <p:cNvSpPr/>
+          <p:nvPr/>
+        </p:nvSpPr>
+        <p:spPr>
+          <a:xfrm>
+            <a:off x="6575369" y="2510179"/>
+            <a:ext cx="534784" cy="534784"/>
+          </a:xfrm>
+          <a:prstGeom prst="ellipse">
+            <a:avLst/>
+          </a:prstGeom>
+          <a:solidFill>
+            <a:srgbClr val="FF9F9A"/>
+          </a:solidFill>
+          <a:ln>
+            <a:noFill/>
+          </a:ln>
+        </p:spPr>
+        <p:style>
+          <a:lnRef idx="2">
+            <a:schemeClr val="accent1">
+              <a:shade val="15000"/>
+            </a:schemeClr>
+          </a:lnRef>
+          <a:fillRef idx="1">
+            <a:schemeClr val="accent1"/>
+          </a:fillRef>
+          <a:effectRef idx="0">
+            <a:schemeClr val="accent1"/>
+          </a:effectRef>
+          <a:fontRef idx="minor">
+            <a:schemeClr val="lt1"/>
+          </a:fontRef>
+        </p:style>
+        <p:txBody>
+          <a:bodyPr rtlCol="0" anchor="ctr"/>
+          <a:lstStyle/>
+          <a:p>
+            <a:pPr algn="ctr"/>
+            <a:r>
+              <a:rPr lang="en-US" sz="2000" b="1" dirty="0"/>
+              <a:t>V</a:t>
+            </a:r>
+          </a:p>
+        </p:txBody>
+      </p:sp>
+      <p:sp>
+        <p:nvSpPr>
+          <p:cNvPr id="51" name="Oval 50">
+            <a:extLst>
+              <a:ext uri="{FF2B5EF4-FFF2-40B4-BE49-F238E27FC236}">
+                <a16:creationId xmlns:a16="http://schemas.microsoft.com/office/drawing/2014/main" id="{60E6039A-A6C1-E0A6-3E03-B446DE08C717}"/>
+              </a:ext>
+            </a:extLst>
+          </p:cNvPr>
+          <p:cNvSpPr/>
+          <p:nvPr/>
+        </p:nvSpPr>
+        <p:spPr>
+          <a:xfrm>
+            <a:off x="6050863" y="3161607"/>
+            <a:ext cx="534784" cy="534784"/>
+          </a:xfrm>
+          <a:prstGeom prst="ellipse">
+            <a:avLst/>
+          </a:prstGeom>
+          <a:solidFill>
+            <a:srgbClr val="FF9F9A"/>
+          </a:solidFill>
+          <a:ln>
+            <a:noFill/>
+          </a:ln>
+        </p:spPr>
+        <p:style>
+          <a:lnRef idx="2">
+            <a:schemeClr val="accent1">
+              <a:shade val="15000"/>
+            </a:schemeClr>
+          </a:lnRef>
+          <a:fillRef idx="1">
+            <a:schemeClr val="accent1"/>
+          </a:fillRef>
+          <a:effectRef idx="0">
+            <a:schemeClr val="accent1"/>
+          </a:effectRef>
+          <a:fontRef idx="minor">
+            <a:schemeClr val="lt1"/>
+          </a:fontRef>
+        </p:style>
+        <p:txBody>
+          <a:bodyPr rtlCol="0" anchor="ctr"/>
+          <a:lstStyle/>
+          <a:p>
+            <a:pPr algn="ctr"/>
+            <a:r>
+              <a:rPr lang="en-US" sz="2000" b="1" dirty="0"/>
+              <a:t>V</a:t>
+            </a:r>
+          </a:p>
+        </p:txBody>
+      </p:sp>
+      <p:sp>
+        <p:nvSpPr>
+          <p:cNvPr id="52" name="Oval 51">
+            <a:extLst>
+              <a:ext uri="{FF2B5EF4-FFF2-40B4-BE49-F238E27FC236}">
+                <a16:creationId xmlns:a16="http://schemas.microsoft.com/office/drawing/2014/main" id="{B60BD9CA-D2AC-72E5-93A5-B3E726D9075E}"/>
+              </a:ext>
+            </a:extLst>
+          </p:cNvPr>
+          <p:cNvSpPr/>
+          <p:nvPr/>
+        </p:nvSpPr>
+        <p:spPr>
+          <a:xfrm>
+            <a:off x="5644113" y="2373511"/>
+            <a:ext cx="534784" cy="534784"/>
+          </a:xfrm>
+          <a:prstGeom prst="ellipse">
+            <a:avLst/>
+          </a:prstGeom>
+          <a:solidFill>
+            <a:srgbClr val="FF9F9A"/>
+          </a:solidFill>
+          <a:ln>
+            <a:noFill/>
+          </a:ln>
+        </p:spPr>
+        <p:style>
+          <a:lnRef idx="2">
+            <a:schemeClr val="accent1">
+              <a:shade val="15000"/>
+            </a:schemeClr>
+          </a:lnRef>
+          <a:fillRef idx="1">
+            <a:schemeClr val="accent1"/>
+          </a:fillRef>
+          <a:effectRef idx="0">
+            <a:schemeClr val="accent1"/>
+          </a:effectRef>
+          <a:fontRef idx="minor">
+            <a:schemeClr val="lt1"/>
+          </a:fontRef>
+        </p:style>
+        <p:txBody>
+          <a:bodyPr rtlCol="0" anchor="ctr"/>
+          <a:lstStyle/>
+          <a:p>
+            <a:pPr algn="ctr"/>
+            <a:r>
+              <a:rPr lang="en-US" sz="2000" b="1" dirty="0"/>
+              <a:t>V</a:t>
+            </a:r>
+          </a:p>
+        </p:txBody>
+      </p:sp>
+      <p:sp>
+        <p:nvSpPr>
+          <p:cNvPr id="53" name="Oval 52">
+            <a:extLst>
+              <a:ext uri="{FF2B5EF4-FFF2-40B4-BE49-F238E27FC236}">
+                <a16:creationId xmlns:a16="http://schemas.microsoft.com/office/drawing/2014/main" id="{1C249758-CFCE-D0DF-9BCE-A21E91331AE8}"/>
+              </a:ext>
+            </a:extLst>
+          </p:cNvPr>
+          <p:cNvSpPr/>
+          <p:nvPr/>
+        </p:nvSpPr>
+        <p:spPr>
+          <a:xfrm>
+            <a:off x="5212313" y="2233811"/>
+            <a:ext cx="534784" cy="534784"/>
+          </a:xfrm>
+          <a:prstGeom prst="ellipse">
+            <a:avLst/>
+          </a:prstGeom>
+          <a:solidFill>
+            <a:srgbClr val="FF9F9A"/>
+          </a:solidFill>
+          <a:ln>
+            <a:noFill/>
+          </a:ln>
+        </p:spPr>
+        <p:style>
+          <a:lnRef idx="2">
+            <a:schemeClr val="accent1">
+              <a:shade val="15000"/>
+            </a:schemeClr>
+          </a:lnRef>
+          <a:fillRef idx="1">
+            <a:schemeClr val="accent1"/>
+          </a:fillRef>
+          <a:effectRef idx="0">
+            <a:schemeClr val="accent1"/>
+          </a:effectRef>
+          <a:fontRef idx="minor">
+            <a:schemeClr val="lt1"/>
+          </a:fontRef>
+        </p:style>
+        <p:txBody>
+          <a:bodyPr rtlCol="0" anchor="ctr"/>
+          <a:lstStyle/>
+          <a:p>
+            <a:pPr algn="ctr"/>
+            <a:r>
+              <a:rPr lang="en-US" sz="2000" b="1" dirty="0"/>
+              <a:t>V</a:t>
+            </a:r>
+          </a:p>
+        </p:txBody>
+      </p:sp>
+      <p:sp>
+        <p:nvSpPr>
+          <p:cNvPr id="54" name="Oval 53">
+            <a:extLst>
+              <a:ext uri="{FF2B5EF4-FFF2-40B4-BE49-F238E27FC236}">
+                <a16:creationId xmlns:a16="http://schemas.microsoft.com/office/drawing/2014/main" id="{8A5C7EC0-A62C-960A-8ECD-F55B137B2ACB}"/>
+              </a:ext>
+            </a:extLst>
+          </p:cNvPr>
+          <p:cNvSpPr/>
+          <p:nvPr/>
+        </p:nvSpPr>
+        <p:spPr>
+          <a:xfrm>
+            <a:off x="2452139" y="656930"/>
+            <a:ext cx="534784" cy="534784"/>
+          </a:xfrm>
+          <a:prstGeom prst="ellipse">
+            <a:avLst/>
+          </a:prstGeom>
+          <a:solidFill>
+            <a:srgbClr val="FF9F9A"/>
+          </a:solidFill>
+          <a:ln>
+            <a:noFill/>
+          </a:ln>
+        </p:spPr>
+        <p:style>
+          <a:lnRef idx="2">
+            <a:schemeClr val="accent1">
+              <a:shade val="15000"/>
+            </a:schemeClr>
+          </a:lnRef>
+          <a:fillRef idx="1">
+            <a:schemeClr val="accent1"/>
+          </a:fillRef>
+          <a:effectRef idx="0">
+            <a:schemeClr val="accent1"/>
+          </a:effectRef>
+          <a:fontRef idx="minor">
+            <a:schemeClr val="lt1"/>
+          </a:fontRef>
+        </p:style>
+        <p:txBody>
+          <a:bodyPr rtlCol="0" anchor="ctr"/>
+          <a:lstStyle/>
+          <a:p>
+            <a:pPr algn="ctr"/>
+            <a:r>
+              <a:rPr lang="en-US" sz="2000" b="1" dirty="0"/>
+              <a:t>V</a:t>
+            </a:r>
+          </a:p>
+        </p:txBody>
+      </p:sp>
+      <p:sp>
+        <p:nvSpPr>
+          <p:cNvPr id="55" name="Oval 54">
+            <a:extLst>
+              <a:ext uri="{FF2B5EF4-FFF2-40B4-BE49-F238E27FC236}">
+                <a16:creationId xmlns:a16="http://schemas.microsoft.com/office/drawing/2014/main" id="{2B062754-2E69-B916-5DFB-1109BEBE6F78}"/>
+              </a:ext>
+            </a:extLst>
+          </p:cNvPr>
+          <p:cNvSpPr/>
+          <p:nvPr/>
+        </p:nvSpPr>
+        <p:spPr>
+          <a:xfrm>
+            <a:off x="3963785" y="771243"/>
+            <a:ext cx="534784" cy="534784"/>
+          </a:xfrm>
+          <a:prstGeom prst="ellipse">
+            <a:avLst/>
+          </a:prstGeom>
+          <a:solidFill>
+            <a:srgbClr val="FF9F9A"/>
+          </a:solidFill>
+          <a:ln>
+            <a:noFill/>
+          </a:ln>
+        </p:spPr>
+        <p:style>
+          <a:lnRef idx="2">
+            <a:schemeClr val="accent1">
+              <a:shade val="15000"/>
+            </a:schemeClr>
+          </a:lnRef>
+          <a:fillRef idx="1">
+            <a:schemeClr val="accent1"/>
+          </a:fillRef>
+          <a:effectRef idx="0">
+            <a:schemeClr val="accent1"/>
+          </a:effectRef>
+          <a:fontRef idx="minor">
+            <a:schemeClr val="lt1"/>
+          </a:fontRef>
+        </p:style>
+        <p:txBody>
+          <a:bodyPr rtlCol="0" anchor="ctr"/>
+          <a:lstStyle/>
+          <a:p>
+            <a:pPr algn="ctr"/>
+            <a:r>
+              <a:rPr lang="en-US" sz="2000" b="1" dirty="0"/>
+              <a:t>V</a:t>
+            </a:r>
+          </a:p>
+        </p:txBody>
+      </p:sp>
+      <p:sp>
+        <p:nvSpPr>
+          <p:cNvPr id="56" name="Oval 55">
+            <a:extLst>
+              <a:ext uri="{FF2B5EF4-FFF2-40B4-BE49-F238E27FC236}">
+                <a16:creationId xmlns:a16="http://schemas.microsoft.com/office/drawing/2014/main" id="{F7283346-F594-B87B-1CF1-7A15BB082CA6}"/>
+              </a:ext>
+            </a:extLst>
+          </p:cNvPr>
+          <p:cNvSpPr/>
+          <p:nvPr/>
+        </p:nvSpPr>
+        <p:spPr>
+          <a:xfrm>
+            <a:off x="3133839" y="1255214"/>
+            <a:ext cx="534784" cy="534784"/>
+          </a:xfrm>
+          <a:prstGeom prst="ellipse">
+            <a:avLst/>
+          </a:prstGeom>
+          <a:solidFill>
+            <a:srgbClr val="FF9F9A"/>
+          </a:solidFill>
+          <a:ln>
+            <a:noFill/>
+          </a:ln>
+        </p:spPr>
+        <p:style>
+          <a:lnRef idx="2">
+            <a:schemeClr val="accent1">
+              <a:shade val="15000"/>
+            </a:schemeClr>
+          </a:lnRef>
+          <a:fillRef idx="1">
+            <a:schemeClr val="accent1"/>
+          </a:fillRef>
+          <a:effectRef idx="0">
+            <a:schemeClr val="accent1"/>
+          </a:effectRef>
+          <a:fontRef idx="minor">
+            <a:schemeClr val="lt1"/>
+          </a:fontRef>
+        </p:style>
+        <p:txBody>
+          <a:bodyPr rtlCol="0" anchor="ctr"/>
+          <a:lstStyle/>
+          <a:p>
+            <a:pPr algn="ctr"/>
+            <a:r>
+              <a:rPr lang="en-US" sz="2000" b="1" dirty="0"/>
+              <a:t>V</a:t>
+            </a:r>
+          </a:p>
+        </p:txBody>
+      </p:sp>
+      <p:sp>
+        <p:nvSpPr>
+          <p:cNvPr id="57" name="Oval 56">
+            <a:extLst>
+              <a:ext uri="{FF2B5EF4-FFF2-40B4-BE49-F238E27FC236}">
+                <a16:creationId xmlns:a16="http://schemas.microsoft.com/office/drawing/2014/main" id="{432FC28A-12F5-9E4D-A111-43F6854B46A9}"/>
+              </a:ext>
+            </a:extLst>
+          </p:cNvPr>
+          <p:cNvSpPr/>
+          <p:nvPr/>
+        </p:nvSpPr>
+        <p:spPr>
+          <a:xfrm>
+            <a:off x="3184639" y="1699714"/>
+            <a:ext cx="534784" cy="534784"/>
+          </a:xfrm>
+          <a:prstGeom prst="ellipse">
+            <a:avLst/>
+          </a:prstGeom>
+          <a:solidFill>
+            <a:srgbClr val="FF9F9A"/>
+          </a:solidFill>
+          <a:ln>
+            <a:noFill/>
+          </a:ln>
+        </p:spPr>
+        <p:style>
+          <a:lnRef idx="2">
+            <a:schemeClr val="accent1">
+              <a:shade val="15000"/>
+            </a:schemeClr>
+          </a:lnRef>
+          <a:fillRef idx="1">
+            <a:schemeClr val="accent1"/>
+          </a:fillRef>
+          <a:effectRef idx="0">
+            <a:schemeClr val="accent1"/>
+          </a:effectRef>
+          <a:fontRef idx="minor">
+            <a:schemeClr val="lt1"/>
+          </a:fontRef>
+        </p:style>
+        <p:txBody>
+          <a:bodyPr rtlCol="0" anchor="ctr"/>
+          <a:lstStyle/>
+          <a:p>
+            <a:pPr algn="ctr"/>
+            <a:r>
+              <a:rPr lang="en-US" sz="2000" b="1" dirty="0"/>
+              <a:t>V</a:t>
+            </a:r>
+          </a:p>
+        </p:txBody>
+      </p:sp>
+      <p:sp>
+        <p:nvSpPr>
+          <p:cNvPr id="58" name="Oval 57">
+            <a:extLst>
+              <a:ext uri="{FF2B5EF4-FFF2-40B4-BE49-F238E27FC236}">
+                <a16:creationId xmlns:a16="http://schemas.microsoft.com/office/drawing/2014/main" id="{A2C78F8B-2938-DE8E-E924-59D716D222C7}"/>
+              </a:ext>
+            </a:extLst>
+          </p:cNvPr>
+          <p:cNvSpPr/>
+          <p:nvPr/>
+        </p:nvSpPr>
+        <p:spPr>
+          <a:xfrm>
+            <a:off x="4221771" y="1699714"/>
+            <a:ext cx="534784" cy="534784"/>
+          </a:xfrm>
+          <a:prstGeom prst="ellipse">
+            <a:avLst/>
+          </a:prstGeom>
+          <a:solidFill>
+            <a:srgbClr val="FF9F9A"/>
+          </a:solidFill>
+          <a:ln>
+            <a:noFill/>
+          </a:ln>
+        </p:spPr>
+        <p:style>
+          <a:lnRef idx="2">
+            <a:schemeClr val="accent1">
+              <a:shade val="15000"/>
+            </a:schemeClr>
+          </a:lnRef>
+          <a:fillRef idx="1">
+            <a:schemeClr val="accent1"/>
+          </a:fillRef>
+          <a:effectRef idx="0">
+            <a:schemeClr val="accent1"/>
+          </a:effectRef>
+          <a:fontRef idx="minor">
+            <a:schemeClr val="lt1"/>
+          </a:fontRef>
+        </p:style>
+        <p:txBody>
+          <a:bodyPr rtlCol="0" anchor="ctr"/>
+          <a:lstStyle/>
+          <a:p>
+            <a:pPr algn="ctr"/>
+            <a:r>
+              <a:rPr lang="en-US" sz="2000" b="1" dirty="0"/>
+              <a:t>V</a:t>
+            </a:r>
+          </a:p>
+        </p:txBody>
+      </p:sp>
+      <p:sp>
+        <p:nvSpPr>
+          <p:cNvPr id="59" name="Oval 58">
+            <a:extLst>
+              <a:ext uri="{FF2B5EF4-FFF2-40B4-BE49-F238E27FC236}">
+                <a16:creationId xmlns:a16="http://schemas.microsoft.com/office/drawing/2014/main" id="{F1746609-1E0F-4C8D-80B6-E10385540D24}"/>
+              </a:ext>
+            </a:extLst>
+          </p:cNvPr>
+          <p:cNvSpPr/>
+          <p:nvPr/>
+        </p:nvSpPr>
+        <p:spPr>
+          <a:xfrm>
+            <a:off x="3983675" y="2296332"/>
+            <a:ext cx="534784" cy="534784"/>
+          </a:xfrm>
+          <a:prstGeom prst="ellipse">
+            <a:avLst/>
+          </a:prstGeom>
+          <a:solidFill>
+            <a:srgbClr val="FF9F9A"/>
+          </a:solidFill>
+          <a:ln>
+            <a:noFill/>
+          </a:ln>
+        </p:spPr>
+        <p:style>
+          <a:lnRef idx="2">
+            <a:schemeClr val="accent1">
+              <a:shade val="15000"/>
+            </a:schemeClr>
+          </a:lnRef>
+          <a:fillRef idx="1">
+            <a:schemeClr val="accent1"/>
+          </a:fillRef>
+          <a:effectRef idx="0">
+            <a:schemeClr val="accent1"/>
+          </a:effectRef>
+          <a:fontRef idx="minor">
+            <a:schemeClr val="lt1"/>
+          </a:fontRef>
+        </p:style>
+        <p:txBody>
+          <a:bodyPr rtlCol="0" anchor="ctr"/>
+          <a:lstStyle/>
+          <a:p>
+            <a:pPr algn="ctr"/>
+            <a:r>
+              <a:rPr lang="en-US" sz="2000" b="1" dirty="0"/>
+              <a:t>V</a:t>
+            </a:r>
+          </a:p>
+        </p:txBody>
+      </p:sp>
+      <p:sp>
+        <p:nvSpPr>
+          <p:cNvPr id="60" name="Oval 59">
+            <a:extLst>
+              <a:ext uri="{FF2B5EF4-FFF2-40B4-BE49-F238E27FC236}">
+                <a16:creationId xmlns:a16="http://schemas.microsoft.com/office/drawing/2014/main" id="{216E4FCC-B87A-BFA9-7607-239CB67FCCBD}"/>
+              </a:ext>
+            </a:extLst>
+          </p:cNvPr>
+          <p:cNvSpPr/>
+          <p:nvPr/>
+        </p:nvSpPr>
+        <p:spPr>
+          <a:xfrm>
+            <a:off x="3731959" y="2698177"/>
+            <a:ext cx="534784" cy="534784"/>
+          </a:xfrm>
+          <a:prstGeom prst="ellipse">
+            <a:avLst/>
+          </a:prstGeom>
+          <a:solidFill>
+            <a:srgbClr val="FF9F9A"/>
+          </a:solidFill>
+          <a:ln>
+            <a:noFill/>
+          </a:ln>
+        </p:spPr>
+        <p:style>
+          <a:lnRef idx="2">
+            <a:schemeClr val="accent1">
+              <a:shade val="15000"/>
+            </a:schemeClr>
+          </a:lnRef>
+          <a:fillRef idx="1">
+            <a:schemeClr val="accent1"/>
+          </a:fillRef>
+          <a:effectRef idx="0">
+            <a:schemeClr val="accent1"/>
+          </a:effectRef>
+          <a:fontRef idx="minor">
+            <a:schemeClr val="lt1"/>
+          </a:fontRef>
+        </p:style>
+        <p:txBody>
+          <a:bodyPr rtlCol="0" anchor="ctr"/>
+          <a:lstStyle/>
+          <a:p>
+            <a:pPr algn="ctr"/>
+            <a:r>
+              <a:rPr lang="en-US" sz="2000" b="1" dirty="0"/>
+              <a:t>V</a:t>
+            </a:r>
+          </a:p>
+        </p:txBody>
+      </p:sp>
+      <p:sp>
+        <p:nvSpPr>
+          <p:cNvPr id="61" name="Oval 60">
+            <a:extLst>
+              <a:ext uri="{FF2B5EF4-FFF2-40B4-BE49-F238E27FC236}">
+                <a16:creationId xmlns:a16="http://schemas.microsoft.com/office/drawing/2014/main" id="{BA928340-322C-C48A-0F1A-80220397CBA4}"/>
+              </a:ext>
+            </a:extLst>
+          </p:cNvPr>
+          <p:cNvSpPr/>
+          <p:nvPr/>
+        </p:nvSpPr>
+        <p:spPr>
+          <a:xfrm>
+            <a:off x="3528067" y="4455758"/>
+            <a:ext cx="534784" cy="534784"/>
+          </a:xfrm>
+          <a:prstGeom prst="ellipse">
+            <a:avLst/>
+          </a:prstGeom>
+          <a:solidFill>
+            <a:srgbClr val="FF9F9A"/>
+          </a:solidFill>
+          <a:ln>
+            <a:noFill/>
+          </a:ln>
+        </p:spPr>
+        <p:style>
+          <a:lnRef idx="2">
+            <a:schemeClr val="accent1">
+              <a:shade val="15000"/>
+            </a:schemeClr>
+          </a:lnRef>
+          <a:fillRef idx="1">
+            <a:schemeClr val="accent1"/>
+          </a:fillRef>
+          <a:effectRef idx="0">
+            <a:schemeClr val="accent1"/>
+          </a:effectRef>
+          <a:fontRef idx="minor">
+            <a:schemeClr val="lt1"/>
+          </a:fontRef>
+        </p:style>
+        <p:txBody>
+          <a:bodyPr rtlCol="0" anchor="ctr"/>
+          <a:lstStyle/>
+          <a:p>
+            <a:pPr algn="ctr"/>
+            <a:r>
+              <a:rPr lang="en-US" sz="2000" b="1" dirty="0"/>
+              <a:t>V</a:t>
+            </a:r>
+          </a:p>
+        </p:txBody>
+      </p:sp>
+      <p:sp>
+        <p:nvSpPr>
+          <p:cNvPr id="62" name="Oval 61">
+            <a:extLst>
+              <a:ext uri="{FF2B5EF4-FFF2-40B4-BE49-F238E27FC236}">
+                <a16:creationId xmlns:a16="http://schemas.microsoft.com/office/drawing/2014/main" id="{F714909A-14D2-AACE-6556-FC236A7AC494}"/>
+              </a:ext>
+            </a:extLst>
+          </p:cNvPr>
+          <p:cNvSpPr/>
+          <p:nvPr/>
+        </p:nvSpPr>
+        <p:spPr>
+          <a:xfrm>
+            <a:off x="2816867" y="5205058"/>
+            <a:ext cx="534784" cy="534784"/>
+          </a:xfrm>
+          <a:prstGeom prst="ellipse">
+            <a:avLst/>
+          </a:prstGeom>
+          <a:solidFill>
+            <a:srgbClr val="FF9F9A"/>
+          </a:solidFill>
+          <a:ln>
+            <a:noFill/>
+          </a:ln>
+        </p:spPr>
+        <p:style>
+          <a:lnRef idx="2">
+            <a:schemeClr val="accent1">
+              <a:shade val="15000"/>
+            </a:schemeClr>
+          </a:lnRef>
+          <a:fillRef idx="1">
+            <a:schemeClr val="accent1"/>
+          </a:fillRef>
+          <a:effectRef idx="0">
+            <a:schemeClr val="accent1"/>
+          </a:effectRef>
+          <a:fontRef idx="minor">
+            <a:schemeClr val="lt1"/>
+          </a:fontRef>
+        </p:style>
+        <p:txBody>
+          <a:bodyPr rtlCol="0" anchor="ctr"/>
+          <a:lstStyle/>
+          <a:p>
+            <a:pPr algn="ctr"/>
+            <a:r>
+              <a:rPr lang="en-US" sz="2000" b="1" dirty="0"/>
+              <a:t>V</a:t>
+            </a:r>
+          </a:p>
+        </p:txBody>
+      </p:sp>
+      <p:sp>
+        <p:nvSpPr>
+          <p:cNvPr id="63" name="Oval 62">
+            <a:extLst>
+              <a:ext uri="{FF2B5EF4-FFF2-40B4-BE49-F238E27FC236}">
+                <a16:creationId xmlns:a16="http://schemas.microsoft.com/office/drawing/2014/main" id="{38379A02-099A-E49C-1C89-94EDBDE2C680}"/>
+              </a:ext>
+            </a:extLst>
+          </p:cNvPr>
+          <p:cNvSpPr/>
+          <p:nvPr/>
+        </p:nvSpPr>
+        <p:spPr>
+          <a:xfrm>
+            <a:off x="3705867" y="5357458"/>
+            <a:ext cx="534784" cy="534784"/>
+          </a:xfrm>
+          <a:prstGeom prst="ellipse">
+            <a:avLst/>
+          </a:prstGeom>
+          <a:solidFill>
+            <a:srgbClr val="FF9F9A"/>
+          </a:solidFill>
+          <a:ln>
+            <a:noFill/>
+          </a:ln>
+        </p:spPr>
+        <p:style>
+          <a:lnRef idx="2">
+            <a:schemeClr val="accent1">
+              <a:shade val="15000"/>
+            </a:schemeClr>
+          </a:lnRef>
+          <a:fillRef idx="1">
+            <a:schemeClr val="accent1"/>
+          </a:fillRef>
+          <a:effectRef idx="0">
+            <a:schemeClr val="accent1"/>
+          </a:effectRef>
+          <a:fontRef idx="minor">
+            <a:schemeClr val="lt1"/>
+          </a:fontRef>
+        </p:style>
+        <p:txBody>
+          <a:bodyPr rtlCol="0" anchor="ctr"/>
+          <a:lstStyle/>
+          <a:p>
+            <a:pPr algn="ctr"/>
+            <a:r>
+              <a:rPr lang="en-US" sz="2000" b="1" dirty="0"/>
+              <a:t>V</a:t>
+            </a:r>
+          </a:p>
+        </p:txBody>
+      </p:sp>
+      <p:sp>
+        <p:nvSpPr>
+          <p:cNvPr id="64" name="Oval 63">
+            <a:extLst>
+              <a:ext uri="{FF2B5EF4-FFF2-40B4-BE49-F238E27FC236}">
+                <a16:creationId xmlns:a16="http://schemas.microsoft.com/office/drawing/2014/main" id="{D8762343-F856-304F-FE41-23604FC1401E}"/>
+              </a:ext>
+            </a:extLst>
+          </p:cNvPr>
+          <p:cNvSpPr/>
+          <p:nvPr/>
+        </p:nvSpPr>
+        <p:spPr>
+          <a:xfrm>
+            <a:off x="4277367" y="5179658"/>
+            <a:ext cx="534784" cy="534784"/>
+          </a:xfrm>
+          <a:prstGeom prst="ellipse">
+            <a:avLst/>
+          </a:prstGeom>
+          <a:solidFill>
+            <a:srgbClr val="FF9F9A"/>
+          </a:solidFill>
+          <a:ln>
+            <a:noFill/>
+          </a:ln>
+        </p:spPr>
+        <p:style>
+          <a:lnRef idx="2">
+            <a:schemeClr val="accent1">
+              <a:shade val="15000"/>
+            </a:schemeClr>
+          </a:lnRef>
+          <a:fillRef idx="1">
+            <a:schemeClr val="accent1"/>
+          </a:fillRef>
+          <a:effectRef idx="0">
+            <a:schemeClr val="accent1"/>
+          </a:effectRef>
+          <a:fontRef idx="minor">
+            <a:schemeClr val="lt1"/>
+          </a:fontRef>
+        </p:style>
+        <p:txBody>
+          <a:bodyPr rtlCol="0" anchor="ctr"/>
+          <a:lstStyle/>
+          <a:p>
+            <a:pPr algn="ctr"/>
+            <a:r>
+              <a:rPr lang="en-US" sz="2000" b="1" dirty="0"/>
+              <a:t>V</a:t>
+            </a:r>
+          </a:p>
+        </p:txBody>
+      </p:sp>
+    </p:spTree>
+    <p:extLst>
+      <p:ext uri="{BB962C8B-B14F-4D97-AF65-F5344CB8AC3E}">
+        <p14:creationId xmlns:p14="http://schemas.microsoft.com/office/powerpoint/2010/main" val="3651736749"/>
+      </p:ext>
+    </p:extLst>
+  </p:cSld>
+  <p:clrMapOvr>
+    <a:masterClrMapping/>
+  </p:clrMapOvr>
+</p:sld>
+</file>
+
+<file path=ppt/slides/slide12.xml><?xml version="1.0" encoding="utf-8"?>
+<p:sld xmlns:a="http://schemas.openxmlformats.org/drawingml/2006/main" xmlns:r="http://schemas.openxmlformats.org/officeDocument/2006/relationships" xmlns:p="http://schemas.openxmlformats.org/presentationml/2006/main">
+  <p:cSld>
+    <p:spTree>
+      <p:nvGrpSpPr>
+        <p:cNvPr id="1" name=""/>
+        <p:cNvGrpSpPr/>
+        <p:nvPr/>
+      </p:nvGrpSpPr>
+      <p:grpSpPr>
+        <a:xfrm>
+          <a:off x="0" y="0"/>
+          <a:ext cx="0" cy="0"/>
+          <a:chOff x="0" y="0"/>
+          <a:chExt cx="0" cy="0"/>
+        </a:xfrm>
+      </p:grpSpPr>
+      <p:pic>
+        <p:nvPicPr>
           <p:cNvPr id="5" name="Picture 4" descr="A screen shot of a graph&#10;&#10;Description automatically generated">
             <a:extLst>
               <a:ext uri="{FF2B5EF4-FFF2-40B4-BE49-F238E27FC236}">
@@ -7404,6 +10956,35 @@
         <p:spPr>
           <a:xfrm>
             <a:off x="4339242" y="2626822"/>
+            <a:ext cx="5178829" cy="3150524"/>
+          </a:xfrm>
+          <a:prstGeom prst="rect">
+            <a:avLst/>
+          </a:prstGeom>
+        </p:spPr>
+      </p:pic>
+      <p:pic>
+        <p:nvPicPr>
+          <p:cNvPr id="2" name="Picture 1">
+            <a:extLst>
+              <a:ext uri="{FF2B5EF4-FFF2-40B4-BE49-F238E27FC236}">
+                <a16:creationId xmlns:a16="http://schemas.microsoft.com/office/drawing/2014/main" id="{618078FB-3988-4576-1AFE-7E818B6685FF}"/>
+              </a:ext>
+            </a:extLst>
+          </p:cNvPr>
+          <p:cNvPicPr>
+            <a:picLocks noChangeAspect="1"/>
+          </p:cNvPicPr>
+          <p:nvPr/>
+        </p:nvPicPr>
+        <p:blipFill>
+          <a:blip r:embed="rId5"/>
+          <a:srcRect l="6508" t="4471" r="8546" b="3659"/>
+          <a:stretch/>
+        </p:blipFill>
+        <p:spPr>
+          <a:xfrm>
+            <a:off x="548870" y="520700"/>
             <a:ext cx="5178829" cy="3150524"/>
           </a:xfrm>
           <a:prstGeom prst="rect">
@@ -7424,7 +11005,7 @@
 </p:sld>
 </file>
 
-<file path=ppt/slides/slide11.xml><?xml version="1.0" encoding="utf-8"?>
+<file path=ppt/slides/slide13.xml><?xml version="1.0" encoding="utf-8"?>
 <p:sld xmlns:a="http://schemas.openxmlformats.org/drawingml/2006/main" xmlns:r="http://schemas.openxmlformats.org/officeDocument/2006/relationships" xmlns:p="http://schemas.openxmlformats.org/presentationml/2006/main">
   <p:cSld>
     <p:spTree>
@@ -7588,7 +11169,7 @@
 </p:sld>
 </file>
 
-<file path=ppt/slides/slide12.xml><?xml version="1.0" encoding="utf-8"?>
+<file path=ppt/slides/slide14.xml><?xml version="1.0" encoding="utf-8"?>
 <p:sld xmlns:a="http://schemas.openxmlformats.org/drawingml/2006/main" xmlns:r="http://schemas.openxmlformats.org/officeDocument/2006/relationships" xmlns:p="http://schemas.openxmlformats.org/presentationml/2006/main">
   <p:cSld>
     <p:spTree>
@@ -21984,7 +25565,13 @@
   <p:cSld>
     <p:spTree>
       <p:nvGrpSpPr>
-        <p:cNvPr id="1" name=""/>
+        <p:cNvPr id="1" name="">
+          <a:extLst>
+            <a:ext uri="{FF2B5EF4-FFF2-40B4-BE49-F238E27FC236}">
+              <a16:creationId xmlns:a16="http://schemas.microsoft.com/office/drawing/2014/main" id="{E1BBA319-F16E-9C7D-02E3-19497B96C7D7}"/>
+            </a:ext>
+          </a:extLst>
+        </p:cNvPr>
         <p:cNvGrpSpPr/>
         <p:nvPr/>
       </p:nvGrpSpPr>
@@ -21996,12 +25583,2462 @@
           <a:chExt cx="0" cy="0"/>
         </a:xfrm>
       </p:grpSpPr>
+      <p:sp>
+        <p:nvSpPr>
+          <p:cNvPr id="13" name="Rectangle: Rounded Corners 12">
+            <a:extLst>
+              <a:ext uri="{FF2B5EF4-FFF2-40B4-BE49-F238E27FC236}">
+                <a16:creationId xmlns:a16="http://schemas.microsoft.com/office/drawing/2014/main" id="{6F68E1A9-D882-9E76-C5D1-0BFC24525B70}"/>
+              </a:ext>
+            </a:extLst>
+          </p:cNvPr>
+          <p:cNvSpPr/>
+          <p:nvPr/>
+        </p:nvSpPr>
+        <p:spPr>
+          <a:xfrm>
+            <a:off x="4833128" y="1893037"/>
+            <a:ext cx="3902099" cy="1843317"/>
+          </a:xfrm>
+          <a:prstGeom prst="roundRect">
+            <a:avLst/>
+          </a:prstGeom>
+          <a:solidFill>
+            <a:srgbClr val="57A7FF"/>
+          </a:solidFill>
+          <a:ln>
+            <a:noFill/>
+          </a:ln>
+        </p:spPr>
+        <p:style>
+          <a:lnRef idx="2">
+            <a:schemeClr val="accent1">
+              <a:shade val="15000"/>
+            </a:schemeClr>
+          </a:lnRef>
+          <a:fillRef idx="1">
+            <a:schemeClr val="accent1"/>
+          </a:fillRef>
+          <a:effectRef idx="0">
+            <a:schemeClr val="accent1"/>
+          </a:effectRef>
+          <a:fontRef idx="minor">
+            <a:schemeClr val="lt1"/>
+          </a:fontRef>
+        </p:style>
+        <p:txBody>
+          <a:bodyPr tIns="0" rtlCol="0" anchor="t" anchorCtr="0"/>
+          <a:lstStyle/>
+          <a:p>
+            <a:pPr algn="ctr"/>
+            <a:r>
+              <a:rPr lang="en-US" sz="2000" b="1" dirty="0">
+                <a:latin typeface="Times New Roman" panose="02020603050405020304" pitchFamily="18" charset="0"/>
+                <a:cs typeface="Times New Roman" panose="02020603050405020304" pitchFamily="18" charset="0"/>
+              </a:rPr>
+              <a:t>Passenger </a:t>
+            </a:r>
+            <a:r>
+              <a:rPr lang="en-US" sz="2000" b="1" i="1" dirty="0" err="1">
+                <a:latin typeface="Times New Roman" panose="02020603050405020304" pitchFamily="18" charset="0"/>
+                <a:cs typeface="Times New Roman" panose="02020603050405020304" pitchFamily="18" charset="0"/>
+              </a:rPr>
+              <a:t>i</a:t>
+            </a:r>
+            <a:endParaRPr lang="en-US" sz="2000" b="1" i="1" dirty="0"/>
+          </a:p>
+        </p:txBody>
+      </p:sp>
+      <p:sp>
+        <p:nvSpPr>
+          <p:cNvPr id="15" name="Rectangle 14">
+            <a:extLst>
+              <a:ext uri="{FF2B5EF4-FFF2-40B4-BE49-F238E27FC236}">
+                <a16:creationId xmlns:a16="http://schemas.microsoft.com/office/drawing/2014/main" id="{25AE1F8E-89CE-FC68-2DC2-B6E3878B306F}"/>
+              </a:ext>
+            </a:extLst>
+          </p:cNvPr>
+          <p:cNvSpPr/>
+          <p:nvPr/>
+        </p:nvSpPr>
+        <p:spPr>
+          <a:xfrm>
+            <a:off x="6091215" y="3116386"/>
+            <a:ext cx="2470842" cy="383290"/>
+          </a:xfrm>
+          <a:prstGeom prst="rect">
+            <a:avLst/>
+          </a:prstGeom>
+          <a:solidFill>
+            <a:schemeClr val="bg2">
+              <a:lumMod val="50000"/>
+            </a:schemeClr>
+          </a:solidFill>
+          <a:ln>
+            <a:solidFill>
+              <a:schemeClr val="tx1">
+                <a:lumMod val="75000"/>
+                <a:lumOff val="25000"/>
+              </a:schemeClr>
+            </a:solidFill>
+            <a:prstDash val="dash"/>
+          </a:ln>
+        </p:spPr>
+        <p:style>
+          <a:lnRef idx="2">
+            <a:schemeClr val="accent1">
+              <a:shade val="15000"/>
+            </a:schemeClr>
+          </a:lnRef>
+          <a:fillRef idx="1">
+            <a:schemeClr val="accent1"/>
+          </a:fillRef>
+          <a:effectRef idx="0">
+            <a:schemeClr val="accent1"/>
+          </a:effectRef>
+          <a:fontRef idx="minor">
+            <a:schemeClr val="lt1"/>
+          </a:fontRef>
+        </p:style>
+        <p:txBody>
+          <a:bodyPr rtlCol="0" anchor="ctr"/>
+          <a:lstStyle/>
+          <a:p>
+            <a:pPr algn="ctr"/>
+            <a:r>
+              <a:rPr lang="en-US" sz="2000" i="1" dirty="0" err="1">
+                <a:latin typeface="Times New Roman" panose="02020603050405020304" pitchFamily="18" charset="0"/>
+                <a:cs typeface="Times New Roman" panose="02020603050405020304" pitchFamily="18" charset="0"/>
+              </a:rPr>
+              <a:t>UpdateScheduleDists</a:t>
+            </a:r>
+            <a:endParaRPr lang="en-US" sz="2000" i="1" dirty="0">
+              <a:latin typeface="Times New Roman" panose="02020603050405020304" pitchFamily="18" charset="0"/>
+              <a:cs typeface="Times New Roman" panose="02020603050405020304" pitchFamily="18" charset="0"/>
+            </a:endParaRPr>
+          </a:p>
+        </p:txBody>
+      </p:sp>
+      <p:sp>
+        <p:nvSpPr>
+          <p:cNvPr id="17" name="Rectangle 16">
+            <a:extLst>
+              <a:ext uri="{FF2B5EF4-FFF2-40B4-BE49-F238E27FC236}">
+                <a16:creationId xmlns:a16="http://schemas.microsoft.com/office/drawing/2014/main" id="{A0FB19D9-DAD2-C21C-EAF6-54F63F20CE26}"/>
+              </a:ext>
+            </a:extLst>
+          </p:cNvPr>
+          <p:cNvSpPr/>
+          <p:nvPr/>
+        </p:nvSpPr>
+        <p:spPr>
+          <a:xfrm>
+            <a:off x="9780463" y="2911826"/>
+            <a:ext cx="1563257" cy="778755"/>
+          </a:xfrm>
+          <a:prstGeom prst="rect">
+            <a:avLst/>
+          </a:prstGeom>
+          <a:solidFill>
+            <a:srgbClr val="CFCFCF"/>
+          </a:solidFill>
+          <a:ln>
+            <a:noFill/>
+          </a:ln>
+        </p:spPr>
+        <p:style>
+          <a:lnRef idx="2">
+            <a:schemeClr val="accent1">
+              <a:shade val="15000"/>
+            </a:schemeClr>
+          </a:lnRef>
+          <a:fillRef idx="1">
+            <a:schemeClr val="accent1"/>
+          </a:fillRef>
+          <a:effectRef idx="0">
+            <a:schemeClr val="accent1"/>
+          </a:effectRef>
+          <a:fontRef idx="minor">
+            <a:schemeClr val="lt1"/>
+          </a:fontRef>
+        </p:style>
+        <p:txBody>
+          <a:bodyPr rtlCol="0" anchor="ctr"/>
+          <a:lstStyle/>
+          <a:p>
+            <a:pPr algn="ctr"/>
+            <a:r>
+              <a:rPr lang="en-US" sz="2000" b="1" dirty="0">
+                <a:latin typeface="Times New Roman" panose="02020603050405020304" pitchFamily="18" charset="0"/>
+                <a:cs typeface="Times New Roman" panose="02020603050405020304" pitchFamily="18" charset="0"/>
+              </a:rPr>
+              <a:t>Neighboring Passengers</a:t>
+            </a:r>
+          </a:p>
+        </p:txBody>
+      </p:sp>
+      <p:cxnSp>
+        <p:nvCxnSpPr>
+          <p:cNvPr id="31" name="Straight Arrow Connector 30">
+            <a:extLst>
+              <a:ext uri="{FF2B5EF4-FFF2-40B4-BE49-F238E27FC236}">
+                <a16:creationId xmlns:a16="http://schemas.microsoft.com/office/drawing/2014/main" id="{D293D6F8-6FDB-34B4-D7B9-114B2BD3C0A4}"/>
+              </a:ext>
+            </a:extLst>
+          </p:cNvPr>
+          <p:cNvCxnSpPr>
+            <a:cxnSpLocks/>
+            <a:stCxn id="12" idx="2"/>
+          </p:cNvCxnSpPr>
+          <p:nvPr/>
+        </p:nvCxnSpPr>
+        <p:spPr>
+          <a:xfrm>
+            <a:off x="6788337" y="2873723"/>
+            <a:ext cx="0" cy="217671"/>
+          </a:xfrm>
+          <a:prstGeom prst="straightConnector1">
+            <a:avLst/>
+          </a:prstGeom>
+          <a:ln w="38100">
+            <a:solidFill>
+              <a:schemeClr val="bg2">
+                <a:lumMod val="50000"/>
+              </a:schemeClr>
+            </a:solidFill>
+            <a:tailEnd type="triangle"/>
+          </a:ln>
+        </p:spPr>
+        <p:style>
+          <a:lnRef idx="2">
+            <a:schemeClr val="accent1"/>
+          </a:lnRef>
+          <a:fillRef idx="0">
+            <a:schemeClr val="accent1"/>
+          </a:fillRef>
+          <a:effectRef idx="1">
+            <a:schemeClr val="accent1"/>
+          </a:effectRef>
+          <a:fontRef idx="minor">
+            <a:schemeClr val="tx1"/>
+          </a:fontRef>
+        </p:style>
+      </p:cxnSp>
+      <p:sp>
+        <p:nvSpPr>
+          <p:cNvPr id="43" name="Arrow: Left 42">
+            <a:extLst>
+              <a:ext uri="{FF2B5EF4-FFF2-40B4-BE49-F238E27FC236}">
+                <a16:creationId xmlns:a16="http://schemas.microsoft.com/office/drawing/2014/main" id="{654BCDE5-7EE5-C79D-67A1-59BDE747ED78}"/>
+              </a:ext>
+            </a:extLst>
+          </p:cNvPr>
+          <p:cNvSpPr/>
+          <p:nvPr/>
+        </p:nvSpPr>
+        <p:spPr>
+          <a:xfrm>
+            <a:off x="3868838" y="2922969"/>
+            <a:ext cx="853634" cy="777616"/>
+          </a:xfrm>
+          <a:prstGeom prst="leftArrow">
+            <a:avLst>
+              <a:gd name="adj1" fmla="val 62008"/>
+              <a:gd name="adj2" fmla="val 31238"/>
+            </a:avLst>
+          </a:prstGeom>
+          <a:solidFill>
+            <a:srgbClr val="92C6FF"/>
+          </a:solidFill>
+          <a:ln>
+            <a:noFill/>
+          </a:ln>
+        </p:spPr>
+        <p:style>
+          <a:lnRef idx="2">
+            <a:schemeClr val="accent1">
+              <a:shade val="15000"/>
+            </a:schemeClr>
+          </a:lnRef>
+          <a:fillRef idx="1">
+            <a:schemeClr val="accent1"/>
+          </a:fillRef>
+          <a:effectRef idx="0">
+            <a:schemeClr val="accent1"/>
+          </a:effectRef>
+          <a:fontRef idx="minor">
+            <a:schemeClr val="lt1"/>
+          </a:fontRef>
+        </p:style>
+        <p:txBody>
+          <a:bodyPr rtlCol="0" anchor="ctr"/>
+          <a:lstStyle/>
+          <a:p>
+            <a:pPr algn="ctr"/>
+            <a:r>
+              <a:rPr lang="en-US" sz="1700" dirty="0">
+                <a:latin typeface="Times New Roman" panose="02020603050405020304" pitchFamily="18" charset="0"/>
+                <a:cs typeface="Times New Roman" panose="02020603050405020304" pitchFamily="18" charset="0"/>
+              </a:rPr>
+              <a:t>Task Data</a:t>
+            </a:r>
+          </a:p>
+        </p:txBody>
+      </p:sp>
+      <p:cxnSp>
+        <p:nvCxnSpPr>
+          <p:cNvPr id="47" name="Straight Arrow Connector 46">
+            <a:extLst>
+              <a:ext uri="{FF2B5EF4-FFF2-40B4-BE49-F238E27FC236}">
+                <a16:creationId xmlns:a16="http://schemas.microsoft.com/office/drawing/2014/main" id="{2AB7289E-5B95-22FA-AA3C-480FEFC7137D}"/>
+              </a:ext>
+            </a:extLst>
+          </p:cNvPr>
+          <p:cNvCxnSpPr>
+            <a:cxnSpLocks/>
+            <a:stCxn id="53" idx="2"/>
+          </p:cNvCxnSpPr>
+          <p:nvPr/>
+        </p:nvCxnSpPr>
+        <p:spPr>
+          <a:xfrm>
+            <a:off x="8196937" y="2769639"/>
+            <a:ext cx="0" cy="321755"/>
+          </a:xfrm>
+          <a:prstGeom prst="straightConnector1">
+            <a:avLst/>
+          </a:prstGeom>
+          <a:ln w="38100">
+            <a:solidFill>
+              <a:schemeClr val="bg2">
+                <a:lumMod val="75000"/>
+              </a:schemeClr>
+            </a:solidFill>
+            <a:tailEnd type="triangle"/>
+          </a:ln>
+        </p:spPr>
+        <p:style>
+          <a:lnRef idx="2">
+            <a:schemeClr val="accent1"/>
+          </a:lnRef>
+          <a:fillRef idx="0">
+            <a:schemeClr val="accent1"/>
+          </a:fillRef>
+          <a:effectRef idx="1">
+            <a:schemeClr val="accent1"/>
+          </a:effectRef>
+          <a:fontRef idx="minor">
+            <a:schemeClr val="tx1"/>
+          </a:fontRef>
+        </p:style>
+      </p:cxnSp>
+      <p:grpSp>
+        <p:nvGrpSpPr>
+          <p:cNvPr id="65" name="Group 64">
+            <a:extLst>
+              <a:ext uri="{FF2B5EF4-FFF2-40B4-BE49-F238E27FC236}">
+                <a16:creationId xmlns:a16="http://schemas.microsoft.com/office/drawing/2014/main" id="{23A0D86E-3512-1E08-0DE9-AFF2E97A2DB7}"/>
+              </a:ext>
+            </a:extLst>
+          </p:cNvPr>
+          <p:cNvGrpSpPr/>
+          <p:nvPr/>
+        </p:nvGrpSpPr>
+        <p:grpSpPr>
+          <a:xfrm>
+            <a:off x="906051" y="1924837"/>
+            <a:ext cx="2891792" cy="1764605"/>
+            <a:chOff x="549818" y="2279835"/>
+            <a:chExt cx="2891792" cy="2701772"/>
+          </a:xfrm>
+        </p:grpSpPr>
+        <p:cxnSp>
+          <p:nvCxnSpPr>
+            <p:cNvPr id="29" name="Straight Arrow Connector 28">
+              <a:extLst>
+                <a:ext uri="{FF2B5EF4-FFF2-40B4-BE49-F238E27FC236}">
+                  <a16:creationId xmlns:a16="http://schemas.microsoft.com/office/drawing/2014/main" id="{B58F1B65-8A1F-9D58-A2AC-E09CB7CA4EE0}"/>
+                </a:ext>
+              </a:extLst>
+            </p:cNvPr>
+            <p:cNvCxnSpPr>
+              <a:cxnSpLocks/>
+            </p:cNvCxnSpPr>
+            <p:nvPr/>
+          </p:nvCxnSpPr>
+          <p:spPr>
+            <a:xfrm flipV="1">
+              <a:off x="2008190" y="2942122"/>
+              <a:ext cx="580297" cy="490097"/>
+            </a:xfrm>
+            <a:prstGeom prst="straightConnector1">
+              <a:avLst/>
+            </a:prstGeom>
+            <a:ln w="38100">
+              <a:solidFill>
+                <a:srgbClr val="8DE5A1"/>
+              </a:solidFill>
+              <a:tailEnd type="triangle"/>
+            </a:ln>
+          </p:spPr>
+          <p:style>
+            <a:lnRef idx="2">
+              <a:schemeClr val="accent2"/>
+            </a:lnRef>
+            <a:fillRef idx="0">
+              <a:schemeClr val="accent2"/>
+            </a:fillRef>
+            <a:effectRef idx="1">
+              <a:schemeClr val="accent2"/>
+            </a:effectRef>
+            <a:fontRef idx="minor">
+              <a:schemeClr val="tx1"/>
+            </a:fontRef>
+          </p:style>
+        </p:cxnSp>
+        <p:cxnSp>
+          <p:nvCxnSpPr>
+            <p:cNvPr id="35" name="Straight Arrow Connector 34">
+              <a:extLst>
+                <a:ext uri="{FF2B5EF4-FFF2-40B4-BE49-F238E27FC236}">
+                  <a16:creationId xmlns:a16="http://schemas.microsoft.com/office/drawing/2014/main" id="{762967A1-0268-A452-8BEF-752CE79E3E0F}"/>
+                </a:ext>
+              </a:extLst>
+            </p:cNvPr>
+            <p:cNvCxnSpPr>
+              <a:cxnSpLocks/>
+              <a:stCxn id="7" idx="0"/>
+            </p:cNvCxnSpPr>
+            <p:nvPr/>
+          </p:nvCxnSpPr>
+          <p:spPr>
+            <a:xfrm flipH="1" flipV="1">
+              <a:off x="1415417" y="2938903"/>
+              <a:ext cx="580297" cy="490098"/>
+            </a:xfrm>
+            <a:prstGeom prst="straightConnector1">
+              <a:avLst/>
+            </a:prstGeom>
+            <a:ln w="38100">
+              <a:solidFill>
+                <a:srgbClr val="FFB482"/>
+              </a:solidFill>
+              <a:tailEnd type="triangle"/>
+            </a:ln>
+          </p:spPr>
+          <p:style>
+            <a:lnRef idx="2">
+              <a:schemeClr val="accent2"/>
+            </a:lnRef>
+            <a:fillRef idx="0">
+              <a:schemeClr val="accent2"/>
+            </a:fillRef>
+            <a:effectRef idx="1">
+              <a:schemeClr val="accent2"/>
+            </a:effectRef>
+            <a:fontRef idx="minor">
+              <a:schemeClr val="tx1"/>
+            </a:fontRef>
+          </p:style>
+        </p:cxnSp>
+        <p:cxnSp>
+          <p:nvCxnSpPr>
+            <p:cNvPr id="40" name="Straight Arrow Connector 39">
+              <a:extLst>
+                <a:ext uri="{FF2B5EF4-FFF2-40B4-BE49-F238E27FC236}">
+                  <a16:creationId xmlns:a16="http://schemas.microsoft.com/office/drawing/2014/main" id="{494E2DEB-BDCC-42D7-65DE-4DD845E00515}"/>
+                </a:ext>
+              </a:extLst>
+            </p:cNvPr>
+            <p:cNvCxnSpPr>
+              <a:cxnSpLocks/>
+              <a:stCxn id="7" idx="0"/>
+              <a:endCxn id="6" idx="2"/>
+            </p:cNvCxnSpPr>
+            <p:nvPr/>
+          </p:nvCxnSpPr>
+          <p:spPr>
+            <a:xfrm flipH="1" flipV="1">
+              <a:off x="1993341" y="2967779"/>
+              <a:ext cx="2373" cy="461221"/>
+            </a:xfrm>
+            <a:prstGeom prst="straightConnector1">
+              <a:avLst/>
+            </a:prstGeom>
+            <a:ln w="38100">
+              <a:solidFill>
+                <a:srgbClr val="92C6FF"/>
+              </a:solidFill>
+              <a:tailEnd type="triangle"/>
+            </a:ln>
+          </p:spPr>
+          <p:style>
+            <a:lnRef idx="2">
+              <a:schemeClr val="accent1"/>
+            </a:lnRef>
+            <a:fillRef idx="0">
+              <a:schemeClr val="accent1"/>
+            </a:fillRef>
+            <a:effectRef idx="1">
+              <a:schemeClr val="accent1"/>
+            </a:effectRef>
+            <a:fontRef idx="minor">
+              <a:schemeClr val="tx1"/>
+            </a:fontRef>
+          </p:style>
+        </p:cxnSp>
+        <p:sp>
+          <p:nvSpPr>
+            <p:cNvPr id="7" name="Rectangle 6">
+              <a:extLst>
+                <a:ext uri="{FF2B5EF4-FFF2-40B4-BE49-F238E27FC236}">
+                  <a16:creationId xmlns:a16="http://schemas.microsoft.com/office/drawing/2014/main" id="{39D46DE2-0368-2388-827A-ABDB0CF67009}"/>
+                </a:ext>
+              </a:extLst>
+            </p:cNvPr>
+            <p:cNvSpPr/>
+            <p:nvPr/>
+          </p:nvSpPr>
+          <p:spPr>
+            <a:xfrm>
+              <a:off x="549818" y="3429000"/>
+              <a:ext cx="2891792" cy="1552607"/>
+            </a:xfrm>
+            <a:prstGeom prst="rect">
+              <a:avLst/>
+            </a:prstGeom>
+            <a:solidFill>
+              <a:srgbClr val="FF9F9A"/>
+            </a:solidFill>
+            <a:ln>
+              <a:noFill/>
+            </a:ln>
+          </p:spPr>
+          <p:style>
+            <a:lnRef idx="2">
+              <a:schemeClr val="accent1">
+                <a:shade val="15000"/>
+              </a:schemeClr>
+            </a:lnRef>
+            <a:fillRef idx="1">
+              <a:schemeClr val="accent1"/>
+            </a:fillRef>
+            <a:effectRef idx="0">
+              <a:schemeClr val="accent1"/>
+            </a:effectRef>
+            <a:fontRef idx="minor">
+              <a:schemeClr val="lt1"/>
+            </a:fontRef>
+          </p:style>
+          <p:txBody>
+            <a:bodyPr rtlCol="0" anchor="t"/>
+            <a:lstStyle/>
+            <a:p>
+              <a:pPr algn="ctr"/>
+              <a:r>
+                <a:rPr lang="en-US" sz="2000" b="1" dirty="0">
+                  <a:latin typeface="Times New Roman" panose="02020603050405020304" pitchFamily="18" charset="0"/>
+                  <a:cs typeface="Times New Roman" panose="02020603050405020304" pitchFamily="18" charset="0"/>
+                </a:rPr>
+                <a:t>Mothership</a:t>
+              </a:r>
+            </a:p>
+          </p:txBody>
+        </p:sp>
+        <p:sp>
+          <p:nvSpPr>
+            <p:cNvPr id="9" name="Rectangle 8">
+              <a:extLst>
+                <a:ext uri="{FF2B5EF4-FFF2-40B4-BE49-F238E27FC236}">
+                  <a16:creationId xmlns:a16="http://schemas.microsoft.com/office/drawing/2014/main" id="{1F8BBC08-12EE-D546-CD6C-FEAEE97E35DC}"/>
+                </a:ext>
+              </a:extLst>
+            </p:cNvPr>
+            <p:cNvSpPr/>
+            <p:nvPr/>
+          </p:nvSpPr>
+          <p:spPr>
+            <a:xfrm>
+              <a:off x="756693" y="4007842"/>
+              <a:ext cx="2469677" cy="836555"/>
+            </a:xfrm>
+            <a:prstGeom prst="rect">
+              <a:avLst/>
+            </a:prstGeom>
+            <a:solidFill>
+              <a:schemeClr val="bg2">
+                <a:lumMod val="50000"/>
+              </a:schemeClr>
+            </a:solidFill>
+            <a:ln>
+              <a:solidFill>
+                <a:schemeClr val="tx1">
+                  <a:lumMod val="75000"/>
+                  <a:lumOff val="25000"/>
+                </a:schemeClr>
+              </a:solidFill>
+              <a:prstDash val="dash"/>
+            </a:ln>
+          </p:spPr>
+          <p:style>
+            <a:lnRef idx="2">
+              <a:schemeClr val="accent1">
+                <a:shade val="15000"/>
+              </a:schemeClr>
+            </a:lnRef>
+            <a:fillRef idx="1">
+              <a:schemeClr val="accent1"/>
+            </a:fillRef>
+            <a:effectRef idx="0">
+              <a:schemeClr val="accent1"/>
+            </a:effectRef>
+            <a:fontRef idx="minor">
+              <a:schemeClr val="lt1"/>
+            </a:fontRef>
+          </p:style>
+          <p:txBody>
+            <a:bodyPr rtlCol="0" anchor="ctr"/>
+            <a:lstStyle/>
+            <a:p>
+              <a:pPr algn="ctr"/>
+              <a:r>
+                <a:rPr lang="en-US" sz="2000" dirty="0">
+                  <a:latin typeface="Times New Roman" panose="02020603050405020304" pitchFamily="18" charset="0"/>
+                  <a:cs typeface="Times New Roman" panose="02020603050405020304" pitchFamily="18" charset="0"/>
+                </a:rPr>
+                <a:t>STOP &amp; SOP Solver</a:t>
+              </a:r>
+            </a:p>
+            <a:p>
+              <a:pPr algn="ctr"/>
+              <a:r>
+                <a:rPr lang="en-US" sz="2000" i="1" dirty="0">
+                  <a:latin typeface="Times New Roman" panose="02020603050405020304" pitchFamily="18" charset="0"/>
+                  <a:cs typeface="Times New Roman" panose="02020603050405020304" pitchFamily="18" charset="0"/>
+                </a:rPr>
+                <a:t>(Sim-BRVNS)</a:t>
+              </a:r>
+              <a:endParaRPr lang="en-US" sz="2000" dirty="0">
+                <a:latin typeface="Times New Roman" panose="02020603050405020304" pitchFamily="18" charset="0"/>
+                <a:cs typeface="Times New Roman" panose="02020603050405020304" pitchFamily="18" charset="0"/>
+              </a:endParaRPr>
+            </a:p>
+          </p:txBody>
+        </p:sp>
+        <mc:AlternateContent xmlns:mc="http://schemas.openxmlformats.org/markup-compatibility/2006">
+          <mc:Choice xmlns:a14="http://schemas.microsoft.com/office/drawing/2010/main" Requires="a14">
+            <p:sp>
+              <p:nvSpPr>
+                <p:cNvPr id="5" name="Rectangle: Rounded Corners 4">
+                  <a:extLst>
+                    <a:ext uri="{FF2B5EF4-FFF2-40B4-BE49-F238E27FC236}">
+                      <a16:creationId xmlns:a16="http://schemas.microsoft.com/office/drawing/2014/main" id="{379355D3-D39A-BD9F-27EB-65247C8E302B}"/>
+                    </a:ext>
+                  </a:extLst>
+                </p:cNvPr>
+                <p:cNvSpPr/>
+                <p:nvPr/>
+              </p:nvSpPr>
+              <p:spPr>
+                <a:xfrm>
+                  <a:off x="2552959" y="2279835"/>
+                  <a:ext cx="791948" cy="687944"/>
+                </a:xfrm>
+                <a:prstGeom prst="roundRect">
+                  <a:avLst/>
+                </a:prstGeom>
+                <a:solidFill>
+                  <a:srgbClr val="8DE5A1"/>
+                </a:solidFill>
+                <a:ln>
+                  <a:noFill/>
+                </a:ln>
+              </p:spPr>
+              <p:style>
+                <a:lnRef idx="2">
+                  <a:schemeClr val="accent1">
+                    <a:shade val="15000"/>
+                  </a:schemeClr>
+                </a:lnRef>
+                <a:fillRef idx="1">
+                  <a:schemeClr val="accent1"/>
+                </a:fillRef>
+                <a:effectRef idx="0">
+                  <a:schemeClr val="accent1"/>
+                </a:effectRef>
+                <a:fontRef idx="minor">
+                  <a:schemeClr val="lt1"/>
+                </a:fontRef>
+              </p:style>
+              <p:txBody>
+                <a:bodyPr rtlCol="0" anchor="ctr"/>
+                <a:lstStyle/>
+                <a:p>
+                  <a:pPr algn="ctr"/>
+                  <a14:m>
+                    <m:oMathPara xmlns:m="http://schemas.openxmlformats.org/officeDocument/2006/math">
+                      <m:oMathParaPr>
+                        <m:jc m:val="centerGroup"/>
+                      </m:oMathParaPr>
+                      <m:oMath xmlns:m="http://schemas.openxmlformats.org/officeDocument/2006/math">
+                        <m:sSubSup>
+                          <m:sSubSupPr>
+                            <m:ctrlPr>
+                              <a:rPr lang="en-US" sz="2000" i="1" smtClean="0">
+                                <a:latin typeface="Cambria Math" panose="02040503050406030204" pitchFamily="18" charset="0"/>
+                              </a:rPr>
+                            </m:ctrlPr>
+                          </m:sSubSupPr>
+                          <m:e>
+                            <m:r>
+                              <a:rPr lang="en-US" sz="2000" b="0" i="1" smtClean="0">
+                                <a:latin typeface="Cambria Math" panose="02040503050406030204" pitchFamily="18" charset="0"/>
+                              </a:rPr>
+                              <m:t>𝑡</m:t>
+                            </m:r>
+                          </m:e>
+                          <m:sub>
+                            <m:r>
+                              <a:rPr lang="en-US" sz="2000" b="0" i="1" smtClean="0">
+                                <a:latin typeface="Cambria Math" panose="02040503050406030204" pitchFamily="18" charset="0"/>
+                              </a:rPr>
+                              <m:t>𝑖</m:t>
+                            </m:r>
+                            <m:r>
+                              <a:rPr lang="en-US" sz="2000" b="0" i="1" smtClean="0">
+                                <a:latin typeface="Cambria Math" panose="02040503050406030204" pitchFamily="18" charset="0"/>
+                              </a:rPr>
+                              <m:t>+</m:t>
+                            </m:r>
+                            <m:r>
+                              <a:rPr lang="en-US" sz="2000" b="0" i="1" smtClean="0">
+                                <a:latin typeface="Cambria Math" panose="02040503050406030204" pitchFamily="18" charset="0"/>
+                              </a:rPr>
+                              <m:t>1</m:t>
+                            </m:r>
+                          </m:sub>
+                          <m:sup>
+                            <m:r>
+                              <a:rPr lang="en-US" sz="2000" b="0" i="1" smtClean="0">
+                                <a:latin typeface="Cambria Math" panose="02040503050406030204" pitchFamily="18" charset="0"/>
+                              </a:rPr>
+                              <m:t>𝑚</m:t>
+                            </m:r>
+                          </m:sup>
+                        </m:sSubSup>
+                      </m:oMath>
+                    </m:oMathPara>
+                  </a14:m>
+                  <a:endParaRPr lang="en-US" sz="2000" dirty="0"/>
+                </a:p>
+              </p:txBody>
+            </p:sp>
+          </mc:Choice>
+          <mc:Fallback>
+            <p:sp>
+              <p:nvSpPr>
+                <p:cNvPr id="5" name="Rectangle: Rounded Corners 4">
+                  <a:extLst>
+                    <a:ext uri="{FF2B5EF4-FFF2-40B4-BE49-F238E27FC236}">
+                      <a16:creationId xmlns:a16="http://schemas.microsoft.com/office/drawing/2014/main" id="{379355D3-D39A-BD9F-27EB-65247C8E302B}"/>
+                    </a:ext>
+                  </a:extLst>
+                </p:cNvPr>
+                <p:cNvSpPr>
+                  <a:spLocks noRot="1" noChangeAspect="1" noMove="1" noResize="1" noEditPoints="1" noAdjustHandles="1" noChangeArrowheads="1" noChangeShapeType="1" noTextEdit="1"/>
+                </p:cNvSpPr>
+                <p:nvPr/>
+              </p:nvSpPr>
+              <p:spPr>
+                <a:xfrm>
+                  <a:off x="2552959" y="2279835"/>
+                  <a:ext cx="791948" cy="687944"/>
+                </a:xfrm>
+                <a:prstGeom prst="roundRect">
+                  <a:avLst/>
+                </a:prstGeom>
+                <a:blipFill>
+                  <a:blip r:embed="rId2"/>
+                  <a:stretch>
+                    <a:fillRect/>
+                  </a:stretch>
+                </a:blipFill>
+                <a:ln>
+                  <a:noFill/>
+                </a:ln>
+              </p:spPr>
+              <p:txBody>
+                <a:bodyPr/>
+                <a:lstStyle/>
+                <a:p>
+                  <a:r>
+                    <a:rPr lang="en-US">
+                      <a:noFill/>
+                    </a:rPr>
+                    <a:t> </a:t>
+                  </a:r>
+                </a:p>
+              </p:txBody>
+            </p:sp>
+          </mc:Fallback>
+        </mc:AlternateContent>
+        <mc:AlternateContent xmlns:mc="http://schemas.openxmlformats.org/markup-compatibility/2006">
+          <mc:Choice xmlns:a14="http://schemas.microsoft.com/office/drawing/2010/main" Requires="a14">
+            <p:sp>
+              <p:nvSpPr>
+                <p:cNvPr id="6" name="Rectangle: Rounded Corners 5">
+                  <a:extLst>
+                    <a:ext uri="{FF2B5EF4-FFF2-40B4-BE49-F238E27FC236}">
+                      <a16:creationId xmlns:a16="http://schemas.microsoft.com/office/drawing/2014/main" id="{5E4568FD-7C5F-98E0-3C9E-B629CF77EA15}"/>
+                    </a:ext>
+                  </a:extLst>
+                </p:cNvPr>
+                <p:cNvSpPr/>
+                <p:nvPr/>
+              </p:nvSpPr>
+              <p:spPr>
+                <a:xfrm>
+                  <a:off x="1597367" y="2279835"/>
+                  <a:ext cx="791948" cy="687944"/>
+                </a:xfrm>
+                <a:prstGeom prst="roundRect">
+                  <a:avLst/>
+                </a:prstGeom>
+                <a:solidFill>
+                  <a:srgbClr val="92C6FF"/>
+                </a:solidFill>
+                <a:ln>
+                  <a:noFill/>
+                </a:ln>
+              </p:spPr>
+              <p:style>
+                <a:lnRef idx="2">
+                  <a:schemeClr val="accent1">
+                    <a:shade val="15000"/>
+                  </a:schemeClr>
+                </a:lnRef>
+                <a:fillRef idx="1">
+                  <a:schemeClr val="accent1"/>
+                </a:fillRef>
+                <a:effectRef idx="0">
+                  <a:schemeClr val="accent1"/>
+                </a:effectRef>
+                <a:fontRef idx="minor">
+                  <a:schemeClr val="lt1"/>
+                </a:fontRef>
+              </p:style>
+              <p:txBody>
+                <a:bodyPr rtlCol="0" anchor="ctr"/>
+                <a:lstStyle/>
+                <a:p>
+                  <a:pPr algn="ctr"/>
+                  <a14:m>
+                    <m:oMathPara xmlns:m="http://schemas.openxmlformats.org/officeDocument/2006/math">
+                      <m:oMathParaPr>
+                        <m:jc m:val="centerGroup"/>
+                      </m:oMathParaPr>
+                      <m:oMath xmlns:m="http://schemas.openxmlformats.org/officeDocument/2006/math">
+                        <m:sSubSup>
+                          <m:sSubSupPr>
+                            <m:ctrlPr>
+                              <a:rPr lang="en-US" sz="2000" i="1" smtClean="0">
+                                <a:latin typeface="Cambria Math" panose="02040503050406030204" pitchFamily="18" charset="0"/>
+                              </a:rPr>
+                            </m:ctrlPr>
+                          </m:sSubSupPr>
+                          <m:e>
+                            <m:r>
+                              <a:rPr lang="en-US" sz="2000" b="0" i="1" smtClean="0">
+                                <a:latin typeface="Cambria Math" panose="02040503050406030204" pitchFamily="18" charset="0"/>
+                              </a:rPr>
+                              <m:t>𝑡</m:t>
+                            </m:r>
+                          </m:e>
+                          <m:sub>
+                            <m:r>
+                              <a:rPr lang="en-US" sz="2000" b="0" i="1" smtClean="0">
+                                <a:latin typeface="Cambria Math" panose="02040503050406030204" pitchFamily="18" charset="0"/>
+                              </a:rPr>
+                              <m:t>𝑖</m:t>
+                            </m:r>
+                          </m:sub>
+                          <m:sup>
+                            <m:r>
+                              <a:rPr lang="en-US" sz="2000" b="0" i="1" smtClean="0">
+                                <a:latin typeface="Cambria Math" panose="02040503050406030204" pitchFamily="18" charset="0"/>
+                              </a:rPr>
+                              <m:t>𝑚</m:t>
+                            </m:r>
+                          </m:sup>
+                        </m:sSubSup>
+                      </m:oMath>
+                    </m:oMathPara>
+                  </a14:m>
+                  <a:endParaRPr lang="en-US" sz="2000" dirty="0"/>
+                </a:p>
+              </p:txBody>
+            </p:sp>
+          </mc:Choice>
+          <mc:Fallback>
+            <p:sp>
+              <p:nvSpPr>
+                <p:cNvPr id="6" name="Rectangle: Rounded Corners 5">
+                  <a:extLst>
+                    <a:ext uri="{FF2B5EF4-FFF2-40B4-BE49-F238E27FC236}">
+                      <a16:creationId xmlns:a16="http://schemas.microsoft.com/office/drawing/2014/main" id="{5E4568FD-7C5F-98E0-3C9E-B629CF77EA15}"/>
+                    </a:ext>
+                  </a:extLst>
+                </p:cNvPr>
+                <p:cNvSpPr>
+                  <a:spLocks noRot="1" noChangeAspect="1" noMove="1" noResize="1" noEditPoints="1" noAdjustHandles="1" noChangeArrowheads="1" noChangeShapeType="1" noTextEdit="1"/>
+                </p:cNvSpPr>
+                <p:nvPr/>
+              </p:nvSpPr>
+              <p:spPr>
+                <a:xfrm>
+                  <a:off x="1597367" y="2279835"/>
+                  <a:ext cx="791948" cy="687944"/>
+                </a:xfrm>
+                <a:prstGeom prst="roundRect">
+                  <a:avLst/>
+                </a:prstGeom>
+                <a:blipFill>
+                  <a:blip r:embed="rId3"/>
+                  <a:stretch>
+                    <a:fillRect/>
+                  </a:stretch>
+                </a:blipFill>
+                <a:ln>
+                  <a:noFill/>
+                </a:ln>
+              </p:spPr>
+              <p:txBody>
+                <a:bodyPr/>
+                <a:lstStyle/>
+                <a:p>
+                  <a:r>
+                    <a:rPr lang="en-US">
+                      <a:noFill/>
+                    </a:rPr>
+                    <a:t> </a:t>
+                  </a:r>
+                </a:p>
+              </p:txBody>
+            </p:sp>
+          </mc:Fallback>
+        </mc:AlternateContent>
+        <mc:AlternateContent xmlns:mc="http://schemas.openxmlformats.org/markup-compatibility/2006">
+          <mc:Choice xmlns:a14="http://schemas.microsoft.com/office/drawing/2010/main" Requires="a14">
+            <p:sp>
+              <p:nvSpPr>
+                <p:cNvPr id="10" name="Rectangle: Rounded Corners 9">
+                  <a:extLst>
+                    <a:ext uri="{FF2B5EF4-FFF2-40B4-BE49-F238E27FC236}">
+                      <a16:creationId xmlns:a16="http://schemas.microsoft.com/office/drawing/2014/main" id="{4DC7A4C5-95C1-0CB8-0AE4-56F45D437D39}"/>
+                    </a:ext>
+                  </a:extLst>
+                </p:cNvPr>
+                <p:cNvSpPr/>
+                <p:nvPr/>
+              </p:nvSpPr>
+              <p:spPr>
+                <a:xfrm>
+                  <a:off x="647776" y="2279835"/>
+                  <a:ext cx="791948" cy="687944"/>
+                </a:xfrm>
+                <a:prstGeom prst="roundRect">
+                  <a:avLst/>
+                </a:prstGeom>
+                <a:solidFill>
+                  <a:srgbClr val="FFB482"/>
+                </a:solidFill>
+                <a:ln>
+                  <a:noFill/>
+                </a:ln>
+              </p:spPr>
+              <p:style>
+                <a:lnRef idx="2">
+                  <a:schemeClr val="accent1">
+                    <a:shade val="15000"/>
+                  </a:schemeClr>
+                </a:lnRef>
+                <a:fillRef idx="1">
+                  <a:schemeClr val="accent1"/>
+                </a:fillRef>
+                <a:effectRef idx="0">
+                  <a:schemeClr val="accent1"/>
+                </a:effectRef>
+                <a:fontRef idx="minor">
+                  <a:schemeClr val="lt1"/>
+                </a:fontRef>
+              </p:style>
+              <p:txBody>
+                <a:bodyPr rtlCol="0" anchor="ctr"/>
+                <a:lstStyle/>
+                <a:p>
+                  <a:pPr algn="ctr"/>
+                  <a14:m>
+                    <m:oMathPara xmlns:m="http://schemas.openxmlformats.org/officeDocument/2006/math">
+                      <m:oMathParaPr>
+                        <m:jc m:val="centerGroup"/>
+                      </m:oMathParaPr>
+                      <m:oMath xmlns:m="http://schemas.openxmlformats.org/officeDocument/2006/math">
+                        <m:sSubSup>
+                          <m:sSubSupPr>
+                            <m:ctrlPr>
+                              <a:rPr lang="en-US" sz="2000" i="1" smtClean="0">
+                                <a:latin typeface="Cambria Math" panose="02040503050406030204" pitchFamily="18" charset="0"/>
+                              </a:rPr>
+                            </m:ctrlPr>
+                          </m:sSubSupPr>
+                          <m:e>
+                            <m:r>
+                              <a:rPr lang="en-US" sz="2000" b="0" i="1" smtClean="0">
+                                <a:latin typeface="Cambria Math" panose="02040503050406030204" pitchFamily="18" charset="0"/>
+                              </a:rPr>
+                              <m:t>𝑡</m:t>
+                            </m:r>
+                          </m:e>
+                          <m:sub>
+                            <m:r>
+                              <a:rPr lang="en-US" sz="2000" b="0" i="1" smtClean="0">
+                                <a:latin typeface="Cambria Math" panose="02040503050406030204" pitchFamily="18" charset="0"/>
+                              </a:rPr>
+                              <m:t>𝑖</m:t>
+                            </m:r>
+                            <m:r>
+                              <a:rPr lang="en-US" sz="2000" b="0" i="1" smtClean="0">
+                                <a:latin typeface="Cambria Math" panose="02040503050406030204" pitchFamily="18" charset="0"/>
+                              </a:rPr>
+                              <m:t>−1</m:t>
+                            </m:r>
+                          </m:sub>
+                          <m:sup>
+                            <m:r>
+                              <a:rPr lang="en-US" sz="2000" b="0" i="1" smtClean="0">
+                                <a:latin typeface="Cambria Math" panose="02040503050406030204" pitchFamily="18" charset="0"/>
+                              </a:rPr>
+                              <m:t>𝑚</m:t>
+                            </m:r>
+                          </m:sup>
+                        </m:sSubSup>
+                      </m:oMath>
+                    </m:oMathPara>
+                  </a14:m>
+                  <a:endParaRPr lang="en-US" sz="2000" dirty="0"/>
+                </a:p>
+              </p:txBody>
+            </p:sp>
+          </mc:Choice>
+          <mc:Fallback>
+            <p:sp>
+              <p:nvSpPr>
+                <p:cNvPr id="10" name="Rectangle: Rounded Corners 9">
+                  <a:extLst>
+                    <a:ext uri="{FF2B5EF4-FFF2-40B4-BE49-F238E27FC236}">
+                      <a16:creationId xmlns:a16="http://schemas.microsoft.com/office/drawing/2014/main" id="{4DC7A4C5-95C1-0CB8-0AE4-56F45D437D39}"/>
+                    </a:ext>
+                  </a:extLst>
+                </p:cNvPr>
+                <p:cNvSpPr>
+                  <a:spLocks noRot="1" noChangeAspect="1" noMove="1" noResize="1" noEditPoints="1" noAdjustHandles="1" noChangeArrowheads="1" noChangeShapeType="1" noTextEdit="1"/>
+                </p:cNvSpPr>
+                <p:nvPr/>
+              </p:nvSpPr>
+              <p:spPr>
+                <a:xfrm>
+                  <a:off x="647776" y="2279835"/>
+                  <a:ext cx="791948" cy="687944"/>
+                </a:xfrm>
+                <a:prstGeom prst="roundRect">
+                  <a:avLst/>
+                </a:prstGeom>
+                <a:blipFill>
+                  <a:blip r:embed="rId4"/>
+                  <a:stretch>
+                    <a:fillRect/>
+                  </a:stretch>
+                </a:blipFill>
+                <a:ln>
+                  <a:noFill/>
+                </a:ln>
+              </p:spPr>
+              <p:txBody>
+                <a:bodyPr/>
+                <a:lstStyle/>
+                <a:p>
+                  <a:r>
+                    <a:rPr lang="en-US">
+                      <a:noFill/>
+                    </a:rPr>
+                    <a:t> </a:t>
+                  </a:r>
+                </a:p>
+              </p:txBody>
+            </p:sp>
+          </mc:Fallback>
+        </mc:AlternateContent>
+      </p:grpSp>
+      <mc:AlternateContent xmlns:mc="http://schemas.openxmlformats.org/markup-compatibility/2006">
+        <mc:Choice xmlns:a14="http://schemas.microsoft.com/office/drawing/2010/main" Requires="a14">
+          <p:sp>
+            <p:nvSpPr>
+              <p:cNvPr id="52" name="Rectangle: Rounded Corners 51">
+                <a:extLst>
+                  <a:ext uri="{FF2B5EF4-FFF2-40B4-BE49-F238E27FC236}">
+                    <a16:creationId xmlns:a16="http://schemas.microsoft.com/office/drawing/2014/main" id="{1592748B-B512-2B3E-B4AC-ADA98FEC1A1A}"/>
+                  </a:ext>
+                </a:extLst>
+              </p:cNvPr>
+              <p:cNvSpPr/>
+              <p:nvPr/>
+            </p:nvSpPr>
+            <p:spPr>
+              <a:xfrm>
+                <a:off x="4998120" y="2327345"/>
+                <a:ext cx="791948" cy="449316"/>
+              </a:xfrm>
+              <a:prstGeom prst="roundRect">
+                <a:avLst/>
+              </a:prstGeom>
+              <a:solidFill>
+                <a:srgbClr val="92C6FF"/>
+              </a:solidFill>
+              <a:ln>
+                <a:noFill/>
+              </a:ln>
+            </p:spPr>
+            <p:style>
+              <a:lnRef idx="2">
+                <a:schemeClr val="accent1">
+                  <a:shade val="15000"/>
+                </a:schemeClr>
+              </a:lnRef>
+              <a:fillRef idx="1">
+                <a:schemeClr val="accent1"/>
+              </a:fillRef>
+              <a:effectRef idx="0">
+                <a:schemeClr val="accent1"/>
+              </a:effectRef>
+              <a:fontRef idx="minor">
+                <a:schemeClr val="lt1"/>
+              </a:fontRef>
+            </p:style>
+            <p:txBody>
+              <a:bodyPr rtlCol="0" anchor="ctr"/>
+              <a:lstStyle/>
+              <a:p>
+                <a:pPr algn="ctr"/>
+                <a14:m>
+                  <m:oMathPara xmlns:m="http://schemas.openxmlformats.org/officeDocument/2006/math">
+                    <m:oMathParaPr>
+                      <m:jc m:val="centerGroup"/>
+                    </m:oMathParaPr>
+                    <m:oMath xmlns:m="http://schemas.openxmlformats.org/officeDocument/2006/math">
+                      <m:sSubSup>
+                        <m:sSubSupPr>
+                          <m:ctrlPr>
+                            <a:rPr lang="en-US" sz="2000" i="1" smtClean="0">
+                              <a:latin typeface="Cambria Math" panose="02040503050406030204" pitchFamily="18" charset="0"/>
+                            </a:rPr>
+                          </m:ctrlPr>
+                        </m:sSubSupPr>
+                        <m:e>
+                          <m:r>
+                            <a:rPr lang="en-US" sz="2000" b="0" i="1" smtClean="0">
+                              <a:latin typeface="Cambria Math" panose="02040503050406030204" pitchFamily="18" charset="0"/>
+                            </a:rPr>
+                            <m:t>𝑡</m:t>
+                          </m:r>
+                        </m:e>
+                        <m:sub>
+                          <m:r>
+                            <a:rPr lang="en-US" sz="2000" b="0" i="1" smtClean="0">
+                              <a:latin typeface="Cambria Math" panose="02040503050406030204" pitchFamily="18" charset="0"/>
+                            </a:rPr>
+                            <m:t>𝑖</m:t>
+                          </m:r>
+                        </m:sub>
+                        <m:sup>
+                          <m:r>
+                            <a:rPr lang="en-US" sz="2000" b="0" i="1" smtClean="0">
+                              <a:latin typeface="Cambria Math" panose="02040503050406030204" pitchFamily="18" charset="0"/>
+                            </a:rPr>
+                            <m:t>𝑚</m:t>
+                          </m:r>
+                        </m:sup>
+                      </m:sSubSup>
+                    </m:oMath>
+                  </m:oMathPara>
+                </a14:m>
+                <a:endParaRPr lang="en-US" sz="2000" dirty="0"/>
+              </a:p>
+            </p:txBody>
+          </p:sp>
+        </mc:Choice>
+        <mc:Fallback>
+          <p:sp>
+            <p:nvSpPr>
+              <p:cNvPr id="52" name="Rectangle: Rounded Corners 51">
+                <a:extLst>
+                  <a:ext uri="{FF2B5EF4-FFF2-40B4-BE49-F238E27FC236}">
+                    <a16:creationId xmlns:a16="http://schemas.microsoft.com/office/drawing/2014/main" id="{1592748B-B512-2B3E-B4AC-ADA98FEC1A1A}"/>
+                  </a:ext>
+                </a:extLst>
+              </p:cNvPr>
+              <p:cNvSpPr>
+                <a:spLocks noRot="1" noChangeAspect="1" noMove="1" noResize="1" noEditPoints="1" noAdjustHandles="1" noChangeArrowheads="1" noChangeShapeType="1" noTextEdit="1"/>
+              </p:cNvSpPr>
+              <p:nvPr/>
+            </p:nvSpPr>
+            <p:spPr>
+              <a:xfrm>
+                <a:off x="4998120" y="2327345"/>
+                <a:ext cx="791948" cy="449316"/>
+              </a:xfrm>
+              <a:prstGeom prst="roundRect">
+                <a:avLst/>
+              </a:prstGeom>
+              <a:blipFill>
+                <a:blip r:embed="rId5"/>
+                <a:stretch>
+                  <a:fillRect/>
+                </a:stretch>
+              </a:blipFill>
+              <a:ln>
+                <a:noFill/>
+              </a:ln>
+            </p:spPr>
+            <p:txBody>
+              <a:bodyPr/>
+              <a:lstStyle/>
+              <a:p>
+                <a:r>
+                  <a:rPr lang="en-US">
+                    <a:noFill/>
+                  </a:rPr>
+                  <a:t> </a:t>
+                </a:r>
+              </a:p>
+            </p:txBody>
+          </p:sp>
+        </mc:Fallback>
+      </mc:AlternateContent>
+      <mc:AlternateContent xmlns:mc="http://schemas.openxmlformats.org/markup-compatibility/2006">
+        <mc:Choice xmlns:a14="http://schemas.microsoft.com/office/drawing/2010/main" Requires="a14">
+          <p:sp>
+            <p:nvSpPr>
+              <p:cNvPr id="53" name="Rectangle: Rounded Corners 52">
+                <a:extLst>
+                  <a:ext uri="{FF2B5EF4-FFF2-40B4-BE49-F238E27FC236}">
+                    <a16:creationId xmlns:a16="http://schemas.microsoft.com/office/drawing/2014/main" id="{D3AE3471-872E-144D-7D0A-8AD5D14E0C3D}"/>
+                  </a:ext>
+                </a:extLst>
+              </p:cNvPr>
+              <p:cNvSpPr/>
+              <p:nvPr/>
+            </p:nvSpPr>
+            <p:spPr>
+              <a:xfrm>
+                <a:off x="7800963" y="2320323"/>
+                <a:ext cx="791948" cy="449316"/>
+              </a:xfrm>
+              <a:prstGeom prst="roundRect">
+                <a:avLst/>
+              </a:prstGeom>
+              <a:solidFill>
+                <a:srgbClr val="CFCFCF"/>
+              </a:solidFill>
+              <a:ln>
+                <a:noFill/>
+              </a:ln>
+            </p:spPr>
+            <p:style>
+              <a:lnRef idx="2">
+                <a:schemeClr val="accent1">
+                  <a:shade val="15000"/>
+                </a:schemeClr>
+              </a:lnRef>
+              <a:fillRef idx="1">
+                <a:schemeClr val="accent1"/>
+              </a:fillRef>
+              <a:effectRef idx="0">
+                <a:schemeClr val="accent1"/>
+              </a:effectRef>
+              <a:fontRef idx="minor">
+                <a:schemeClr val="lt1"/>
+              </a:fontRef>
+            </p:style>
+            <p:txBody>
+              <a:bodyPr rtlCol="0" anchor="ctr"/>
+              <a:lstStyle/>
+              <a:p>
+                <a:pPr algn="ctr"/>
+                <a14:m>
+                  <m:oMathPara xmlns:m="http://schemas.openxmlformats.org/officeDocument/2006/math">
+                    <m:oMathParaPr>
+                      <m:jc m:val="centerGroup"/>
+                    </m:oMathParaPr>
+                    <m:oMath xmlns:m="http://schemas.openxmlformats.org/officeDocument/2006/math">
+                      <m:sSub>
+                        <m:sSubPr>
+                          <m:ctrlPr>
+                            <a:rPr lang="en-US" sz="2000" i="1" smtClean="0">
+                              <a:latin typeface="Cambria Math" panose="02040503050406030204" pitchFamily="18" charset="0"/>
+                            </a:rPr>
+                          </m:ctrlPr>
+                        </m:sSubPr>
+                        <m:e>
+                          <m:r>
+                            <a:rPr lang="en-US" sz="2000" b="0" i="1" smtClean="0">
+                              <a:latin typeface="Cambria Math" panose="02040503050406030204" pitchFamily="18" charset="0"/>
+                            </a:rPr>
+                            <m:t>𝑇</m:t>
+                          </m:r>
+                        </m:e>
+                        <m:sub>
+                          <m:r>
+                            <a:rPr lang="en-US" sz="2000" b="0" i="1" smtClean="0">
+                              <a:latin typeface="Cambria Math" panose="02040503050406030204" pitchFamily="18" charset="0"/>
+                            </a:rPr>
+                            <m:t>𝑖</m:t>
+                          </m:r>
+                        </m:sub>
+                      </m:sSub>
+                    </m:oMath>
+                  </m:oMathPara>
+                </a14:m>
+                <a:endParaRPr lang="en-US" sz="2000" dirty="0"/>
+              </a:p>
+            </p:txBody>
+          </p:sp>
+        </mc:Choice>
+        <mc:Fallback>
+          <p:sp>
+            <p:nvSpPr>
+              <p:cNvPr id="53" name="Rectangle: Rounded Corners 52">
+                <a:extLst>
+                  <a:ext uri="{FF2B5EF4-FFF2-40B4-BE49-F238E27FC236}">
+                    <a16:creationId xmlns:a16="http://schemas.microsoft.com/office/drawing/2014/main" id="{D3AE3471-872E-144D-7D0A-8AD5D14E0C3D}"/>
+                  </a:ext>
+                </a:extLst>
+              </p:cNvPr>
+              <p:cNvSpPr>
+                <a:spLocks noRot="1" noChangeAspect="1" noMove="1" noResize="1" noEditPoints="1" noAdjustHandles="1" noChangeArrowheads="1" noChangeShapeType="1" noTextEdit="1"/>
+              </p:cNvSpPr>
+              <p:nvPr/>
+            </p:nvSpPr>
+            <p:spPr>
+              <a:xfrm>
+                <a:off x="7800963" y="2320323"/>
+                <a:ext cx="791948" cy="449316"/>
+              </a:xfrm>
+              <a:prstGeom prst="roundRect">
+                <a:avLst/>
+              </a:prstGeom>
+              <a:blipFill>
+                <a:blip r:embed="rId6"/>
+                <a:stretch>
+                  <a:fillRect/>
+                </a:stretch>
+              </a:blipFill>
+              <a:ln>
+                <a:noFill/>
+              </a:ln>
+            </p:spPr>
+            <p:txBody>
+              <a:bodyPr/>
+              <a:lstStyle/>
+              <a:p>
+                <a:r>
+                  <a:rPr lang="en-US">
+                    <a:noFill/>
+                  </a:rPr>
+                  <a:t> </a:t>
+                </a:r>
+              </a:p>
+            </p:txBody>
+          </p:sp>
+        </mc:Fallback>
+      </mc:AlternateContent>
+      <p:sp>
+        <p:nvSpPr>
+          <p:cNvPr id="12" name="Rectangle 11">
+            <a:extLst>
+              <a:ext uri="{FF2B5EF4-FFF2-40B4-BE49-F238E27FC236}">
+                <a16:creationId xmlns:a16="http://schemas.microsoft.com/office/drawing/2014/main" id="{ADFC7A55-D983-C64E-73E3-36213768E1D1}"/>
+              </a:ext>
+            </a:extLst>
+          </p:cNvPr>
+          <p:cNvSpPr/>
+          <p:nvPr/>
+        </p:nvSpPr>
+        <p:spPr>
+          <a:xfrm>
+            <a:off x="5923002" y="2327345"/>
+            <a:ext cx="1730670" cy="546378"/>
+          </a:xfrm>
+          <a:prstGeom prst="rect">
+            <a:avLst/>
+          </a:prstGeom>
+          <a:solidFill>
+            <a:schemeClr val="bg2">
+              <a:lumMod val="50000"/>
+            </a:schemeClr>
+          </a:solidFill>
+          <a:ln>
+            <a:solidFill>
+              <a:schemeClr val="tx1">
+                <a:lumMod val="75000"/>
+                <a:lumOff val="25000"/>
+              </a:schemeClr>
+            </a:solidFill>
+            <a:prstDash val="dash"/>
+          </a:ln>
+        </p:spPr>
+        <p:style>
+          <a:lnRef idx="2">
+            <a:schemeClr val="accent1">
+              <a:shade val="15000"/>
+            </a:schemeClr>
+          </a:lnRef>
+          <a:fillRef idx="1">
+            <a:schemeClr val="accent1"/>
+          </a:fillRef>
+          <a:effectRef idx="0">
+            <a:schemeClr val="accent1"/>
+          </a:effectRef>
+          <a:fontRef idx="minor">
+            <a:schemeClr val="lt1"/>
+          </a:fontRef>
+        </p:style>
+        <p:txBody>
+          <a:bodyPr rtlCol="0" anchor="ctr"/>
+          <a:lstStyle/>
+          <a:p>
+            <a:pPr algn="ctr"/>
+            <a:r>
+              <a:rPr lang="en-US" sz="2000" dirty="0">
+                <a:latin typeface="Times New Roman" panose="02020603050405020304" pitchFamily="18" charset="0"/>
+                <a:cs typeface="Times New Roman" panose="02020603050405020304" pitchFamily="18" charset="0"/>
+              </a:rPr>
+              <a:t>SOP Solver</a:t>
+            </a:r>
+          </a:p>
+          <a:p>
+            <a:pPr algn="ctr"/>
+            <a:r>
+              <a:rPr lang="en-US" sz="2000" i="1" dirty="0">
+                <a:latin typeface="Times New Roman" panose="02020603050405020304" pitchFamily="18" charset="0"/>
+                <a:cs typeface="Times New Roman" panose="02020603050405020304" pitchFamily="18" charset="0"/>
+              </a:rPr>
+              <a:t>(MCTS)</a:t>
+            </a:r>
+            <a:endParaRPr lang="en-US" sz="2000" dirty="0">
+              <a:latin typeface="Times New Roman" panose="02020603050405020304" pitchFamily="18" charset="0"/>
+              <a:cs typeface="Times New Roman" panose="02020603050405020304" pitchFamily="18" charset="0"/>
+            </a:endParaRPr>
+          </a:p>
+        </p:txBody>
+      </p:sp>
+      <mc:AlternateContent xmlns:mc="http://schemas.openxmlformats.org/markup-compatibility/2006">
+        <mc:Choice xmlns:a14="http://schemas.microsoft.com/office/drawing/2010/main" Requires="a14">
+          <p:sp>
+            <p:nvSpPr>
+              <p:cNvPr id="60" name="Rectangle: Rounded Corners 59">
+                <a:extLst>
+                  <a:ext uri="{FF2B5EF4-FFF2-40B4-BE49-F238E27FC236}">
+                    <a16:creationId xmlns:a16="http://schemas.microsoft.com/office/drawing/2014/main" id="{3FA1972B-31E8-208E-2D6B-A031AD699055}"/>
+                  </a:ext>
+                </a:extLst>
+              </p:cNvPr>
+              <p:cNvSpPr/>
+              <p:nvPr/>
+            </p:nvSpPr>
+            <p:spPr>
+              <a:xfrm>
+                <a:off x="6392363" y="3892104"/>
+                <a:ext cx="791948" cy="449316"/>
+              </a:xfrm>
+              <a:prstGeom prst="roundRect">
+                <a:avLst/>
+              </a:prstGeom>
+              <a:solidFill>
+                <a:srgbClr val="92C6FF"/>
+              </a:solidFill>
+              <a:ln>
+                <a:noFill/>
+              </a:ln>
+            </p:spPr>
+            <p:style>
+              <a:lnRef idx="2">
+                <a:schemeClr val="accent1">
+                  <a:shade val="15000"/>
+                </a:schemeClr>
+              </a:lnRef>
+              <a:fillRef idx="1">
+                <a:schemeClr val="accent1"/>
+              </a:fillRef>
+              <a:effectRef idx="0">
+                <a:schemeClr val="accent1"/>
+              </a:effectRef>
+              <a:fontRef idx="minor">
+                <a:schemeClr val="lt1"/>
+              </a:fontRef>
+            </p:style>
+            <p:txBody>
+              <a:bodyPr rtlCol="0" anchor="ctr"/>
+              <a:lstStyle/>
+              <a:p>
+                <a:pPr algn="ctr"/>
+                <a14:m>
+                  <m:oMathPara xmlns:m="http://schemas.openxmlformats.org/officeDocument/2006/math">
+                    <m:oMathParaPr>
+                      <m:jc m:val="center"/>
+                    </m:oMathParaPr>
+                    <m:oMath xmlns:m="http://schemas.openxmlformats.org/officeDocument/2006/math">
+                      <m:sSup>
+                        <m:sSupPr>
+                          <m:ctrlPr>
+                            <a:rPr lang="en-US" b="0" i="1" smtClean="0">
+                              <a:latin typeface="Cambria Math" panose="02040503050406030204" pitchFamily="18" charset="0"/>
+                            </a:rPr>
+                          </m:ctrlPr>
+                        </m:sSupPr>
+                        <m:e>
+                          <m:r>
+                            <a:rPr lang="en-US" b="0" i="1" smtClean="0">
+                              <a:latin typeface="Cambria Math" panose="02040503050406030204" pitchFamily="18" charset="0"/>
+                              <a:ea typeface="Cambria Math" panose="02040503050406030204" pitchFamily="18" charset="0"/>
+                            </a:rPr>
+                            <m:t>𝜃</m:t>
+                          </m:r>
+                        </m:e>
+                        <m:sup>
+                          <m:r>
+                            <a:rPr lang="en-US" b="0" i="1" smtClean="0">
+                              <a:latin typeface="Cambria Math" panose="02040503050406030204" pitchFamily="18" charset="0"/>
+                            </a:rPr>
+                            <m:t>𝑖</m:t>
+                          </m:r>
+                        </m:sup>
+                      </m:sSup>
+                    </m:oMath>
+                  </m:oMathPara>
+                </a14:m>
+                <a:endParaRPr lang="en-US" dirty="0"/>
+              </a:p>
+            </p:txBody>
+          </p:sp>
+        </mc:Choice>
+        <mc:Fallback>
+          <p:sp>
+            <p:nvSpPr>
+              <p:cNvPr id="60" name="Rectangle: Rounded Corners 59">
+                <a:extLst>
+                  <a:ext uri="{FF2B5EF4-FFF2-40B4-BE49-F238E27FC236}">
+                    <a16:creationId xmlns:a16="http://schemas.microsoft.com/office/drawing/2014/main" id="{3FA1972B-31E8-208E-2D6B-A031AD699055}"/>
+                  </a:ext>
+                </a:extLst>
+              </p:cNvPr>
+              <p:cNvSpPr>
+                <a:spLocks noRot="1" noChangeAspect="1" noMove="1" noResize="1" noEditPoints="1" noAdjustHandles="1" noChangeArrowheads="1" noChangeShapeType="1" noTextEdit="1"/>
+              </p:cNvSpPr>
+              <p:nvPr/>
+            </p:nvSpPr>
+            <p:spPr>
+              <a:xfrm>
+                <a:off x="6392363" y="3892104"/>
+                <a:ext cx="791948" cy="449316"/>
+              </a:xfrm>
+              <a:prstGeom prst="roundRect">
+                <a:avLst/>
+              </a:prstGeom>
+              <a:blipFill>
+                <a:blip r:embed="rId7"/>
+                <a:stretch>
+                  <a:fillRect/>
+                </a:stretch>
+              </a:blipFill>
+              <a:ln>
+                <a:noFill/>
+              </a:ln>
+            </p:spPr>
+            <p:txBody>
+              <a:bodyPr/>
+              <a:lstStyle/>
+              <a:p>
+                <a:r>
+                  <a:rPr lang="en-US">
+                    <a:noFill/>
+                  </a:rPr>
+                  <a:t> </a:t>
+                </a:r>
+              </a:p>
+            </p:txBody>
+          </p:sp>
+        </mc:Fallback>
+      </mc:AlternateContent>
+      <p:cxnSp>
+        <p:nvCxnSpPr>
+          <p:cNvPr id="62" name="Straight Arrow Connector 61">
+            <a:extLst>
+              <a:ext uri="{FF2B5EF4-FFF2-40B4-BE49-F238E27FC236}">
+                <a16:creationId xmlns:a16="http://schemas.microsoft.com/office/drawing/2014/main" id="{D78D56D6-F47D-8BF3-F3B5-2AEC5BE1AB81}"/>
+              </a:ext>
+            </a:extLst>
+          </p:cNvPr>
+          <p:cNvCxnSpPr>
+            <a:cxnSpLocks/>
+            <a:endCxn id="60" idx="0"/>
+          </p:cNvCxnSpPr>
+          <p:nvPr/>
+        </p:nvCxnSpPr>
+        <p:spPr>
+          <a:xfrm>
+            <a:off x="6788337" y="3512784"/>
+            <a:ext cx="0" cy="379320"/>
+          </a:xfrm>
+          <a:prstGeom prst="straightConnector1">
+            <a:avLst/>
+          </a:prstGeom>
+          <a:ln w="38100">
+            <a:solidFill>
+              <a:schemeClr val="bg2">
+                <a:lumMod val="50000"/>
+              </a:schemeClr>
+            </a:solidFill>
+            <a:tailEnd type="triangle"/>
+          </a:ln>
+        </p:spPr>
+        <p:style>
+          <a:lnRef idx="2">
+            <a:schemeClr val="accent1"/>
+          </a:lnRef>
+          <a:fillRef idx="0">
+            <a:schemeClr val="accent1"/>
+          </a:fillRef>
+          <a:effectRef idx="1">
+            <a:schemeClr val="accent1"/>
+          </a:effectRef>
+          <a:fontRef idx="minor">
+            <a:schemeClr val="tx1"/>
+          </a:fontRef>
+        </p:style>
+      </p:cxnSp>
+      <p:sp>
+        <p:nvSpPr>
+          <p:cNvPr id="75" name="Arrow: U-Turn 74">
+            <a:extLst>
+              <a:ext uri="{FF2B5EF4-FFF2-40B4-BE49-F238E27FC236}">
+                <a16:creationId xmlns:a16="http://schemas.microsoft.com/office/drawing/2014/main" id="{6EE3637F-F2FE-0C19-F171-353CFE88A2FB}"/>
+              </a:ext>
+            </a:extLst>
+          </p:cNvPr>
+          <p:cNvSpPr/>
+          <p:nvPr/>
+        </p:nvSpPr>
+        <p:spPr>
+          <a:xfrm>
+            <a:off x="2308816" y="1536618"/>
+            <a:ext cx="3154989" cy="336077"/>
+          </a:xfrm>
+          <a:prstGeom prst="uturnArrow">
+            <a:avLst>
+              <a:gd name="adj1" fmla="val 25000"/>
+              <a:gd name="adj2" fmla="val 25000"/>
+              <a:gd name="adj3" fmla="val 25000"/>
+              <a:gd name="adj4" fmla="val 70597"/>
+              <a:gd name="adj5" fmla="val 100000"/>
+            </a:avLst>
+          </a:prstGeom>
+          <a:solidFill>
+            <a:srgbClr val="CFCFCF"/>
+          </a:solidFill>
+          <a:ln>
+            <a:noFill/>
+          </a:ln>
+        </p:spPr>
+        <p:style>
+          <a:lnRef idx="2">
+            <a:schemeClr val="accent1">
+              <a:shade val="15000"/>
+            </a:schemeClr>
+          </a:lnRef>
+          <a:fillRef idx="1">
+            <a:schemeClr val="accent1"/>
+          </a:fillRef>
+          <a:effectRef idx="0">
+            <a:schemeClr val="accent1"/>
+          </a:effectRef>
+          <a:fontRef idx="minor">
+            <a:schemeClr val="lt1"/>
+          </a:fontRef>
+        </p:style>
+        <p:txBody>
+          <a:bodyPr rtlCol="0" anchor="ctr"/>
+          <a:lstStyle/>
+          <a:p>
+            <a:pPr algn="ctr"/>
+            <a:endParaRPr lang="en-US">
+              <a:solidFill>
+                <a:schemeClr val="tx1"/>
+              </a:solidFill>
+            </a:endParaRPr>
+          </a:p>
+        </p:txBody>
+      </p:sp>
+      <p:cxnSp>
+        <p:nvCxnSpPr>
+          <p:cNvPr id="89" name="Connector: Elbow 88">
+            <a:extLst>
+              <a:ext uri="{FF2B5EF4-FFF2-40B4-BE49-F238E27FC236}">
+                <a16:creationId xmlns:a16="http://schemas.microsoft.com/office/drawing/2014/main" id="{F7812F48-FD88-5F75-6C53-F027175AA69B}"/>
+              </a:ext>
+            </a:extLst>
+          </p:cNvPr>
+          <p:cNvCxnSpPr>
+            <a:cxnSpLocks/>
+            <a:stCxn id="52" idx="2"/>
+            <a:endCxn id="60" idx="0"/>
+          </p:cNvCxnSpPr>
+          <p:nvPr/>
+        </p:nvCxnSpPr>
+        <p:spPr>
+          <a:xfrm rot="16200000" flipH="1">
+            <a:off x="5533494" y="2637260"/>
+            <a:ext cx="1115443" cy="1394243"/>
+          </a:xfrm>
+          <a:prstGeom prst="bentConnector3">
+            <a:avLst>
+              <a:gd name="adj1" fmla="val 72771"/>
+            </a:avLst>
+          </a:prstGeom>
+          <a:ln w="38100">
+            <a:solidFill>
+              <a:schemeClr val="bg2">
+                <a:lumMod val="50000"/>
+              </a:schemeClr>
+            </a:solidFill>
+            <a:tailEnd type="triangle"/>
+          </a:ln>
+        </p:spPr>
+        <p:style>
+          <a:lnRef idx="2">
+            <a:schemeClr val="accent1"/>
+          </a:lnRef>
+          <a:fillRef idx="0">
+            <a:schemeClr val="accent1"/>
+          </a:fillRef>
+          <a:effectRef idx="1">
+            <a:schemeClr val="accent1"/>
+          </a:effectRef>
+          <a:fontRef idx="minor">
+            <a:schemeClr val="tx1"/>
+          </a:fontRef>
+        </p:style>
+      </p:cxnSp>
+      <p:sp>
+        <p:nvSpPr>
+          <p:cNvPr id="22" name="Arrow: Left 21">
+            <a:extLst>
+              <a:ext uri="{FF2B5EF4-FFF2-40B4-BE49-F238E27FC236}">
+                <a16:creationId xmlns:a16="http://schemas.microsoft.com/office/drawing/2014/main" id="{BAB9B424-E51F-0417-9C31-135813B5F730}"/>
+              </a:ext>
+            </a:extLst>
+          </p:cNvPr>
+          <p:cNvSpPr/>
+          <p:nvPr/>
+        </p:nvSpPr>
+        <p:spPr>
+          <a:xfrm flipH="1">
+            <a:off x="8850044" y="2958739"/>
+            <a:ext cx="853634" cy="777616"/>
+          </a:xfrm>
+          <a:prstGeom prst="leftArrow">
+            <a:avLst>
+              <a:gd name="adj1" fmla="val 62008"/>
+              <a:gd name="adj2" fmla="val 31238"/>
+            </a:avLst>
+          </a:prstGeom>
+          <a:solidFill>
+            <a:srgbClr val="92C6FF"/>
+          </a:solidFill>
+          <a:ln>
+            <a:noFill/>
+          </a:ln>
+        </p:spPr>
+        <p:style>
+          <a:lnRef idx="2">
+            <a:schemeClr val="accent1">
+              <a:shade val="15000"/>
+            </a:schemeClr>
+          </a:lnRef>
+          <a:fillRef idx="1">
+            <a:schemeClr val="accent1"/>
+          </a:fillRef>
+          <a:effectRef idx="0">
+            <a:schemeClr val="accent1"/>
+          </a:effectRef>
+          <a:fontRef idx="minor">
+            <a:schemeClr val="lt1"/>
+          </a:fontRef>
+        </p:style>
+        <p:txBody>
+          <a:bodyPr rtlCol="0" anchor="ctr"/>
+          <a:lstStyle/>
+          <a:p>
+            <a:pPr algn="ctr"/>
+            <a:r>
+              <a:rPr lang="en-US" sz="1700" dirty="0">
+                <a:latin typeface="Times New Roman" panose="02020603050405020304" pitchFamily="18" charset="0"/>
+                <a:cs typeface="Times New Roman" panose="02020603050405020304" pitchFamily="18" charset="0"/>
+              </a:rPr>
+              <a:t>Task Data</a:t>
+            </a:r>
+          </a:p>
+        </p:txBody>
+      </p:sp>
+      <p:sp>
+        <p:nvSpPr>
+          <p:cNvPr id="54" name="Freeform: Shape 53">
+            <a:extLst>
+              <a:ext uri="{FF2B5EF4-FFF2-40B4-BE49-F238E27FC236}">
+                <a16:creationId xmlns:a16="http://schemas.microsoft.com/office/drawing/2014/main" id="{B1C8BEC9-92D9-841B-3B95-F3A55DE1B911}"/>
+              </a:ext>
+            </a:extLst>
+          </p:cNvPr>
+          <p:cNvSpPr/>
+          <p:nvPr/>
+        </p:nvSpPr>
+        <p:spPr>
+          <a:xfrm flipH="1" flipV="1">
+            <a:off x="2220346" y="3812857"/>
+            <a:ext cx="4079870" cy="336077"/>
+          </a:xfrm>
+          <a:custGeom>
+            <a:avLst/>
+            <a:gdLst>
+              <a:gd name="connsiteX0" fmla="*/ 3995851 w 4079870"/>
+              <a:gd name="connsiteY0" fmla="*/ 336077 h 336077"/>
+              <a:gd name="connsiteX1" fmla="*/ 3911832 w 4079870"/>
+              <a:gd name="connsiteY1" fmla="*/ 252058 h 336077"/>
+              <a:gd name="connsiteX2" fmla="*/ 3953841 w 4079870"/>
+              <a:gd name="connsiteY2" fmla="*/ 252058 h 336077"/>
+              <a:gd name="connsiteX3" fmla="*/ 3953841 w 4079870"/>
+              <a:gd name="connsiteY3" fmla="*/ 237260 h 336077"/>
+              <a:gd name="connsiteX4" fmla="*/ 3800600 w 4079870"/>
+              <a:gd name="connsiteY4" fmla="*/ 84019 h 336077"/>
+              <a:gd name="connsiteX5" fmla="*/ 0 w 4079870"/>
+              <a:gd name="connsiteY5" fmla="*/ 84019 h 336077"/>
+              <a:gd name="connsiteX6" fmla="*/ 0 w 4079870"/>
+              <a:gd name="connsiteY6" fmla="*/ 0 h 336077"/>
+              <a:gd name="connsiteX7" fmla="*/ 3800600 w 4079870"/>
+              <a:gd name="connsiteY7" fmla="*/ 0 h 336077"/>
+              <a:gd name="connsiteX8" fmla="*/ 4037860 w 4079870"/>
+              <a:gd name="connsiteY8" fmla="*/ 237260 h 336077"/>
+              <a:gd name="connsiteX9" fmla="*/ 4037860 w 4079870"/>
+              <a:gd name="connsiteY9" fmla="*/ 252058 h 336077"/>
+              <a:gd name="connsiteX10" fmla="*/ 4079870 w 4079870"/>
+              <a:gd name="connsiteY10" fmla="*/ 252058 h 336077"/>
+            </a:gdLst>
+            <a:ahLst/>
+            <a:cxnLst>
+              <a:cxn ang="0">
+                <a:pos x="connsiteX0" y="connsiteY0"/>
+              </a:cxn>
+              <a:cxn ang="0">
+                <a:pos x="connsiteX1" y="connsiteY1"/>
+              </a:cxn>
+              <a:cxn ang="0">
+                <a:pos x="connsiteX2" y="connsiteY2"/>
+              </a:cxn>
+              <a:cxn ang="0">
+                <a:pos x="connsiteX3" y="connsiteY3"/>
+              </a:cxn>
+              <a:cxn ang="0">
+                <a:pos x="connsiteX4" y="connsiteY4"/>
+              </a:cxn>
+              <a:cxn ang="0">
+                <a:pos x="connsiteX5" y="connsiteY5"/>
+              </a:cxn>
+              <a:cxn ang="0">
+                <a:pos x="connsiteX6" y="connsiteY6"/>
+              </a:cxn>
+              <a:cxn ang="0">
+                <a:pos x="connsiteX7" y="connsiteY7"/>
+              </a:cxn>
+              <a:cxn ang="0">
+                <a:pos x="connsiteX8" y="connsiteY8"/>
+              </a:cxn>
+              <a:cxn ang="0">
+                <a:pos x="connsiteX9" y="connsiteY9"/>
+              </a:cxn>
+              <a:cxn ang="0">
+                <a:pos x="connsiteX10" y="connsiteY10"/>
+              </a:cxn>
+            </a:cxnLst>
+            <a:rect l="l" t="t" r="r" b="b"/>
+            <a:pathLst>
+              <a:path w="4079870" h="336077">
+                <a:moveTo>
+                  <a:pt x="3995851" y="336077"/>
+                </a:moveTo>
+                <a:lnTo>
+                  <a:pt x="3911832" y="252058"/>
+                </a:lnTo>
+                <a:lnTo>
+                  <a:pt x="3953841" y="252058"/>
+                </a:lnTo>
+                <a:lnTo>
+                  <a:pt x="3953841" y="237260"/>
+                </a:lnTo>
+                <a:cubicBezTo>
+                  <a:pt x="3953841" y="152627"/>
+                  <a:pt x="3885233" y="84019"/>
+                  <a:pt x="3800600" y="84019"/>
+                </a:cubicBezTo>
+                <a:lnTo>
+                  <a:pt x="0" y="84019"/>
+                </a:lnTo>
+                <a:lnTo>
+                  <a:pt x="0" y="0"/>
+                </a:lnTo>
+                <a:lnTo>
+                  <a:pt x="3800600" y="0"/>
+                </a:lnTo>
+                <a:cubicBezTo>
+                  <a:pt x="3931635" y="0"/>
+                  <a:pt x="4037860" y="106225"/>
+                  <a:pt x="4037860" y="237260"/>
+                </a:cubicBezTo>
+                <a:lnTo>
+                  <a:pt x="4037860" y="252058"/>
+                </a:lnTo>
+                <a:lnTo>
+                  <a:pt x="4079870" y="252058"/>
+                </a:lnTo>
+                <a:close/>
+              </a:path>
+            </a:pathLst>
+          </a:custGeom>
+          <a:solidFill>
+            <a:srgbClr val="CFCFCF"/>
+          </a:solidFill>
+          <a:ln>
+            <a:noFill/>
+          </a:ln>
+        </p:spPr>
+        <p:style>
+          <a:lnRef idx="2">
+            <a:schemeClr val="accent1">
+              <a:shade val="15000"/>
+            </a:schemeClr>
+          </a:lnRef>
+          <a:fillRef idx="1">
+            <a:schemeClr val="accent1"/>
+          </a:fillRef>
+          <a:effectRef idx="0">
+            <a:schemeClr val="accent1"/>
+          </a:effectRef>
+          <a:fontRef idx="minor">
+            <a:schemeClr val="lt1"/>
+          </a:fontRef>
+        </p:style>
+        <p:txBody>
+          <a:bodyPr wrap="square" rtlCol="0" anchor="ctr">
+            <a:noAutofit/>
+          </a:bodyPr>
+          <a:lstStyle/>
+          <a:p>
+            <a:pPr algn="ctr"/>
+            <a:endParaRPr lang="en-US" dirty="0">
+              <a:solidFill>
+                <a:schemeClr val="tx1"/>
+              </a:solidFill>
+            </a:endParaRPr>
+          </a:p>
+        </p:txBody>
+      </p:sp>
+      <p:sp>
+        <p:nvSpPr>
+          <p:cNvPr id="55" name="Freeform: Shape 54">
+            <a:extLst>
+              <a:ext uri="{FF2B5EF4-FFF2-40B4-BE49-F238E27FC236}">
+                <a16:creationId xmlns:a16="http://schemas.microsoft.com/office/drawing/2014/main" id="{9E9259FD-C224-B284-A221-45F6F11B8163}"/>
+              </a:ext>
+            </a:extLst>
+          </p:cNvPr>
+          <p:cNvSpPr/>
+          <p:nvPr/>
+        </p:nvSpPr>
+        <p:spPr>
+          <a:xfrm flipV="1">
+            <a:off x="7275146" y="3811948"/>
+            <a:ext cx="3441622" cy="336077"/>
+          </a:xfrm>
+          <a:custGeom>
+            <a:avLst/>
+            <a:gdLst>
+              <a:gd name="connsiteX0" fmla="*/ 3357603 w 3441622"/>
+              <a:gd name="connsiteY0" fmla="*/ 336077 h 336077"/>
+              <a:gd name="connsiteX1" fmla="*/ 3441622 w 3441622"/>
+              <a:gd name="connsiteY1" fmla="*/ 252058 h 336077"/>
+              <a:gd name="connsiteX2" fmla="*/ 3399612 w 3441622"/>
+              <a:gd name="connsiteY2" fmla="*/ 252058 h 336077"/>
+              <a:gd name="connsiteX3" fmla="*/ 3399612 w 3441622"/>
+              <a:gd name="connsiteY3" fmla="*/ 237260 h 336077"/>
+              <a:gd name="connsiteX4" fmla="*/ 3162352 w 3441622"/>
+              <a:gd name="connsiteY4" fmla="*/ 0 h 336077"/>
+              <a:gd name="connsiteX5" fmla="*/ 0 w 3441622"/>
+              <a:gd name="connsiteY5" fmla="*/ 0 h 336077"/>
+              <a:gd name="connsiteX6" fmla="*/ 0 w 3441622"/>
+              <a:gd name="connsiteY6" fmla="*/ 84019 h 336077"/>
+              <a:gd name="connsiteX7" fmla="*/ 3162352 w 3441622"/>
+              <a:gd name="connsiteY7" fmla="*/ 84019 h 336077"/>
+              <a:gd name="connsiteX8" fmla="*/ 3315593 w 3441622"/>
+              <a:gd name="connsiteY8" fmla="*/ 237260 h 336077"/>
+              <a:gd name="connsiteX9" fmla="*/ 3315593 w 3441622"/>
+              <a:gd name="connsiteY9" fmla="*/ 252058 h 336077"/>
+              <a:gd name="connsiteX10" fmla="*/ 3273584 w 3441622"/>
+              <a:gd name="connsiteY10" fmla="*/ 252058 h 336077"/>
+            </a:gdLst>
+            <a:ahLst/>
+            <a:cxnLst>
+              <a:cxn ang="0">
+                <a:pos x="connsiteX0" y="connsiteY0"/>
+              </a:cxn>
+              <a:cxn ang="0">
+                <a:pos x="connsiteX1" y="connsiteY1"/>
+              </a:cxn>
+              <a:cxn ang="0">
+                <a:pos x="connsiteX2" y="connsiteY2"/>
+              </a:cxn>
+              <a:cxn ang="0">
+                <a:pos x="connsiteX3" y="connsiteY3"/>
+              </a:cxn>
+              <a:cxn ang="0">
+                <a:pos x="connsiteX4" y="connsiteY4"/>
+              </a:cxn>
+              <a:cxn ang="0">
+                <a:pos x="connsiteX5" y="connsiteY5"/>
+              </a:cxn>
+              <a:cxn ang="0">
+                <a:pos x="connsiteX6" y="connsiteY6"/>
+              </a:cxn>
+              <a:cxn ang="0">
+                <a:pos x="connsiteX7" y="connsiteY7"/>
+              </a:cxn>
+              <a:cxn ang="0">
+                <a:pos x="connsiteX8" y="connsiteY8"/>
+              </a:cxn>
+              <a:cxn ang="0">
+                <a:pos x="connsiteX9" y="connsiteY9"/>
+              </a:cxn>
+              <a:cxn ang="0">
+                <a:pos x="connsiteX10" y="connsiteY10"/>
+              </a:cxn>
+            </a:cxnLst>
+            <a:rect l="l" t="t" r="r" b="b"/>
+            <a:pathLst>
+              <a:path w="3441622" h="336077">
+                <a:moveTo>
+                  <a:pt x="3357603" y="336077"/>
+                </a:moveTo>
+                <a:lnTo>
+                  <a:pt x="3441622" y="252058"/>
+                </a:lnTo>
+                <a:lnTo>
+                  <a:pt x="3399612" y="252058"/>
+                </a:lnTo>
+                <a:lnTo>
+                  <a:pt x="3399612" y="237260"/>
+                </a:lnTo>
+                <a:cubicBezTo>
+                  <a:pt x="3399612" y="106225"/>
+                  <a:pt x="3293387" y="0"/>
+                  <a:pt x="3162352" y="0"/>
+                </a:cubicBezTo>
+                <a:lnTo>
+                  <a:pt x="0" y="0"/>
+                </a:lnTo>
+                <a:lnTo>
+                  <a:pt x="0" y="84019"/>
+                </a:lnTo>
+                <a:lnTo>
+                  <a:pt x="3162352" y="84019"/>
+                </a:lnTo>
+                <a:cubicBezTo>
+                  <a:pt x="3246985" y="84019"/>
+                  <a:pt x="3315593" y="152627"/>
+                  <a:pt x="3315593" y="237260"/>
+                </a:cubicBezTo>
+                <a:lnTo>
+                  <a:pt x="3315593" y="252058"/>
+                </a:lnTo>
+                <a:lnTo>
+                  <a:pt x="3273584" y="252058"/>
+                </a:lnTo>
+                <a:close/>
+              </a:path>
+            </a:pathLst>
+          </a:custGeom>
+          <a:solidFill>
+            <a:srgbClr val="CFCFCF"/>
+          </a:solidFill>
+          <a:ln>
+            <a:noFill/>
+          </a:ln>
+        </p:spPr>
+        <p:style>
+          <a:lnRef idx="2">
+            <a:schemeClr val="accent1">
+              <a:shade val="15000"/>
+            </a:schemeClr>
+          </a:lnRef>
+          <a:fillRef idx="1">
+            <a:schemeClr val="accent1"/>
+          </a:fillRef>
+          <a:effectRef idx="0">
+            <a:schemeClr val="accent1"/>
+          </a:effectRef>
+          <a:fontRef idx="minor">
+            <a:schemeClr val="lt1"/>
+          </a:fontRef>
+        </p:style>
+        <p:txBody>
+          <a:bodyPr wrap="square" rtlCol="0" anchor="ctr">
+            <a:noAutofit/>
+          </a:bodyPr>
+          <a:lstStyle/>
+          <a:p>
+            <a:pPr algn="ctr"/>
+            <a:endParaRPr lang="en-US">
+              <a:solidFill>
+                <a:schemeClr val="tx1"/>
+              </a:solidFill>
+            </a:endParaRPr>
+          </a:p>
+        </p:txBody>
+      </p:sp>
+      <p:sp>
+        <p:nvSpPr>
+          <p:cNvPr id="66" name="Oval 65">
+            <a:extLst>
+              <a:ext uri="{FF2B5EF4-FFF2-40B4-BE49-F238E27FC236}">
+                <a16:creationId xmlns:a16="http://schemas.microsoft.com/office/drawing/2014/main" id="{24AD792D-4C2D-9731-9ECF-B33B2BBBD44F}"/>
+              </a:ext>
+            </a:extLst>
+          </p:cNvPr>
+          <p:cNvSpPr/>
+          <p:nvPr/>
+        </p:nvSpPr>
+        <p:spPr>
+          <a:xfrm>
+            <a:off x="3788791" y="2106612"/>
+            <a:ext cx="85420" cy="85420"/>
+          </a:xfrm>
+          <a:prstGeom prst="ellipse">
+            <a:avLst/>
+          </a:prstGeom>
+          <a:solidFill>
+            <a:schemeClr val="tx1"/>
+          </a:solidFill>
+          <a:ln>
+            <a:noFill/>
+          </a:ln>
+        </p:spPr>
+        <p:style>
+          <a:lnRef idx="2">
+            <a:schemeClr val="accent1">
+              <a:shade val="15000"/>
+            </a:schemeClr>
+          </a:lnRef>
+          <a:fillRef idx="1">
+            <a:schemeClr val="accent1"/>
+          </a:fillRef>
+          <a:effectRef idx="0">
+            <a:schemeClr val="accent1"/>
+          </a:effectRef>
+          <a:fontRef idx="minor">
+            <a:schemeClr val="lt1"/>
+          </a:fontRef>
+        </p:style>
+        <p:txBody>
+          <a:bodyPr rtlCol="0" anchor="ctr"/>
+          <a:lstStyle/>
+          <a:p>
+            <a:pPr algn="ctr"/>
+            <a:endParaRPr lang="en-US"/>
+          </a:p>
+        </p:txBody>
+      </p:sp>
+      <p:sp>
+        <p:nvSpPr>
+          <p:cNvPr id="70" name="Oval 69">
+            <a:extLst>
+              <a:ext uri="{FF2B5EF4-FFF2-40B4-BE49-F238E27FC236}">
+                <a16:creationId xmlns:a16="http://schemas.microsoft.com/office/drawing/2014/main" id="{B0981A52-640F-27C6-D97B-9B58B5DCD724}"/>
+              </a:ext>
+            </a:extLst>
+          </p:cNvPr>
+          <p:cNvSpPr/>
+          <p:nvPr/>
+        </p:nvSpPr>
+        <p:spPr>
+          <a:xfrm>
+            <a:off x="3950214" y="2106612"/>
+            <a:ext cx="85420" cy="85420"/>
+          </a:xfrm>
+          <a:prstGeom prst="ellipse">
+            <a:avLst/>
+          </a:prstGeom>
+          <a:solidFill>
+            <a:schemeClr val="tx1"/>
+          </a:solidFill>
+          <a:ln>
+            <a:noFill/>
+          </a:ln>
+        </p:spPr>
+        <p:style>
+          <a:lnRef idx="2">
+            <a:schemeClr val="accent1">
+              <a:shade val="15000"/>
+            </a:schemeClr>
+          </a:lnRef>
+          <a:fillRef idx="1">
+            <a:schemeClr val="accent1"/>
+          </a:fillRef>
+          <a:effectRef idx="0">
+            <a:schemeClr val="accent1"/>
+          </a:effectRef>
+          <a:fontRef idx="minor">
+            <a:schemeClr val="lt1"/>
+          </a:fontRef>
+        </p:style>
+        <p:txBody>
+          <a:bodyPr rtlCol="0" anchor="ctr"/>
+          <a:lstStyle/>
+          <a:p>
+            <a:pPr algn="ctr"/>
+            <a:endParaRPr lang="en-US"/>
+          </a:p>
+        </p:txBody>
+      </p:sp>
+      <p:sp>
+        <p:nvSpPr>
+          <p:cNvPr id="71" name="Oval 70">
+            <a:extLst>
+              <a:ext uri="{FF2B5EF4-FFF2-40B4-BE49-F238E27FC236}">
+                <a16:creationId xmlns:a16="http://schemas.microsoft.com/office/drawing/2014/main" id="{60D962BE-BAB6-848E-994D-11E45BD8CC8B}"/>
+              </a:ext>
+            </a:extLst>
+          </p:cNvPr>
+          <p:cNvSpPr/>
+          <p:nvPr/>
+        </p:nvSpPr>
+        <p:spPr>
+          <a:xfrm>
+            <a:off x="4111637" y="2106612"/>
+            <a:ext cx="85420" cy="85420"/>
+          </a:xfrm>
+          <a:prstGeom prst="ellipse">
+            <a:avLst/>
+          </a:prstGeom>
+          <a:solidFill>
+            <a:schemeClr val="tx1"/>
+          </a:solidFill>
+          <a:ln>
+            <a:noFill/>
+          </a:ln>
+        </p:spPr>
+        <p:style>
+          <a:lnRef idx="2">
+            <a:schemeClr val="accent1">
+              <a:shade val="15000"/>
+            </a:schemeClr>
+          </a:lnRef>
+          <a:fillRef idx="1">
+            <a:schemeClr val="accent1"/>
+          </a:fillRef>
+          <a:effectRef idx="0">
+            <a:schemeClr val="accent1"/>
+          </a:effectRef>
+          <a:fontRef idx="minor">
+            <a:schemeClr val="lt1"/>
+          </a:fontRef>
+        </p:style>
+        <p:txBody>
+          <a:bodyPr rtlCol="0" anchor="ctr"/>
+          <a:lstStyle/>
+          <a:p>
+            <a:pPr algn="ctr"/>
+            <a:endParaRPr lang="en-US"/>
+          </a:p>
+        </p:txBody>
+      </p:sp>
+      <p:sp>
+        <p:nvSpPr>
+          <p:cNvPr id="72" name="Oval 71">
+            <a:extLst>
+              <a:ext uri="{FF2B5EF4-FFF2-40B4-BE49-F238E27FC236}">
+                <a16:creationId xmlns:a16="http://schemas.microsoft.com/office/drawing/2014/main" id="{1715B379-42C8-6477-3B9B-415EE90A7699}"/>
+              </a:ext>
+            </a:extLst>
+          </p:cNvPr>
+          <p:cNvSpPr/>
+          <p:nvPr/>
+        </p:nvSpPr>
+        <p:spPr>
+          <a:xfrm>
+            <a:off x="499801" y="2108475"/>
+            <a:ext cx="85420" cy="85420"/>
+          </a:xfrm>
+          <a:prstGeom prst="ellipse">
+            <a:avLst/>
+          </a:prstGeom>
+          <a:solidFill>
+            <a:schemeClr val="tx1"/>
+          </a:solidFill>
+          <a:ln>
+            <a:noFill/>
+          </a:ln>
+        </p:spPr>
+        <p:style>
+          <a:lnRef idx="2">
+            <a:schemeClr val="accent1">
+              <a:shade val="15000"/>
+            </a:schemeClr>
+          </a:lnRef>
+          <a:fillRef idx="1">
+            <a:schemeClr val="accent1"/>
+          </a:fillRef>
+          <a:effectRef idx="0">
+            <a:schemeClr val="accent1"/>
+          </a:effectRef>
+          <a:fontRef idx="minor">
+            <a:schemeClr val="lt1"/>
+          </a:fontRef>
+        </p:style>
+        <p:txBody>
+          <a:bodyPr rtlCol="0" anchor="ctr"/>
+          <a:lstStyle/>
+          <a:p>
+            <a:pPr algn="ctr"/>
+            <a:endParaRPr lang="en-US"/>
+          </a:p>
+        </p:txBody>
+      </p:sp>
+      <p:sp>
+        <p:nvSpPr>
+          <p:cNvPr id="73" name="Oval 72">
+            <a:extLst>
+              <a:ext uri="{FF2B5EF4-FFF2-40B4-BE49-F238E27FC236}">
+                <a16:creationId xmlns:a16="http://schemas.microsoft.com/office/drawing/2014/main" id="{A93B0F02-9BE1-6E49-55E2-D322A3C2F41F}"/>
+              </a:ext>
+            </a:extLst>
+          </p:cNvPr>
+          <p:cNvSpPr/>
+          <p:nvPr/>
+        </p:nvSpPr>
+        <p:spPr>
+          <a:xfrm>
+            <a:off x="661224" y="2108475"/>
+            <a:ext cx="85420" cy="85420"/>
+          </a:xfrm>
+          <a:prstGeom prst="ellipse">
+            <a:avLst/>
+          </a:prstGeom>
+          <a:solidFill>
+            <a:schemeClr val="tx1"/>
+          </a:solidFill>
+          <a:ln>
+            <a:noFill/>
+          </a:ln>
+        </p:spPr>
+        <p:style>
+          <a:lnRef idx="2">
+            <a:schemeClr val="accent1">
+              <a:shade val="15000"/>
+            </a:schemeClr>
+          </a:lnRef>
+          <a:fillRef idx="1">
+            <a:schemeClr val="accent1"/>
+          </a:fillRef>
+          <a:effectRef idx="0">
+            <a:schemeClr val="accent1"/>
+          </a:effectRef>
+          <a:fontRef idx="minor">
+            <a:schemeClr val="lt1"/>
+          </a:fontRef>
+        </p:style>
+        <p:txBody>
+          <a:bodyPr rtlCol="0" anchor="ctr"/>
+          <a:lstStyle/>
+          <a:p>
+            <a:pPr algn="ctr"/>
+            <a:endParaRPr lang="en-US"/>
+          </a:p>
+        </p:txBody>
+      </p:sp>
+      <p:sp>
+        <p:nvSpPr>
+          <p:cNvPr id="74" name="Oval 73">
+            <a:extLst>
+              <a:ext uri="{FF2B5EF4-FFF2-40B4-BE49-F238E27FC236}">
+                <a16:creationId xmlns:a16="http://schemas.microsoft.com/office/drawing/2014/main" id="{CA700444-1D41-46C3-E144-84FD5F47207C}"/>
+              </a:ext>
+            </a:extLst>
+          </p:cNvPr>
+          <p:cNvSpPr/>
+          <p:nvPr/>
+        </p:nvSpPr>
+        <p:spPr>
+          <a:xfrm>
+            <a:off x="822647" y="2108475"/>
+            <a:ext cx="85420" cy="85420"/>
+          </a:xfrm>
+          <a:prstGeom prst="ellipse">
+            <a:avLst/>
+          </a:prstGeom>
+          <a:solidFill>
+            <a:schemeClr val="tx1"/>
+          </a:solidFill>
+          <a:ln>
+            <a:noFill/>
+          </a:ln>
+        </p:spPr>
+        <p:style>
+          <a:lnRef idx="2">
+            <a:schemeClr val="accent1">
+              <a:shade val="15000"/>
+            </a:schemeClr>
+          </a:lnRef>
+          <a:fillRef idx="1">
+            <a:schemeClr val="accent1"/>
+          </a:fillRef>
+          <a:effectRef idx="0">
+            <a:schemeClr val="accent1"/>
+          </a:effectRef>
+          <a:fontRef idx="minor">
+            <a:schemeClr val="lt1"/>
+          </a:fontRef>
+        </p:style>
+        <p:txBody>
+          <a:bodyPr rtlCol="0" anchor="ctr"/>
+          <a:lstStyle/>
+          <a:p>
+            <a:pPr algn="ctr"/>
+            <a:endParaRPr lang="en-US"/>
+          </a:p>
+        </p:txBody>
+      </p:sp>
       <p:pic>
         <p:nvPicPr>
-          <p:cNvPr id="8" name="Picture 7">
-            <a:extLst>
-              <a:ext uri="{FF2B5EF4-FFF2-40B4-BE49-F238E27FC236}">
-                <a16:creationId xmlns:a16="http://schemas.microsoft.com/office/drawing/2014/main" id="{B0ABFD79-0338-F19F-7A38-6BA5C81D986A}"/>
+          <p:cNvPr id="2" name="Picture 1">
+            <a:extLst>
+              <a:ext uri="{FF2B5EF4-FFF2-40B4-BE49-F238E27FC236}">
+                <a16:creationId xmlns:a16="http://schemas.microsoft.com/office/drawing/2014/main" id="{A613D944-9040-6B3D-F0B4-5C2726B0C088}"/>
               </a:ext>
             </a:extLst>
           </p:cNvPr>
@@ -22011,14 +28048,45 @@
           <p:nvPr/>
         </p:nvPicPr>
         <p:blipFill>
-          <a:blip r:embed="rId2"/>
-          <a:srcRect t="20830" b="36406"/>
-          <a:stretch/>
+          <a:blip r:embed="rId8"/>
+          <a:stretch>
+            <a:fillRect/>
+          </a:stretch>
         </p:blipFill>
         <p:spPr>
           <a:xfrm>
-            <a:off x="1010958" y="3654140"/>
-            <a:ext cx="6096528" cy="1466500"/>
+            <a:off x="2560094" y="-386547"/>
+            <a:ext cx="1076475" cy="685896"/>
+          </a:xfrm>
+          <a:prstGeom prst="rect">
+            <a:avLst/>
+          </a:prstGeom>
+        </p:spPr>
+      </p:pic>
+      <p:pic>
+        <p:nvPicPr>
+          <p:cNvPr id="4" name="Picture 3">
+            <a:extLst>
+              <a:ext uri="{FF2B5EF4-FFF2-40B4-BE49-F238E27FC236}">
+                <a16:creationId xmlns:a16="http://schemas.microsoft.com/office/drawing/2014/main" id="{AF19BA5C-AE20-7723-894A-856103C03E41}"/>
+              </a:ext>
+            </a:extLst>
+          </p:cNvPr>
+          <p:cNvPicPr>
+            <a:picLocks noChangeAspect="1"/>
+          </p:cNvPicPr>
+          <p:nvPr/>
+        </p:nvPicPr>
+        <p:blipFill>
+          <a:blip r:embed="rId9"/>
+          <a:stretch>
+            <a:fillRect/>
+          </a:stretch>
+        </p:blipFill>
+        <p:spPr>
+          <a:xfrm>
+            <a:off x="1004009" y="-567203"/>
+            <a:ext cx="1314633" cy="1276528"/>
           </a:xfrm>
           <a:prstGeom prst="rect">
             <a:avLst/>
@@ -22028,7 +28096,7 @@
     </p:spTree>
     <p:extLst>
       <p:ext uri="{BB962C8B-B14F-4D97-AF65-F5344CB8AC3E}">
-        <p14:creationId xmlns:p14="http://schemas.microsoft.com/office/powerpoint/2010/main" val="3036813631"/>
+        <p14:creationId xmlns:p14="http://schemas.microsoft.com/office/powerpoint/2010/main" val="176962408"/>
       </p:ext>
     </p:extLst>
   </p:cSld>
@@ -22057,10 +28125,10 @@
       </p:grpSpPr>
       <p:pic>
         <p:nvPicPr>
-          <p:cNvPr id="4" name="Picture 3">
-            <a:extLst>
-              <a:ext uri="{FF2B5EF4-FFF2-40B4-BE49-F238E27FC236}">
-                <a16:creationId xmlns:a16="http://schemas.microsoft.com/office/drawing/2014/main" id="{C7675319-0005-5CEB-F1B6-7137732DB8BF}"/>
+          <p:cNvPr id="8" name="Picture 7">
+            <a:extLst>
+              <a:ext uri="{FF2B5EF4-FFF2-40B4-BE49-F238E27FC236}">
+                <a16:creationId xmlns:a16="http://schemas.microsoft.com/office/drawing/2014/main" id="{B0ABFD79-0338-F19F-7A38-6BA5C81D986A}"/>
               </a:ext>
             </a:extLst>
           </p:cNvPr>
@@ -22071,71 +28139,13 @@
         </p:nvPicPr>
         <p:blipFill>
           <a:blip r:embed="rId2"/>
-          <a:srcRect t="15999" r="3349" b="17629"/>
+          <a:srcRect t="20830" b="36406"/>
           <a:stretch/>
         </p:blipFill>
         <p:spPr>
           <a:xfrm>
-            <a:off x="2811877" y="72363"/>
-            <a:ext cx="5892333" cy="2276132"/>
-          </a:xfrm>
-          <a:prstGeom prst="rect">
-            <a:avLst/>
-          </a:prstGeom>
-        </p:spPr>
-      </p:pic>
-      <p:pic>
-        <p:nvPicPr>
-          <p:cNvPr id="5" name="Picture 4">
-            <a:extLst>
-              <a:ext uri="{FF2B5EF4-FFF2-40B4-BE49-F238E27FC236}">
-                <a16:creationId xmlns:a16="http://schemas.microsoft.com/office/drawing/2014/main" id="{FF433519-AAD2-E585-5EEA-526E3D989F47}"/>
-              </a:ext>
-            </a:extLst>
-          </p:cNvPr>
-          <p:cNvPicPr>
-            <a:picLocks noChangeAspect="1"/>
-          </p:cNvPicPr>
-          <p:nvPr/>
-        </p:nvPicPr>
-        <p:blipFill>
-          <a:blip r:embed="rId3"/>
-          <a:srcRect l="4069" t="16957" r="6047" b="18204"/>
-          <a:stretch/>
-        </p:blipFill>
-        <p:spPr>
-          <a:xfrm>
-            <a:off x="2651102" y="2855033"/>
-            <a:ext cx="5479822" cy="2223505"/>
-          </a:xfrm>
-          <a:prstGeom prst="rect">
-            <a:avLst/>
-          </a:prstGeom>
-        </p:spPr>
-      </p:pic>
-      <p:pic>
-        <p:nvPicPr>
-          <p:cNvPr id="6" name="Picture 5">
-            <a:extLst>
-              <a:ext uri="{FF2B5EF4-FFF2-40B4-BE49-F238E27FC236}">
-                <a16:creationId xmlns:a16="http://schemas.microsoft.com/office/drawing/2014/main" id="{D8B680D5-E8B1-3A0B-849F-38D22CC27214}"/>
-              </a:ext>
-            </a:extLst>
-          </p:cNvPr>
-          <p:cNvPicPr>
-            <a:picLocks noChangeAspect="1"/>
-          </p:cNvPicPr>
-          <p:nvPr/>
-        </p:nvPicPr>
-        <p:blipFill>
-          <a:blip r:embed="rId4"/>
-          <a:srcRect l="3350" t="17149" r="5183" b="18493"/>
-          <a:stretch/>
-        </p:blipFill>
-        <p:spPr>
-          <a:xfrm>
-            <a:off x="5014947" y="3378016"/>
-            <a:ext cx="5576306" cy="2207060"/>
+            <a:off x="1010958" y="3654140"/>
+            <a:ext cx="6096528" cy="1466500"/>
           </a:xfrm>
           <a:prstGeom prst="rect">
             <a:avLst/>
@@ -22147,7 +28157,7 @@
           <p:cNvPr id="2" name="Picture 1">
             <a:extLst>
               <a:ext uri="{FF2B5EF4-FFF2-40B4-BE49-F238E27FC236}">
-                <a16:creationId xmlns:a16="http://schemas.microsoft.com/office/drawing/2014/main" id="{4B7B81F0-24EB-94CB-86EA-1447C5999696}"/>
+                <a16:creationId xmlns:a16="http://schemas.microsoft.com/office/drawing/2014/main" id="{AF0CA89B-5B72-E9F2-28AF-CBFAF963637D}"/>
               </a:ext>
             </a:extLst>
           </p:cNvPr>
@@ -22157,14 +28167,14 @@
           <p:nvPr/>
         </p:nvPicPr>
         <p:blipFill>
-          <a:blip r:embed="rId5"/>
-          <a:srcRect t="19978" b="29000"/>
+          <a:blip r:embed="rId3"/>
+          <a:srcRect t="21044" b="36192"/>
           <a:stretch/>
         </p:blipFill>
         <p:spPr>
           <a:xfrm>
-            <a:off x="1177372" y="4358379"/>
-            <a:ext cx="6096528" cy="1749680"/>
+            <a:off x="1010958" y="1997250"/>
+            <a:ext cx="6096528" cy="1466500"/>
           </a:xfrm>
           <a:prstGeom prst="rect">
             <a:avLst/>
@@ -22174,7 +28184,7 @@
     </p:spTree>
     <p:extLst>
       <p:ext uri="{BB962C8B-B14F-4D97-AF65-F5344CB8AC3E}">
-        <p14:creationId xmlns:p14="http://schemas.microsoft.com/office/powerpoint/2010/main" val="1197114788"/>
+        <p14:creationId xmlns:p14="http://schemas.microsoft.com/office/powerpoint/2010/main" val="3036813631"/>
       </p:ext>
     </p:extLst>
   </p:cSld>
@@ -22203,10 +28213,10 @@
       </p:grpSpPr>
       <p:pic>
         <p:nvPicPr>
-          <p:cNvPr id="9" name="Picture 8" descr="A screen shot of a graph&#10;&#10;Description automatically generated">
-            <a:extLst>
-              <a:ext uri="{FF2B5EF4-FFF2-40B4-BE49-F238E27FC236}">
-                <a16:creationId xmlns:a16="http://schemas.microsoft.com/office/drawing/2014/main" id="{2B8E8CB3-91F6-DD4A-C7B1-0DCC03653C4D}"/>
+          <p:cNvPr id="4" name="Picture 3">
+            <a:extLst>
+              <a:ext uri="{FF2B5EF4-FFF2-40B4-BE49-F238E27FC236}">
+                <a16:creationId xmlns:a16="http://schemas.microsoft.com/office/drawing/2014/main" id="{C7675319-0005-5CEB-F1B6-7137732DB8BF}"/>
               </a:ext>
             </a:extLst>
           </p:cNvPr>
@@ -22216,1794 +28226,111 @@
           <p:nvPr/>
         </p:nvPicPr>
         <p:blipFill>
-          <a:blip r:embed="rId2">
-            <a:extLst>
-              <a:ext uri="{28A0092B-C50C-407E-A947-70E740481C1C}">
-                <a14:useLocalDpi xmlns:a14="http://schemas.microsoft.com/office/drawing/2010/main" val="0"/>
-              </a:ext>
-            </a:extLst>
-          </a:blip>
-          <a:srcRect l="2970" t="7349" r="8394" b="3561"/>
+          <a:blip r:embed="rId2"/>
+          <a:srcRect t="15999" r="3349" b="17629"/>
           <a:stretch/>
         </p:blipFill>
         <p:spPr>
           <a:xfrm>
-            <a:off x="847898" y="306317"/>
-            <a:ext cx="10355833" cy="6245365"/>
+            <a:off x="2811877" y="72363"/>
+            <a:ext cx="5892333" cy="2276132"/>
           </a:xfrm>
           <a:prstGeom prst="rect">
             <a:avLst/>
           </a:prstGeom>
         </p:spPr>
       </p:pic>
-      <p:sp>
-        <p:nvSpPr>
-          <p:cNvPr id="2" name="Oval 1">
-            <a:extLst>
-              <a:ext uri="{FF2B5EF4-FFF2-40B4-BE49-F238E27FC236}">
-                <a16:creationId xmlns:a16="http://schemas.microsoft.com/office/drawing/2014/main" id="{7BF439FA-B83B-017B-C7D1-63EC6A6C0890}"/>
-              </a:ext>
-            </a:extLst>
-          </p:cNvPr>
-          <p:cNvSpPr/>
+      <p:pic>
+        <p:nvPicPr>
+          <p:cNvPr id="5" name="Picture 4">
+            <a:extLst>
+              <a:ext uri="{FF2B5EF4-FFF2-40B4-BE49-F238E27FC236}">
+                <a16:creationId xmlns:a16="http://schemas.microsoft.com/office/drawing/2014/main" id="{FF433519-AAD2-E585-5EEA-526E3D989F47}"/>
+              </a:ext>
+            </a:extLst>
+          </p:cNvPr>
+          <p:cNvPicPr>
+            <a:picLocks noChangeAspect="1"/>
+          </p:cNvPicPr>
           <p:nvPr/>
-        </p:nvSpPr>
+        </p:nvPicPr>
+        <p:blipFill>
+          <a:blip r:embed="rId3"/>
+          <a:srcRect l="4069" t="16957" r="6047" b="18204"/>
+          <a:stretch/>
+        </p:blipFill>
         <p:spPr>
           <a:xfrm>
-            <a:off x="9676014" y="2718262"/>
-            <a:ext cx="315883" cy="315883"/>
-          </a:xfrm>
-          <a:prstGeom prst="ellipse">
+            <a:off x="2651102" y="2855033"/>
+            <a:ext cx="5479822" cy="2223505"/>
+          </a:xfrm>
+          <a:prstGeom prst="rect">
             <a:avLst/>
           </a:prstGeom>
-          <a:ln>
-            <a:solidFill>
-              <a:schemeClr val="accent1"/>
-            </a:solidFill>
-          </a:ln>
         </p:spPr>
-        <p:style>
-          <a:lnRef idx="2">
-            <a:schemeClr val="accent1">
-              <a:shade val="15000"/>
-            </a:schemeClr>
-          </a:lnRef>
-          <a:fillRef idx="1">
-            <a:schemeClr val="accent1"/>
-          </a:fillRef>
-          <a:effectRef idx="0">
-            <a:schemeClr val="accent1"/>
-          </a:effectRef>
-          <a:fontRef idx="minor">
-            <a:schemeClr val="lt1"/>
-          </a:fontRef>
-        </p:style>
-        <p:txBody>
-          <a:bodyPr rtlCol="0" anchor="ctr"/>
-          <a:lstStyle/>
-          <a:p>
-            <a:pPr algn="ctr"/>
-            <a:r>
-              <a:rPr lang="en-US" dirty="0"/>
-              <a:t>M</a:t>
-            </a:r>
-          </a:p>
-        </p:txBody>
-      </p:sp>
-      <p:sp>
-        <p:nvSpPr>
-          <p:cNvPr id="3" name="Oval 2">
-            <a:extLst>
-              <a:ext uri="{FF2B5EF4-FFF2-40B4-BE49-F238E27FC236}">
-                <a16:creationId xmlns:a16="http://schemas.microsoft.com/office/drawing/2014/main" id="{B47587B6-EE86-5CF9-8DE9-4490ADCE8678}"/>
-              </a:ext>
-            </a:extLst>
-          </p:cNvPr>
-          <p:cNvSpPr/>
+      </p:pic>
+      <p:pic>
+        <p:nvPicPr>
+          <p:cNvPr id="6" name="Picture 5">
+            <a:extLst>
+              <a:ext uri="{FF2B5EF4-FFF2-40B4-BE49-F238E27FC236}">
+                <a16:creationId xmlns:a16="http://schemas.microsoft.com/office/drawing/2014/main" id="{D8B680D5-E8B1-3A0B-849F-38D22CC27214}"/>
+              </a:ext>
+            </a:extLst>
+          </p:cNvPr>
+          <p:cNvPicPr>
+            <a:picLocks noChangeAspect="1"/>
+          </p:cNvPicPr>
           <p:nvPr/>
-        </p:nvSpPr>
+        </p:nvPicPr>
+        <p:blipFill>
+          <a:blip r:embed="rId4"/>
+          <a:srcRect l="3350" t="17149" r="5183" b="18493"/>
+          <a:stretch/>
+        </p:blipFill>
         <p:spPr>
           <a:xfrm>
-            <a:off x="9728660" y="1324496"/>
-            <a:ext cx="315883" cy="315883"/>
-          </a:xfrm>
-          <a:prstGeom prst="ellipse">
+            <a:off x="5014947" y="3378016"/>
+            <a:ext cx="5576306" cy="2207060"/>
+          </a:xfrm>
+          <a:prstGeom prst="rect">
             <a:avLst/>
           </a:prstGeom>
-          <a:solidFill>
-            <a:schemeClr val="accent2"/>
-          </a:solidFill>
-          <a:ln>
-            <a:solidFill>
-              <a:schemeClr val="accent2"/>
-            </a:solidFill>
-          </a:ln>
         </p:spPr>
-        <p:style>
-          <a:lnRef idx="2">
-            <a:schemeClr val="accent1">
-              <a:shade val="15000"/>
-            </a:schemeClr>
-          </a:lnRef>
-          <a:fillRef idx="1">
-            <a:schemeClr val="accent1"/>
-          </a:fillRef>
-          <a:effectRef idx="0">
-            <a:schemeClr val="accent1"/>
-          </a:effectRef>
-          <a:fontRef idx="minor">
-            <a:schemeClr val="lt1"/>
-          </a:fontRef>
-        </p:style>
-        <p:txBody>
-          <a:bodyPr rtlCol="0" anchor="ctr"/>
-          <a:lstStyle/>
-          <a:p>
-            <a:pPr algn="ctr"/>
-            <a:r>
-              <a:rPr lang="en-US" dirty="0"/>
-              <a:t>v</a:t>
-            </a:r>
-          </a:p>
-        </p:txBody>
-      </p:sp>
-      <p:sp>
-        <p:nvSpPr>
-          <p:cNvPr id="4" name="Oval 3">
-            <a:extLst>
-              <a:ext uri="{FF2B5EF4-FFF2-40B4-BE49-F238E27FC236}">
-                <a16:creationId xmlns:a16="http://schemas.microsoft.com/office/drawing/2014/main" id="{8032AD55-B10E-A5E7-A716-FEB7EF2D82AB}"/>
-              </a:ext>
-            </a:extLst>
-          </p:cNvPr>
-          <p:cNvSpPr/>
+      </p:pic>
+      <p:pic>
+        <p:nvPicPr>
+          <p:cNvPr id="2" name="Picture 1">
+            <a:extLst>
+              <a:ext uri="{FF2B5EF4-FFF2-40B4-BE49-F238E27FC236}">
+                <a16:creationId xmlns:a16="http://schemas.microsoft.com/office/drawing/2014/main" id="{4B7B81F0-24EB-94CB-86EA-1447C5999696}"/>
+              </a:ext>
+            </a:extLst>
+          </p:cNvPr>
+          <p:cNvPicPr>
+            <a:picLocks noChangeAspect="1"/>
+          </p:cNvPicPr>
           <p:nvPr/>
-        </p:nvSpPr>
+        </p:nvPicPr>
+        <p:blipFill>
+          <a:blip r:embed="rId5"/>
+          <a:srcRect t="19978" b="29000"/>
+          <a:stretch/>
+        </p:blipFill>
         <p:spPr>
           <a:xfrm>
-            <a:off x="8958347" y="5367252"/>
-            <a:ext cx="315883" cy="315883"/>
-          </a:xfrm>
-          <a:prstGeom prst="ellipse">
+            <a:off x="1177372" y="4358379"/>
+            <a:ext cx="6096528" cy="1749680"/>
+          </a:xfrm>
+          <a:prstGeom prst="rect">
             <a:avLst/>
           </a:prstGeom>
-          <a:solidFill>
-            <a:schemeClr val="accent2"/>
-          </a:solidFill>
-          <a:ln>
-            <a:solidFill>
-              <a:schemeClr val="accent2"/>
-            </a:solidFill>
-          </a:ln>
         </p:spPr>
-        <p:style>
-          <a:lnRef idx="2">
-            <a:schemeClr val="accent1">
-              <a:shade val="15000"/>
-            </a:schemeClr>
-          </a:lnRef>
-          <a:fillRef idx="1">
-            <a:schemeClr val="accent1"/>
-          </a:fillRef>
-          <a:effectRef idx="0">
-            <a:schemeClr val="accent1"/>
-          </a:effectRef>
-          <a:fontRef idx="minor">
-            <a:schemeClr val="lt1"/>
-          </a:fontRef>
-        </p:style>
-        <p:txBody>
-          <a:bodyPr rtlCol="0" anchor="ctr"/>
-          <a:lstStyle/>
-          <a:p>
-            <a:pPr algn="ctr"/>
-            <a:r>
-              <a:rPr lang="en-US" dirty="0"/>
-              <a:t>v</a:t>
-            </a:r>
-          </a:p>
-        </p:txBody>
-      </p:sp>
-      <p:sp>
-        <p:nvSpPr>
-          <p:cNvPr id="6" name="Oval 5">
-            <a:extLst>
-              <a:ext uri="{FF2B5EF4-FFF2-40B4-BE49-F238E27FC236}">
-                <a16:creationId xmlns:a16="http://schemas.microsoft.com/office/drawing/2014/main" id="{099A8E4F-70CD-AFA6-3E9C-788167D734DE}"/>
-              </a:ext>
-            </a:extLst>
-          </p:cNvPr>
-          <p:cNvSpPr/>
-          <p:nvPr/>
-        </p:nvSpPr>
-        <p:spPr>
-          <a:xfrm>
-            <a:off x="9069180" y="4045528"/>
-            <a:ext cx="315883" cy="315883"/>
-          </a:xfrm>
-          <a:prstGeom prst="ellipse">
-            <a:avLst/>
-          </a:prstGeom>
-          <a:solidFill>
-            <a:schemeClr val="accent2"/>
-          </a:solidFill>
-          <a:ln>
-            <a:solidFill>
-              <a:schemeClr val="accent2"/>
-            </a:solidFill>
-          </a:ln>
-        </p:spPr>
-        <p:style>
-          <a:lnRef idx="2">
-            <a:schemeClr val="accent1">
-              <a:shade val="15000"/>
-            </a:schemeClr>
-          </a:lnRef>
-          <a:fillRef idx="1">
-            <a:schemeClr val="accent1"/>
-          </a:fillRef>
-          <a:effectRef idx="0">
-            <a:schemeClr val="accent1"/>
-          </a:effectRef>
-          <a:fontRef idx="minor">
-            <a:schemeClr val="lt1"/>
-          </a:fontRef>
-        </p:style>
-        <p:txBody>
-          <a:bodyPr rtlCol="0" anchor="ctr"/>
-          <a:lstStyle/>
-          <a:p>
-            <a:pPr algn="ctr"/>
-            <a:r>
-              <a:rPr lang="en-US" dirty="0"/>
-              <a:t>v</a:t>
-            </a:r>
-          </a:p>
-        </p:txBody>
-      </p:sp>
-      <p:sp>
-        <p:nvSpPr>
-          <p:cNvPr id="7" name="Oval 6">
-            <a:extLst>
-              <a:ext uri="{FF2B5EF4-FFF2-40B4-BE49-F238E27FC236}">
-                <a16:creationId xmlns:a16="http://schemas.microsoft.com/office/drawing/2014/main" id="{52626FFC-4998-8806-837B-65E89F153F91}"/>
-              </a:ext>
-            </a:extLst>
-          </p:cNvPr>
-          <p:cNvSpPr/>
-          <p:nvPr/>
-        </p:nvSpPr>
-        <p:spPr>
-          <a:xfrm>
-            <a:off x="8451271" y="3654831"/>
-            <a:ext cx="315883" cy="315883"/>
-          </a:xfrm>
-          <a:prstGeom prst="ellipse">
-            <a:avLst/>
-          </a:prstGeom>
-          <a:solidFill>
-            <a:schemeClr val="accent2"/>
-          </a:solidFill>
-          <a:ln>
-            <a:solidFill>
-              <a:schemeClr val="accent2"/>
-            </a:solidFill>
-          </a:ln>
-        </p:spPr>
-        <p:style>
-          <a:lnRef idx="2">
-            <a:schemeClr val="accent1">
-              <a:shade val="15000"/>
-            </a:schemeClr>
-          </a:lnRef>
-          <a:fillRef idx="1">
-            <a:schemeClr val="accent1"/>
-          </a:fillRef>
-          <a:effectRef idx="0">
-            <a:schemeClr val="accent1"/>
-          </a:effectRef>
-          <a:fontRef idx="minor">
-            <a:schemeClr val="lt1"/>
-          </a:fontRef>
-        </p:style>
-        <p:txBody>
-          <a:bodyPr rtlCol="0" anchor="ctr"/>
-          <a:lstStyle/>
-          <a:p>
-            <a:pPr algn="ctr"/>
-            <a:r>
-              <a:rPr lang="en-US" dirty="0"/>
-              <a:t>v</a:t>
-            </a:r>
-          </a:p>
-        </p:txBody>
-      </p:sp>
-      <p:sp>
-        <p:nvSpPr>
-          <p:cNvPr id="8" name="Oval 7">
-            <a:extLst>
-              <a:ext uri="{FF2B5EF4-FFF2-40B4-BE49-F238E27FC236}">
-                <a16:creationId xmlns:a16="http://schemas.microsoft.com/office/drawing/2014/main" id="{74E4AC5E-97CB-1DA9-78BC-8DB0F146E92A}"/>
-              </a:ext>
-            </a:extLst>
-          </p:cNvPr>
-          <p:cNvSpPr/>
-          <p:nvPr/>
-        </p:nvSpPr>
-        <p:spPr>
-          <a:xfrm>
-            <a:off x="7287489" y="5051369"/>
-            <a:ext cx="315883" cy="315883"/>
-          </a:xfrm>
-          <a:prstGeom prst="ellipse">
-            <a:avLst/>
-          </a:prstGeom>
-          <a:solidFill>
-            <a:schemeClr val="accent2"/>
-          </a:solidFill>
-          <a:ln>
-            <a:solidFill>
-              <a:schemeClr val="accent2"/>
-            </a:solidFill>
-          </a:ln>
-        </p:spPr>
-        <p:style>
-          <a:lnRef idx="2">
-            <a:schemeClr val="accent1">
-              <a:shade val="15000"/>
-            </a:schemeClr>
-          </a:lnRef>
-          <a:fillRef idx="1">
-            <a:schemeClr val="accent1"/>
-          </a:fillRef>
-          <a:effectRef idx="0">
-            <a:schemeClr val="accent1"/>
-          </a:effectRef>
-          <a:fontRef idx="minor">
-            <a:schemeClr val="lt1"/>
-          </a:fontRef>
-        </p:style>
-        <p:txBody>
-          <a:bodyPr rtlCol="0" anchor="ctr"/>
-          <a:lstStyle/>
-          <a:p>
-            <a:pPr algn="ctr"/>
-            <a:r>
-              <a:rPr lang="en-US" dirty="0"/>
-              <a:t>v</a:t>
-            </a:r>
-          </a:p>
-        </p:txBody>
-      </p:sp>
-      <p:sp>
-        <p:nvSpPr>
-          <p:cNvPr id="10" name="Oval 9">
-            <a:extLst>
-              <a:ext uri="{FF2B5EF4-FFF2-40B4-BE49-F238E27FC236}">
-                <a16:creationId xmlns:a16="http://schemas.microsoft.com/office/drawing/2014/main" id="{DAAF0D25-48A5-1833-52E7-87CEF24B1495}"/>
-              </a:ext>
-            </a:extLst>
-          </p:cNvPr>
-          <p:cNvSpPr/>
-          <p:nvPr/>
-        </p:nvSpPr>
-        <p:spPr>
-          <a:xfrm>
-            <a:off x="6655722" y="4045528"/>
-            <a:ext cx="315883" cy="315883"/>
-          </a:xfrm>
-          <a:prstGeom prst="ellipse">
-            <a:avLst/>
-          </a:prstGeom>
-          <a:solidFill>
-            <a:schemeClr val="accent2"/>
-          </a:solidFill>
-          <a:ln>
-            <a:solidFill>
-              <a:schemeClr val="accent2"/>
-            </a:solidFill>
-          </a:ln>
-        </p:spPr>
-        <p:style>
-          <a:lnRef idx="2">
-            <a:schemeClr val="accent1">
-              <a:shade val="15000"/>
-            </a:schemeClr>
-          </a:lnRef>
-          <a:fillRef idx="1">
-            <a:schemeClr val="accent1"/>
-          </a:fillRef>
-          <a:effectRef idx="0">
-            <a:schemeClr val="accent1"/>
-          </a:effectRef>
-          <a:fontRef idx="minor">
-            <a:schemeClr val="lt1"/>
-          </a:fontRef>
-        </p:style>
-        <p:txBody>
-          <a:bodyPr rtlCol="0" anchor="ctr"/>
-          <a:lstStyle/>
-          <a:p>
-            <a:pPr algn="ctr"/>
-            <a:r>
-              <a:rPr lang="en-US" dirty="0"/>
-              <a:t>v</a:t>
-            </a:r>
-          </a:p>
-        </p:txBody>
-      </p:sp>
-      <p:sp>
-        <p:nvSpPr>
-          <p:cNvPr id="11" name="Oval 10">
-            <a:extLst>
-              <a:ext uri="{FF2B5EF4-FFF2-40B4-BE49-F238E27FC236}">
-                <a16:creationId xmlns:a16="http://schemas.microsoft.com/office/drawing/2014/main" id="{5C942E61-F37A-9D42-90AD-D1D01A994F42}"/>
-              </a:ext>
-            </a:extLst>
-          </p:cNvPr>
-          <p:cNvSpPr/>
-          <p:nvPr/>
-        </p:nvSpPr>
-        <p:spPr>
-          <a:xfrm>
-            <a:off x="6821975" y="3654831"/>
-            <a:ext cx="315883" cy="315883"/>
-          </a:xfrm>
-          <a:prstGeom prst="ellipse">
-            <a:avLst/>
-          </a:prstGeom>
-          <a:solidFill>
-            <a:schemeClr val="accent2"/>
-          </a:solidFill>
-          <a:ln>
-            <a:solidFill>
-              <a:schemeClr val="accent2"/>
-            </a:solidFill>
-          </a:ln>
-        </p:spPr>
-        <p:style>
-          <a:lnRef idx="2">
-            <a:schemeClr val="accent1">
-              <a:shade val="15000"/>
-            </a:schemeClr>
-          </a:lnRef>
-          <a:fillRef idx="1">
-            <a:schemeClr val="accent1"/>
-          </a:fillRef>
-          <a:effectRef idx="0">
-            <a:schemeClr val="accent1"/>
-          </a:effectRef>
-          <a:fontRef idx="minor">
-            <a:schemeClr val="lt1"/>
-          </a:fontRef>
-        </p:style>
-        <p:txBody>
-          <a:bodyPr rtlCol="0" anchor="ctr"/>
-          <a:lstStyle/>
-          <a:p>
-            <a:pPr algn="ctr"/>
-            <a:r>
-              <a:rPr lang="en-US" dirty="0"/>
-              <a:t>v</a:t>
-            </a:r>
-          </a:p>
-        </p:txBody>
-      </p:sp>
-      <p:sp>
-        <p:nvSpPr>
-          <p:cNvPr id="12" name="Oval 11">
-            <a:extLst>
-              <a:ext uri="{FF2B5EF4-FFF2-40B4-BE49-F238E27FC236}">
-                <a16:creationId xmlns:a16="http://schemas.microsoft.com/office/drawing/2014/main" id="{1DD15C9F-42B7-6B26-39AA-D0CE4EF0B52C}"/>
-              </a:ext>
-            </a:extLst>
-          </p:cNvPr>
-          <p:cNvSpPr/>
-          <p:nvPr/>
-        </p:nvSpPr>
-        <p:spPr>
-          <a:xfrm>
-            <a:off x="6215148" y="3412373"/>
-            <a:ext cx="315883" cy="315883"/>
-          </a:xfrm>
-          <a:prstGeom prst="ellipse">
-            <a:avLst/>
-          </a:prstGeom>
-          <a:solidFill>
-            <a:schemeClr val="accent2"/>
-          </a:solidFill>
-          <a:ln>
-            <a:solidFill>
-              <a:schemeClr val="accent2"/>
-            </a:solidFill>
-          </a:ln>
-        </p:spPr>
-        <p:style>
-          <a:lnRef idx="2">
-            <a:schemeClr val="accent1">
-              <a:shade val="15000"/>
-            </a:schemeClr>
-          </a:lnRef>
-          <a:fillRef idx="1">
-            <a:schemeClr val="accent1"/>
-          </a:fillRef>
-          <a:effectRef idx="0">
-            <a:schemeClr val="accent1"/>
-          </a:effectRef>
-          <a:fontRef idx="minor">
-            <a:schemeClr val="lt1"/>
-          </a:fontRef>
-        </p:style>
-        <p:txBody>
-          <a:bodyPr rtlCol="0" anchor="ctr"/>
-          <a:lstStyle/>
-          <a:p>
-            <a:pPr algn="ctr"/>
-            <a:r>
-              <a:rPr lang="en-US" dirty="0"/>
-              <a:t>v</a:t>
-            </a:r>
-          </a:p>
-        </p:txBody>
-      </p:sp>
-      <p:sp>
-        <p:nvSpPr>
-          <p:cNvPr id="13" name="Oval 12">
-            <a:extLst>
-              <a:ext uri="{FF2B5EF4-FFF2-40B4-BE49-F238E27FC236}">
-                <a16:creationId xmlns:a16="http://schemas.microsoft.com/office/drawing/2014/main" id="{D2C7CADB-720C-AB18-F932-1B24D7D5B09A}"/>
-              </a:ext>
-            </a:extLst>
-          </p:cNvPr>
-          <p:cNvSpPr/>
-          <p:nvPr/>
-        </p:nvSpPr>
-        <p:spPr>
-          <a:xfrm>
-            <a:off x="4386348" y="5292439"/>
-            <a:ext cx="315883" cy="315883"/>
-          </a:xfrm>
-          <a:prstGeom prst="ellipse">
-            <a:avLst/>
-          </a:prstGeom>
-          <a:solidFill>
-            <a:schemeClr val="accent2"/>
-          </a:solidFill>
-          <a:ln>
-            <a:solidFill>
-              <a:schemeClr val="accent2"/>
-            </a:solidFill>
-          </a:ln>
-        </p:spPr>
-        <p:style>
-          <a:lnRef idx="2">
-            <a:schemeClr val="accent1">
-              <a:shade val="15000"/>
-            </a:schemeClr>
-          </a:lnRef>
-          <a:fillRef idx="1">
-            <a:schemeClr val="accent1"/>
-          </a:fillRef>
-          <a:effectRef idx="0">
-            <a:schemeClr val="accent1"/>
-          </a:effectRef>
-          <a:fontRef idx="minor">
-            <a:schemeClr val="lt1"/>
-          </a:fontRef>
-        </p:style>
-        <p:txBody>
-          <a:bodyPr rtlCol="0" anchor="ctr"/>
-          <a:lstStyle/>
-          <a:p>
-            <a:pPr algn="ctr"/>
-            <a:r>
-              <a:rPr lang="en-US" dirty="0"/>
-              <a:t>v</a:t>
-            </a:r>
-          </a:p>
-        </p:txBody>
-      </p:sp>
-      <p:sp>
-        <p:nvSpPr>
-          <p:cNvPr id="14" name="Oval 13">
-            <a:extLst>
-              <a:ext uri="{FF2B5EF4-FFF2-40B4-BE49-F238E27FC236}">
-                <a16:creationId xmlns:a16="http://schemas.microsoft.com/office/drawing/2014/main" id="{1B589094-DE98-1196-0622-5296E7D83933}"/>
-              </a:ext>
-            </a:extLst>
-          </p:cNvPr>
-          <p:cNvSpPr/>
-          <p:nvPr/>
-        </p:nvSpPr>
-        <p:spPr>
-          <a:xfrm>
-            <a:off x="3823856" y="5561221"/>
-            <a:ext cx="315883" cy="315883"/>
-          </a:xfrm>
-          <a:prstGeom prst="ellipse">
-            <a:avLst/>
-          </a:prstGeom>
-          <a:solidFill>
-            <a:schemeClr val="accent2"/>
-          </a:solidFill>
-          <a:ln>
-            <a:solidFill>
-              <a:schemeClr val="accent2"/>
-            </a:solidFill>
-          </a:ln>
-        </p:spPr>
-        <p:style>
-          <a:lnRef idx="2">
-            <a:schemeClr val="accent1">
-              <a:shade val="15000"/>
-            </a:schemeClr>
-          </a:lnRef>
-          <a:fillRef idx="1">
-            <a:schemeClr val="accent1"/>
-          </a:fillRef>
-          <a:effectRef idx="0">
-            <a:schemeClr val="accent1"/>
-          </a:effectRef>
-          <a:fontRef idx="minor">
-            <a:schemeClr val="lt1"/>
-          </a:fontRef>
-        </p:style>
-        <p:txBody>
-          <a:bodyPr rtlCol="0" anchor="ctr"/>
-          <a:lstStyle/>
-          <a:p>
-            <a:pPr algn="ctr"/>
-            <a:r>
-              <a:rPr lang="en-US" dirty="0"/>
-              <a:t>v</a:t>
-            </a:r>
-          </a:p>
-        </p:txBody>
-      </p:sp>
-      <p:sp>
-        <p:nvSpPr>
-          <p:cNvPr id="15" name="Oval 14">
-            <a:extLst>
-              <a:ext uri="{FF2B5EF4-FFF2-40B4-BE49-F238E27FC236}">
-                <a16:creationId xmlns:a16="http://schemas.microsoft.com/office/drawing/2014/main" id="{FEBAC0BC-E314-8173-BE74-4FF11C96513E}"/>
-              </a:ext>
-            </a:extLst>
-          </p:cNvPr>
-          <p:cNvSpPr/>
-          <p:nvPr/>
-        </p:nvSpPr>
-        <p:spPr>
-          <a:xfrm>
-            <a:off x="3657600" y="4580314"/>
-            <a:ext cx="315883" cy="315883"/>
-          </a:xfrm>
-          <a:prstGeom prst="ellipse">
-            <a:avLst/>
-          </a:prstGeom>
-          <a:solidFill>
-            <a:schemeClr val="accent2"/>
-          </a:solidFill>
-          <a:ln>
-            <a:solidFill>
-              <a:schemeClr val="accent2"/>
-            </a:solidFill>
-          </a:ln>
-        </p:spPr>
-        <p:style>
-          <a:lnRef idx="2">
-            <a:schemeClr val="accent1">
-              <a:shade val="15000"/>
-            </a:schemeClr>
-          </a:lnRef>
-          <a:fillRef idx="1">
-            <a:schemeClr val="accent1"/>
-          </a:fillRef>
-          <a:effectRef idx="0">
-            <a:schemeClr val="accent1"/>
-          </a:effectRef>
-          <a:fontRef idx="minor">
-            <a:schemeClr val="lt1"/>
-          </a:fontRef>
-        </p:style>
-        <p:txBody>
-          <a:bodyPr rtlCol="0" anchor="ctr"/>
-          <a:lstStyle/>
-          <a:p>
-            <a:pPr algn="ctr"/>
-            <a:r>
-              <a:rPr lang="en-US" dirty="0"/>
-              <a:t>v</a:t>
-            </a:r>
-          </a:p>
-        </p:txBody>
-      </p:sp>
-      <p:sp>
-        <p:nvSpPr>
-          <p:cNvPr id="16" name="Oval 15">
-            <a:extLst>
-              <a:ext uri="{FF2B5EF4-FFF2-40B4-BE49-F238E27FC236}">
-                <a16:creationId xmlns:a16="http://schemas.microsoft.com/office/drawing/2014/main" id="{FF7E2D27-E133-477A-5396-578550BD7E5C}"/>
-              </a:ext>
-            </a:extLst>
-          </p:cNvPr>
-          <p:cNvSpPr/>
-          <p:nvPr/>
-        </p:nvSpPr>
-        <p:spPr>
-          <a:xfrm>
-            <a:off x="2945475" y="5314607"/>
-            <a:ext cx="315883" cy="315883"/>
-          </a:xfrm>
-          <a:prstGeom prst="ellipse">
-            <a:avLst/>
-          </a:prstGeom>
-          <a:solidFill>
-            <a:schemeClr val="accent2"/>
-          </a:solidFill>
-          <a:ln>
-            <a:solidFill>
-              <a:schemeClr val="accent2"/>
-            </a:solidFill>
-          </a:ln>
-        </p:spPr>
-        <p:style>
-          <a:lnRef idx="2">
-            <a:schemeClr val="accent1">
-              <a:shade val="15000"/>
-            </a:schemeClr>
-          </a:lnRef>
-          <a:fillRef idx="1">
-            <a:schemeClr val="accent1"/>
-          </a:fillRef>
-          <a:effectRef idx="0">
-            <a:schemeClr val="accent1"/>
-          </a:effectRef>
-          <a:fontRef idx="minor">
-            <a:schemeClr val="lt1"/>
-          </a:fontRef>
-        </p:style>
-        <p:txBody>
-          <a:bodyPr rtlCol="0" anchor="ctr"/>
-          <a:lstStyle/>
-          <a:p>
-            <a:pPr algn="ctr"/>
-            <a:r>
-              <a:rPr lang="en-US" dirty="0"/>
-              <a:t>v</a:t>
-            </a:r>
-          </a:p>
-        </p:txBody>
-      </p:sp>
-      <p:sp>
-        <p:nvSpPr>
-          <p:cNvPr id="17" name="Oval 16">
-            <a:extLst>
-              <a:ext uri="{FF2B5EF4-FFF2-40B4-BE49-F238E27FC236}">
-                <a16:creationId xmlns:a16="http://schemas.microsoft.com/office/drawing/2014/main" id="{BD2E996B-014F-027E-9EB7-B721FBF5176E}"/>
-              </a:ext>
-            </a:extLst>
-          </p:cNvPr>
-          <p:cNvSpPr/>
-          <p:nvPr/>
-        </p:nvSpPr>
-        <p:spPr>
-          <a:xfrm>
-            <a:off x="7362304" y="2083725"/>
-            <a:ext cx="315883" cy="315883"/>
-          </a:xfrm>
-          <a:prstGeom prst="ellipse">
-            <a:avLst/>
-          </a:prstGeom>
-          <a:solidFill>
-            <a:schemeClr val="accent2"/>
-          </a:solidFill>
-          <a:ln>
-            <a:solidFill>
-              <a:schemeClr val="accent2"/>
-            </a:solidFill>
-          </a:ln>
-        </p:spPr>
-        <p:style>
-          <a:lnRef idx="2">
-            <a:schemeClr val="accent1">
-              <a:shade val="15000"/>
-            </a:schemeClr>
-          </a:lnRef>
-          <a:fillRef idx="1">
-            <a:schemeClr val="accent1"/>
-          </a:fillRef>
-          <a:effectRef idx="0">
-            <a:schemeClr val="accent1"/>
-          </a:effectRef>
-          <a:fontRef idx="minor">
-            <a:schemeClr val="lt1"/>
-          </a:fontRef>
-        </p:style>
-        <p:txBody>
-          <a:bodyPr rtlCol="0" anchor="ctr"/>
-          <a:lstStyle/>
-          <a:p>
-            <a:pPr algn="ctr"/>
-            <a:r>
-              <a:rPr lang="en-US" dirty="0"/>
-              <a:t>v</a:t>
-            </a:r>
-          </a:p>
-        </p:txBody>
-      </p:sp>
-      <p:sp>
-        <p:nvSpPr>
-          <p:cNvPr id="18" name="Oval 17">
-            <a:extLst>
-              <a:ext uri="{FF2B5EF4-FFF2-40B4-BE49-F238E27FC236}">
-                <a16:creationId xmlns:a16="http://schemas.microsoft.com/office/drawing/2014/main" id="{FFAB3CCB-3C89-46D3-84F3-1024CDC324B0}"/>
-              </a:ext>
-            </a:extLst>
-          </p:cNvPr>
-          <p:cNvSpPr/>
-          <p:nvPr/>
-        </p:nvSpPr>
-        <p:spPr>
-          <a:xfrm>
-            <a:off x="6650183" y="2709951"/>
-            <a:ext cx="315883" cy="315883"/>
-          </a:xfrm>
-          <a:prstGeom prst="ellipse">
-            <a:avLst/>
-          </a:prstGeom>
-          <a:solidFill>
-            <a:schemeClr val="accent2"/>
-          </a:solidFill>
-          <a:ln>
-            <a:solidFill>
-              <a:schemeClr val="accent2"/>
-            </a:solidFill>
-          </a:ln>
-        </p:spPr>
-        <p:style>
-          <a:lnRef idx="2">
-            <a:schemeClr val="accent1">
-              <a:shade val="15000"/>
-            </a:schemeClr>
-          </a:lnRef>
-          <a:fillRef idx="1">
-            <a:schemeClr val="accent1"/>
-          </a:fillRef>
-          <a:effectRef idx="0">
-            <a:schemeClr val="accent1"/>
-          </a:effectRef>
-          <a:fontRef idx="minor">
-            <a:schemeClr val="lt1"/>
-          </a:fontRef>
-        </p:style>
-        <p:txBody>
-          <a:bodyPr rtlCol="0" anchor="ctr"/>
-          <a:lstStyle/>
-          <a:p>
-            <a:pPr algn="ctr"/>
-            <a:r>
-              <a:rPr lang="en-US" dirty="0"/>
-              <a:t>v</a:t>
-            </a:r>
-          </a:p>
-        </p:txBody>
-      </p:sp>
-      <p:sp>
-        <p:nvSpPr>
-          <p:cNvPr id="19" name="Oval 18">
-            <a:extLst>
-              <a:ext uri="{FF2B5EF4-FFF2-40B4-BE49-F238E27FC236}">
-                <a16:creationId xmlns:a16="http://schemas.microsoft.com/office/drawing/2014/main" id="{439E7DC4-D4FE-9BA9-6108-AA331ABE4781}"/>
-              </a:ext>
-            </a:extLst>
-          </p:cNvPr>
-          <p:cNvSpPr/>
-          <p:nvPr/>
-        </p:nvSpPr>
-        <p:spPr>
-          <a:xfrm>
-            <a:off x="5805056" y="2549239"/>
-            <a:ext cx="315883" cy="315883"/>
-          </a:xfrm>
-          <a:prstGeom prst="ellipse">
-            <a:avLst/>
-          </a:prstGeom>
-          <a:solidFill>
-            <a:schemeClr val="accent2"/>
-          </a:solidFill>
-          <a:ln>
-            <a:solidFill>
-              <a:schemeClr val="accent2"/>
-            </a:solidFill>
-          </a:ln>
-        </p:spPr>
-        <p:style>
-          <a:lnRef idx="2">
-            <a:schemeClr val="accent1">
-              <a:shade val="15000"/>
-            </a:schemeClr>
-          </a:lnRef>
-          <a:fillRef idx="1">
-            <a:schemeClr val="accent1"/>
-          </a:fillRef>
-          <a:effectRef idx="0">
-            <a:schemeClr val="accent1"/>
-          </a:effectRef>
-          <a:fontRef idx="minor">
-            <a:schemeClr val="lt1"/>
-          </a:fontRef>
-        </p:style>
-        <p:txBody>
-          <a:bodyPr rtlCol="0" anchor="ctr"/>
-          <a:lstStyle/>
-          <a:p>
-            <a:pPr algn="ctr"/>
-            <a:r>
-              <a:rPr lang="en-US" dirty="0"/>
-              <a:t>v</a:t>
-            </a:r>
-          </a:p>
-        </p:txBody>
-      </p:sp>
-      <p:sp>
-        <p:nvSpPr>
-          <p:cNvPr id="20" name="Oval 19">
-            <a:extLst>
-              <a:ext uri="{FF2B5EF4-FFF2-40B4-BE49-F238E27FC236}">
-                <a16:creationId xmlns:a16="http://schemas.microsoft.com/office/drawing/2014/main" id="{1DB4082E-9A16-0470-A874-B51304816B86}"/>
-              </a:ext>
-            </a:extLst>
-          </p:cNvPr>
-          <p:cNvSpPr/>
-          <p:nvPr/>
-        </p:nvSpPr>
-        <p:spPr>
-          <a:xfrm>
-            <a:off x="5433755" y="2377440"/>
-            <a:ext cx="315883" cy="315883"/>
-          </a:xfrm>
-          <a:prstGeom prst="ellipse">
-            <a:avLst/>
-          </a:prstGeom>
-          <a:solidFill>
-            <a:schemeClr val="accent2"/>
-          </a:solidFill>
-          <a:ln>
-            <a:solidFill>
-              <a:schemeClr val="accent2"/>
-            </a:solidFill>
-          </a:ln>
-        </p:spPr>
-        <p:style>
-          <a:lnRef idx="2">
-            <a:schemeClr val="accent1">
-              <a:shade val="15000"/>
-            </a:schemeClr>
-          </a:lnRef>
-          <a:fillRef idx="1">
-            <a:schemeClr val="accent1"/>
-          </a:fillRef>
-          <a:effectRef idx="0">
-            <a:schemeClr val="accent1"/>
-          </a:effectRef>
-          <a:fontRef idx="minor">
-            <a:schemeClr val="lt1"/>
-          </a:fontRef>
-        </p:style>
-        <p:txBody>
-          <a:bodyPr rtlCol="0" anchor="ctr"/>
-          <a:lstStyle/>
-          <a:p>
-            <a:pPr algn="ctr"/>
-            <a:r>
-              <a:rPr lang="en-US" dirty="0"/>
-              <a:t>v</a:t>
-            </a:r>
-          </a:p>
-        </p:txBody>
-      </p:sp>
-      <p:sp>
-        <p:nvSpPr>
-          <p:cNvPr id="21" name="Oval 20">
-            <a:extLst>
-              <a:ext uri="{FF2B5EF4-FFF2-40B4-BE49-F238E27FC236}">
-                <a16:creationId xmlns:a16="http://schemas.microsoft.com/office/drawing/2014/main" id="{D997C6CC-9C9E-4F09-4076-519EE353A5B1}"/>
-              </a:ext>
-            </a:extLst>
-          </p:cNvPr>
-          <p:cNvSpPr/>
-          <p:nvPr/>
-        </p:nvSpPr>
-        <p:spPr>
-          <a:xfrm>
-            <a:off x="4073237" y="2438400"/>
-            <a:ext cx="315883" cy="315883"/>
-          </a:xfrm>
-          <a:prstGeom prst="ellipse">
-            <a:avLst/>
-          </a:prstGeom>
-          <a:solidFill>
-            <a:schemeClr val="accent2"/>
-          </a:solidFill>
-          <a:ln>
-            <a:solidFill>
-              <a:schemeClr val="accent2"/>
-            </a:solidFill>
-          </a:ln>
-        </p:spPr>
-        <p:style>
-          <a:lnRef idx="2">
-            <a:schemeClr val="accent1">
-              <a:shade val="15000"/>
-            </a:schemeClr>
-          </a:lnRef>
-          <a:fillRef idx="1">
-            <a:schemeClr val="accent1"/>
-          </a:fillRef>
-          <a:effectRef idx="0">
-            <a:schemeClr val="accent1"/>
-          </a:effectRef>
-          <a:fontRef idx="minor">
-            <a:schemeClr val="lt1"/>
-          </a:fontRef>
-        </p:style>
-        <p:txBody>
-          <a:bodyPr rtlCol="0" anchor="ctr"/>
-          <a:lstStyle/>
-          <a:p>
-            <a:pPr algn="ctr"/>
-            <a:r>
-              <a:rPr lang="en-US" dirty="0"/>
-              <a:t>v</a:t>
-            </a:r>
-          </a:p>
-        </p:txBody>
-      </p:sp>
-      <p:sp>
-        <p:nvSpPr>
-          <p:cNvPr id="22" name="Oval 21">
-            <a:extLst>
-              <a:ext uri="{FF2B5EF4-FFF2-40B4-BE49-F238E27FC236}">
-                <a16:creationId xmlns:a16="http://schemas.microsoft.com/office/drawing/2014/main" id="{E2D52BCC-81AF-E7FE-78DD-211D7D3B2B7B}"/>
-              </a:ext>
-            </a:extLst>
-          </p:cNvPr>
-          <p:cNvSpPr/>
-          <p:nvPr/>
-        </p:nvSpPr>
-        <p:spPr>
-          <a:xfrm>
-            <a:off x="3843253" y="2798621"/>
-            <a:ext cx="315883" cy="315883"/>
-          </a:xfrm>
-          <a:prstGeom prst="ellipse">
-            <a:avLst/>
-          </a:prstGeom>
-          <a:solidFill>
-            <a:schemeClr val="accent2"/>
-          </a:solidFill>
-          <a:ln>
-            <a:solidFill>
-              <a:schemeClr val="accent2"/>
-            </a:solidFill>
-          </a:ln>
-        </p:spPr>
-        <p:style>
-          <a:lnRef idx="2">
-            <a:schemeClr val="accent1">
-              <a:shade val="15000"/>
-            </a:schemeClr>
-          </a:lnRef>
-          <a:fillRef idx="1">
-            <a:schemeClr val="accent1"/>
-          </a:fillRef>
-          <a:effectRef idx="0">
-            <a:schemeClr val="accent1"/>
-          </a:effectRef>
-          <a:fontRef idx="minor">
-            <a:schemeClr val="lt1"/>
-          </a:fontRef>
-        </p:style>
-        <p:txBody>
-          <a:bodyPr rtlCol="0" anchor="ctr"/>
-          <a:lstStyle/>
-          <a:p>
-            <a:pPr algn="ctr"/>
-            <a:r>
-              <a:rPr lang="en-US" dirty="0"/>
-              <a:t>v</a:t>
-            </a:r>
-          </a:p>
-        </p:txBody>
-      </p:sp>
-      <p:sp>
-        <p:nvSpPr>
-          <p:cNvPr id="23" name="Oval 22">
-            <a:extLst>
-              <a:ext uri="{FF2B5EF4-FFF2-40B4-BE49-F238E27FC236}">
-                <a16:creationId xmlns:a16="http://schemas.microsoft.com/office/drawing/2014/main" id="{0D730EED-6D4D-0B98-D7B5-0F432D7AB677}"/>
-              </a:ext>
-            </a:extLst>
-          </p:cNvPr>
-          <p:cNvSpPr/>
-          <p:nvPr/>
-        </p:nvSpPr>
-        <p:spPr>
-          <a:xfrm>
-            <a:off x="4319846" y="1845430"/>
-            <a:ext cx="315883" cy="315883"/>
-          </a:xfrm>
-          <a:prstGeom prst="ellipse">
-            <a:avLst/>
-          </a:prstGeom>
-          <a:solidFill>
-            <a:schemeClr val="accent2"/>
-          </a:solidFill>
-          <a:ln>
-            <a:solidFill>
-              <a:schemeClr val="accent2"/>
-            </a:solidFill>
-          </a:ln>
-        </p:spPr>
-        <p:style>
-          <a:lnRef idx="2">
-            <a:schemeClr val="accent1">
-              <a:shade val="15000"/>
-            </a:schemeClr>
-          </a:lnRef>
-          <a:fillRef idx="1">
-            <a:schemeClr val="accent1"/>
-          </a:fillRef>
-          <a:effectRef idx="0">
-            <a:schemeClr val="accent1"/>
-          </a:effectRef>
-          <a:fontRef idx="minor">
-            <a:schemeClr val="lt1"/>
-          </a:fontRef>
-        </p:style>
-        <p:txBody>
-          <a:bodyPr rtlCol="0" anchor="ctr"/>
-          <a:lstStyle/>
-          <a:p>
-            <a:pPr algn="ctr"/>
-            <a:r>
-              <a:rPr lang="en-US" dirty="0"/>
-              <a:t>v</a:t>
-            </a:r>
-          </a:p>
-        </p:txBody>
-      </p:sp>
-      <p:sp>
-        <p:nvSpPr>
-          <p:cNvPr id="24" name="Oval 23">
-            <a:extLst>
-              <a:ext uri="{FF2B5EF4-FFF2-40B4-BE49-F238E27FC236}">
-                <a16:creationId xmlns:a16="http://schemas.microsoft.com/office/drawing/2014/main" id="{F9303C0D-6047-699C-B8D3-D94B14AD6E28}"/>
-              </a:ext>
-            </a:extLst>
-          </p:cNvPr>
-          <p:cNvSpPr/>
-          <p:nvPr/>
-        </p:nvSpPr>
-        <p:spPr>
-          <a:xfrm>
-            <a:off x="3217023" y="1723513"/>
-            <a:ext cx="315883" cy="315883"/>
-          </a:xfrm>
-          <a:prstGeom prst="ellipse">
-            <a:avLst/>
-          </a:prstGeom>
-          <a:solidFill>
-            <a:schemeClr val="accent2"/>
-          </a:solidFill>
-          <a:ln>
-            <a:solidFill>
-              <a:schemeClr val="accent2"/>
-            </a:solidFill>
-          </a:ln>
-        </p:spPr>
-        <p:style>
-          <a:lnRef idx="2">
-            <a:schemeClr val="accent1">
-              <a:shade val="15000"/>
-            </a:schemeClr>
-          </a:lnRef>
-          <a:fillRef idx="1">
-            <a:schemeClr val="accent1"/>
-          </a:fillRef>
-          <a:effectRef idx="0">
-            <a:schemeClr val="accent1"/>
-          </a:effectRef>
-          <a:fontRef idx="minor">
-            <a:schemeClr val="lt1"/>
-          </a:fontRef>
-        </p:style>
-        <p:txBody>
-          <a:bodyPr rtlCol="0" anchor="ctr"/>
-          <a:lstStyle/>
-          <a:p>
-            <a:pPr algn="ctr"/>
-            <a:r>
-              <a:rPr lang="en-US" dirty="0"/>
-              <a:t>v</a:t>
-            </a:r>
-          </a:p>
-        </p:txBody>
-      </p:sp>
-      <p:sp>
-        <p:nvSpPr>
-          <p:cNvPr id="25" name="Oval 24">
-            <a:extLst>
-              <a:ext uri="{FF2B5EF4-FFF2-40B4-BE49-F238E27FC236}">
-                <a16:creationId xmlns:a16="http://schemas.microsoft.com/office/drawing/2014/main" id="{6DA0AA56-30BC-868D-1BFD-6E76059D6215}"/>
-              </a:ext>
-            </a:extLst>
-          </p:cNvPr>
-          <p:cNvSpPr/>
-          <p:nvPr/>
-        </p:nvSpPr>
-        <p:spPr>
-          <a:xfrm>
-            <a:off x="3244733" y="1310648"/>
-            <a:ext cx="315883" cy="315883"/>
-          </a:xfrm>
-          <a:prstGeom prst="ellipse">
-            <a:avLst/>
-          </a:prstGeom>
-          <a:solidFill>
-            <a:schemeClr val="accent2"/>
-          </a:solidFill>
-          <a:ln>
-            <a:solidFill>
-              <a:schemeClr val="accent2"/>
-            </a:solidFill>
-          </a:ln>
-        </p:spPr>
-        <p:style>
-          <a:lnRef idx="2">
-            <a:schemeClr val="accent1">
-              <a:shade val="15000"/>
-            </a:schemeClr>
-          </a:lnRef>
-          <a:fillRef idx="1">
-            <a:schemeClr val="accent1"/>
-          </a:fillRef>
-          <a:effectRef idx="0">
-            <a:schemeClr val="accent1"/>
-          </a:effectRef>
-          <a:fontRef idx="minor">
-            <a:schemeClr val="lt1"/>
-          </a:fontRef>
-        </p:style>
-        <p:txBody>
-          <a:bodyPr rtlCol="0" anchor="ctr"/>
-          <a:lstStyle/>
-          <a:p>
-            <a:pPr algn="ctr"/>
-            <a:r>
-              <a:rPr lang="en-US" dirty="0"/>
-              <a:t>v</a:t>
-            </a:r>
-          </a:p>
-        </p:txBody>
-      </p:sp>
-      <p:sp>
-        <p:nvSpPr>
-          <p:cNvPr id="26" name="Oval 25">
-            <a:extLst>
-              <a:ext uri="{FF2B5EF4-FFF2-40B4-BE49-F238E27FC236}">
-                <a16:creationId xmlns:a16="http://schemas.microsoft.com/office/drawing/2014/main" id="{5D5579DF-F234-A588-BABA-9A1A67CBEE20}"/>
-              </a:ext>
-            </a:extLst>
-          </p:cNvPr>
-          <p:cNvSpPr/>
-          <p:nvPr/>
-        </p:nvSpPr>
-        <p:spPr>
-          <a:xfrm>
-            <a:off x="4045526" y="922721"/>
-            <a:ext cx="315883" cy="315883"/>
-          </a:xfrm>
-          <a:prstGeom prst="ellipse">
-            <a:avLst/>
-          </a:prstGeom>
-          <a:solidFill>
-            <a:schemeClr val="accent2"/>
-          </a:solidFill>
-          <a:ln>
-            <a:solidFill>
-              <a:schemeClr val="accent2"/>
-            </a:solidFill>
-          </a:ln>
-        </p:spPr>
-        <p:style>
-          <a:lnRef idx="2">
-            <a:schemeClr val="accent1">
-              <a:shade val="15000"/>
-            </a:schemeClr>
-          </a:lnRef>
-          <a:fillRef idx="1">
-            <a:schemeClr val="accent1"/>
-          </a:fillRef>
-          <a:effectRef idx="0">
-            <a:schemeClr val="accent1"/>
-          </a:effectRef>
-          <a:fontRef idx="minor">
-            <a:schemeClr val="lt1"/>
-          </a:fontRef>
-        </p:style>
-        <p:txBody>
-          <a:bodyPr rtlCol="0" anchor="ctr"/>
-          <a:lstStyle/>
-          <a:p>
-            <a:pPr algn="ctr"/>
-            <a:r>
-              <a:rPr lang="en-US" dirty="0"/>
-              <a:t>v</a:t>
-            </a:r>
-          </a:p>
-        </p:txBody>
-      </p:sp>
-      <p:sp>
-        <p:nvSpPr>
-          <p:cNvPr id="27" name="Oval 26">
-            <a:extLst>
-              <a:ext uri="{FF2B5EF4-FFF2-40B4-BE49-F238E27FC236}">
-                <a16:creationId xmlns:a16="http://schemas.microsoft.com/office/drawing/2014/main" id="{0F5745AB-CAB2-2EB8-0D82-21D9D84F22D3}"/>
-              </a:ext>
-            </a:extLst>
-          </p:cNvPr>
-          <p:cNvSpPr/>
-          <p:nvPr/>
-        </p:nvSpPr>
-        <p:spPr>
-          <a:xfrm>
-            <a:off x="2610195" y="750921"/>
-            <a:ext cx="315883" cy="315883"/>
-          </a:xfrm>
-          <a:prstGeom prst="ellipse">
-            <a:avLst/>
-          </a:prstGeom>
-          <a:solidFill>
-            <a:schemeClr val="accent2"/>
-          </a:solidFill>
-          <a:ln>
-            <a:solidFill>
-              <a:schemeClr val="accent2"/>
-            </a:solidFill>
-          </a:ln>
-        </p:spPr>
-        <p:style>
-          <a:lnRef idx="2">
-            <a:schemeClr val="accent1">
-              <a:shade val="15000"/>
-            </a:schemeClr>
-          </a:lnRef>
-          <a:fillRef idx="1">
-            <a:schemeClr val="accent1"/>
-          </a:fillRef>
-          <a:effectRef idx="0">
-            <a:schemeClr val="accent1"/>
-          </a:effectRef>
-          <a:fontRef idx="minor">
-            <a:schemeClr val="lt1"/>
-          </a:fontRef>
-        </p:style>
-        <p:txBody>
-          <a:bodyPr rtlCol="0" anchor="ctr"/>
-          <a:lstStyle/>
-          <a:p>
-            <a:pPr algn="ctr"/>
-            <a:r>
-              <a:rPr lang="en-US" dirty="0"/>
-              <a:t>v</a:t>
-            </a:r>
-          </a:p>
-        </p:txBody>
-      </p:sp>
-      <p:sp>
-        <p:nvSpPr>
-          <p:cNvPr id="28" name="Oval 27">
-            <a:extLst>
-              <a:ext uri="{FF2B5EF4-FFF2-40B4-BE49-F238E27FC236}">
-                <a16:creationId xmlns:a16="http://schemas.microsoft.com/office/drawing/2014/main" id="{794E63DF-A301-951C-C146-F343B466ACF9}"/>
-              </a:ext>
-            </a:extLst>
-          </p:cNvPr>
-          <p:cNvSpPr/>
-          <p:nvPr/>
-        </p:nvSpPr>
-        <p:spPr>
-          <a:xfrm>
-            <a:off x="5746859" y="1019698"/>
-            <a:ext cx="315883" cy="315883"/>
-          </a:xfrm>
-          <a:prstGeom prst="ellipse">
-            <a:avLst/>
-          </a:prstGeom>
-          <a:solidFill>
-            <a:schemeClr val="accent2"/>
-          </a:solidFill>
-          <a:ln>
-            <a:solidFill>
-              <a:schemeClr val="accent2"/>
-            </a:solidFill>
-          </a:ln>
-        </p:spPr>
-        <p:style>
-          <a:lnRef idx="2">
-            <a:schemeClr val="accent1">
-              <a:shade val="15000"/>
-            </a:schemeClr>
-          </a:lnRef>
-          <a:fillRef idx="1">
-            <a:schemeClr val="accent1"/>
-          </a:fillRef>
-          <a:effectRef idx="0">
-            <a:schemeClr val="accent1"/>
-          </a:effectRef>
-          <a:fontRef idx="minor">
-            <a:schemeClr val="lt1"/>
-          </a:fontRef>
-        </p:style>
-        <p:txBody>
-          <a:bodyPr rtlCol="0" anchor="ctr"/>
-          <a:lstStyle/>
-          <a:p>
-            <a:pPr algn="ctr"/>
-            <a:r>
-              <a:rPr lang="en-US" dirty="0"/>
-              <a:t>v</a:t>
-            </a:r>
-          </a:p>
-        </p:txBody>
-      </p:sp>
-      <p:sp>
-        <p:nvSpPr>
-          <p:cNvPr id="29" name="Oval 28">
-            <a:extLst>
-              <a:ext uri="{FF2B5EF4-FFF2-40B4-BE49-F238E27FC236}">
-                <a16:creationId xmlns:a16="http://schemas.microsoft.com/office/drawing/2014/main" id="{49D8F52C-F5CB-D7AD-93BA-CF865BF0CBB2}"/>
-              </a:ext>
-            </a:extLst>
-          </p:cNvPr>
-          <p:cNvSpPr/>
-          <p:nvPr/>
-        </p:nvSpPr>
-        <p:spPr>
-          <a:xfrm>
-            <a:off x="5674817" y="1554484"/>
-            <a:ext cx="315883" cy="315883"/>
-          </a:xfrm>
-          <a:prstGeom prst="ellipse">
-            <a:avLst/>
-          </a:prstGeom>
-          <a:solidFill>
-            <a:schemeClr val="accent2"/>
-          </a:solidFill>
-          <a:ln>
-            <a:solidFill>
-              <a:schemeClr val="accent2"/>
-            </a:solidFill>
-          </a:ln>
-        </p:spPr>
-        <p:style>
-          <a:lnRef idx="2">
-            <a:schemeClr val="accent1">
-              <a:shade val="15000"/>
-            </a:schemeClr>
-          </a:lnRef>
-          <a:fillRef idx="1">
-            <a:schemeClr val="accent1"/>
-          </a:fillRef>
-          <a:effectRef idx="0">
-            <a:schemeClr val="accent1"/>
-          </a:effectRef>
-          <a:fontRef idx="minor">
-            <a:schemeClr val="lt1"/>
-          </a:fontRef>
-        </p:style>
-        <p:txBody>
-          <a:bodyPr rtlCol="0" anchor="ctr"/>
-          <a:lstStyle/>
-          <a:p>
-            <a:pPr algn="ctr"/>
-            <a:r>
-              <a:rPr lang="en-US" dirty="0"/>
-              <a:t>v</a:t>
-            </a:r>
-          </a:p>
-        </p:txBody>
-      </p:sp>
-      <p:sp>
-        <p:nvSpPr>
-          <p:cNvPr id="30" name="Oval 29">
-            <a:extLst>
-              <a:ext uri="{FF2B5EF4-FFF2-40B4-BE49-F238E27FC236}">
-                <a16:creationId xmlns:a16="http://schemas.microsoft.com/office/drawing/2014/main" id="{44F9EADD-0F03-E6B1-2602-2FF9C00A63C6}"/>
-              </a:ext>
-            </a:extLst>
-          </p:cNvPr>
-          <p:cNvSpPr/>
-          <p:nvPr/>
-        </p:nvSpPr>
-        <p:spPr>
-          <a:xfrm>
-            <a:off x="5926970" y="1673633"/>
-            <a:ext cx="315883" cy="315883"/>
-          </a:xfrm>
-          <a:prstGeom prst="ellipse">
-            <a:avLst/>
-          </a:prstGeom>
-          <a:solidFill>
-            <a:schemeClr val="accent2"/>
-          </a:solidFill>
-          <a:ln>
-            <a:solidFill>
-              <a:schemeClr val="accent2"/>
-            </a:solidFill>
-          </a:ln>
-        </p:spPr>
-        <p:style>
-          <a:lnRef idx="2">
-            <a:schemeClr val="accent1">
-              <a:shade val="15000"/>
-            </a:schemeClr>
-          </a:lnRef>
-          <a:fillRef idx="1">
-            <a:schemeClr val="accent1"/>
-          </a:fillRef>
-          <a:effectRef idx="0">
-            <a:schemeClr val="accent1"/>
-          </a:effectRef>
-          <a:fontRef idx="minor">
-            <a:schemeClr val="lt1"/>
-          </a:fontRef>
-        </p:style>
-        <p:txBody>
-          <a:bodyPr rtlCol="0" anchor="ctr"/>
-          <a:lstStyle/>
-          <a:p>
-            <a:pPr algn="ctr"/>
-            <a:r>
-              <a:rPr lang="en-US" dirty="0"/>
-              <a:t>v</a:t>
-            </a:r>
-          </a:p>
-        </p:txBody>
-      </p:sp>
-      <p:sp>
-        <p:nvSpPr>
-          <p:cNvPr id="31" name="Oval 30">
-            <a:extLst>
-              <a:ext uri="{FF2B5EF4-FFF2-40B4-BE49-F238E27FC236}">
-                <a16:creationId xmlns:a16="http://schemas.microsoft.com/office/drawing/2014/main" id="{37F22574-3EF8-86CC-EF95-F28EDED5A2F3}"/>
-              </a:ext>
-            </a:extLst>
-          </p:cNvPr>
-          <p:cNvSpPr/>
-          <p:nvPr/>
-        </p:nvSpPr>
-        <p:spPr>
-          <a:xfrm>
-            <a:off x="6503317" y="1751218"/>
-            <a:ext cx="315883" cy="315883"/>
-          </a:xfrm>
-          <a:prstGeom prst="ellipse">
-            <a:avLst/>
-          </a:prstGeom>
-          <a:solidFill>
-            <a:schemeClr val="accent2"/>
-          </a:solidFill>
-          <a:ln>
-            <a:solidFill>
-              <a:schemeClr val="accent2"/>
-            </a:solidFill>
-          </a:ln>
-        </p:spPr>
-        <p:style>
-          <a:lnRef idx="2">
-            <a:schemeClr val="accent1">
-              <a:shade val="15000"/>
-            </a:schemeClr>
-          </a:lnRef>
-          <a:fillRef idx="1">
-            <a:schemeClr val="accent1"/>
-          </a:fillRef>
-          <a:effectRef idx="0">
-            <a:schemeClr val="accent1"/>
-          </a:effectRef>
-          <a:fontRef idx="minor">
-            <a:schemeClr val="lt1"/>
-          </a:fontRef>
-        </p:style>
-        <p:txBody>
-          <a:bodyPr rtlCol="0" anchor="ctr"/>
-          <a:lstStyle/>
-          <a:p>
-            <a:pPr algn="ctr"/>
-            <a:r>
-              <a:rPr lang="en-US" dirty="0"/>
-              <a:t>v</a:t>
-            </a:r>
-          </a:p>
-        </p:txBody>
-      </p:sp>
-      <p:sp>
-        <p:nvSpPr>
-          <p:cNvPr id="32" name="Oval 31">
-            <a:extLst>
-              <a:ext uri="{FF2B5EF4-FFF2-40B4-BE49-F238E27FC236}">
-                <a16:creationId xmlns:a16="http://schemas.microsoft.com/office/drawing/2014/main" id="{6653A38E-2D60-93B3-9742-9D03BA08EC17}"/>
-              </a:ext>
-            </a:extLst>
-          </p:cNvPr>
-          <p:cNvSpPr/>
-          <p:nvPr/>
-        </p:nvSpPr>
-        <p:spPr>
-          <a:xfrm>
-            <a:off x="7096290" y="1230287"/>
-            <a:ext cx="315883" cy="315883"/>
-          </a:xfrm>
-          <a:prstGeom prst="ellipse">
-            <a:avLst/>
-          </a:prstGeom>
-          <a:solidFill>
-            <a:schemeClr val="accent2"/>
-          </a:solidFill>
-          <a:ln>
-            <a:solidFill>
-              <a:schemeClr val="accent2"/>
-            </a:solidFill>
-          </a:ln>
-        </p:spPr>
-        <p:style>
-          <a:lnRef idx="2">
-            <a:schemeClr val="accent1">
-              <a:shade val="15000"/>
-            </a:schemeClr>
-          </a:lnRef>
-          <a:fillRef idx="1">
-            <a:schemeClr val="accent1"/>
-          </a:fillRef>
-          <a:effectRef idx="0">
-            <a:schemeClr val="accent1"/>
-          </a:effectRef>
-          <a:fontRef idx="minor">
-            <a:schemeClr val="lt1"/>
-          </a:fontRef>
-        </p:style>
-        <p:txBody>
-          <a:bodyPr rtlCol="0" anchor="ctr"/>
-          <a:lstStyle/>
-          <a:p>
-            <a:pPr algn="ctr"/>
-            <a:r>
-              <a:rPr lang="en-US" dirty="0"/>
-              <a:t>v</a:t>
-            </a:r>
-          </a:p>
-        </p:txBody>
-      </p:sp>
-      <p:sp>
-        <p:nvSpPr>
-          <p:cNvPr id="33" name="Oval 32">
-            <a:extLst>
-              <a:ext uri="{FF2B5EF4-FFF2-40B4-BE49-F238E27FC236}">
-                <a16:creationId xmlns:a16="http://schemas.microsoft.com/office/drawing/2014/main" id="{4D6317D2-7300-1D1F-C5F9-2E65E0C0E256}"/>
-              </a:ext>
-            </a:extLst>
-          </p:cNvPr>
-          <p:cNvSpPr/>
-          <p:nvPr/>
-        </p:nvSpPr>
-        <p:spPr>
-          <a:xfrm>
-            <a:off x="6442357" y="1133306"/>
-            <a:ext cx="315883" cy="315883"/>
-          </a:xfrm>
-          <a:prstGeom prst="ellipse">
-            <a:avLst/>
-          </a:prstGeom>
-          <a:solidFill>
-            <a:schemeClr val="accent2"/>
-          </a:solidFill>
-          <a:ln>
-            <a:solidFill>
-              <a:schemeClr val="accent2"/>
-            </a:solidFill>
-          </a:ln>
-        </p:spPr>
-        <p:style>
-          <a:lnRef idx="2">
-            <a:schemeClr val="accent1">
-              <a:shade val="15000"/>
-            </a:schemeClr>
-          </a:lnRef>
-          <a:fillRef idx="1">
-            <a:schemeClr val="accent1"/>
-          </a:fillRef>
-          <a:effectRef idx="0">
-            <a:schemeClr val="accent1"/>
-          </a:effectRef>
-          <a:fontRef idx="minor">
-            <a:schemeClr val="lt1"/>
-          </a:fontRef>
-        </p:style>
-        <p:txBody>
-          <a:bodyPr rtlCol="0" anchor="ctr"/>
-          <a:lstStyle/>
-          <a:p>
-            <a:pPr algn="ctr"/>
-            <a:r>
-              <a:rPr lang="en-US" dirty="0"/>
-              <a:t>v</a:t>
-            </a:r>
-          </a:p>
-        </p:txBody>
-      </p:sp>
-      <p:sp>
-        <p:nvSpPr>
-          <p:cNvPr id="34" name="Oval 33">
-            <a:extLst>
-              <a:ext uri="{FF2B5EF4-FFF2-40B4-BE49-F238E27FC236}">
-                <a16:creationId xmlns:a16="http://schemas.microsoft.com/office/drawing/2014/main" id="{0287709F-B5B3-958E-6737-D2C506C032DC}"/>
-              </a:ext>
-            </a:extLst>
-          </p:cNvPr>
-          <p:cNvSpPr/>
-          <p:nvPr/>
-        </p:nvSpPr>
-        <p:spPr>
-          <a:xfrm>
-            <a:off x="6719449" y="795255"/>
-            <a:ext cx="315883" cy="315883"/>
-          </a:xfrm>
-          <a:prstGeom prst="ellipse">
-            <a:avLst/>
-          </a:prstGeom>
-          <a:solidFill>
-            <a:schemeClr val="accent2"/>
-          </a:solidFill>
-          <a:ln>
-            <a:solidFill>
-              <a:schemeClr val="accent2"/>
-            </a:solidFill>
-          </a:ln>
-        </p:spPr>
-        <p:style>
-          <a:lnRef idx="2">
-            <a:schemeClr val="accent1">
-              <a:shade val="15000"/>
-            </a:schemeClr>
-          </a:lnRef>
-          <a:fillRef idx="1">
-            <a:schemeClr val="accent1"/>
-          </a:fillRef>
-          <a:effectRef idx="0">
-            <a:schemeClr val="accent1"/>
-          </a:effectRef>
-          <a:fontRef idx="minor">
-            <a:schemeClr val="lt1"/>
-          </a:fontRef>
-        </p:style>
-        <p:txBody>
-          <a:bodyPr rtlCol="0" anchor="ctr"/>
-          <a:lstStyle/>
-          <a:p>
-            <a:pPr algn="ctr"/>
-            <a:r>
-              <a:rPr lang="en-US" dirty="0"/>
-              <a:t>v</a:t>
-            </a:r>
-          </a:p>
-        </p:txBody>
-      </p:sp>
+      </p:pic>
     </p:spTree>
     <p:extLst>
       <p:ext uri="{BB962C8B-B14F-4D97-AF65-F5344CB8AC3E}">
-        <p14:creationId xmlns:p14="http://schemas.microsoft.com/office/powerpoint/2010/main" val="536673250"/>
+        <p14:creationId xmlns:p14="http://schemas.microsoft.com/office/powerpoint/2010/main" val="1197114788"/>
       </p:ext>
     </p:extLst>
   </p:cSld>
